--- a/19_Sympact/19_Sympact_Corrige.pptx
+++ b/19_Sympact/19_Sympact_Corrige.pptx
@@ -363,7 +363,7 @@
           <a:p>
             <a:fld id="{D7F135F6-2A09-4FDD-9ECA-096E230CA0FA}" type="datetimeFigureOut">
               <a:rPr lang="fr-FR" smtClean="0"/>
-              <a:t>20/11/2023</a:t>
+              <a:t>24/11/2023</a:t>
             </a:fld>
             <a:endParaRPr lang="fr-FR"/>
           </a:p>
@@ -568,7 +568,7 @@
           <a:p>
             <a:fld id="{D7F135F6-2A09-4FDD-9ECA-096E230CA0FA}" type="datetimeFigureOut">
               <a:rPr lang="fr-FR" smtClean="0"/>
-              <a:t>20/11/2023</a:t>
+              <a:t>24/11/2023</a:t>
             </a:fld>
             <a:endParaRPr lang="fr-FR"/>
           </a:p>
@@ -824,7 +824,7 @@
           <a:p>
             <a:fld id="{D7F135F6-2A09-4FDD-9ECA-096E230CA0FA}" type="datetimeFigureOut">
               <a:rPr lang="fr-FR" smtClean="0"/>
-              <a:t>20/11/2023</a:t>
+              <a:t>24/11/2023</a:t>
             </a:fld>
             <a:endParaRPr lang="fr-FR"/>
           </a:p>
@@ -1032,7 +1032,7 @@
           <a:p>
             <a:fld id="{8AAB5A56-9FCC-43E3-B6ED-50DB8CA1C8D6}" type="datetimeFigureOut">
               <a:rPr lang="fr-FR" smtClean="0"/>
-              <a:t>20/11/2023</a:t>
+              <a:t>24/11/2023</a:t>
             </a:fld>
             <a:endParaRPr lang="fr-FR"/>
           </a:p>
@@ -1230,7 +1230,7 @@
           <a:p>
             <a:fld id="{8AAB5A56-9FCC-43E3-B6ED-50DB8CA1C8D6}" type="datetimeFigureOut">
               <a:rPr lang="fr-FR" smtClean="0"/>
-              <a:t>20/11/2023</a:t>
+              <a:t>24/11/2023</a:t>
             </a:fld>
             <a:endParaRPr lang="fr-FR"/>
           </a:p>
@@ -1505,7 +1505,7 @@
           <a:p>
             <a:fld id="{8AAB5A56-9FCC-43E3-B6ED-50DB8CA1C8D6}" type="datetimeFigureOut">
               <a:rPr lang="fr-FR" smtClean="0"/>
-              <a:t>20/11/2023</a:t>
+              <a:t>24/11/2023</a:t>
             </a:fld>
             <a:endParaRPr lang="fr-FR"/>
           </a:p>
@@ -1770,7 +1770,7 @@
           <a:p>
             <a:fld id="{8AAB5A56-9FCC-43E3-B6ED-50DB8CA1C8D6}" type="datetimeFigureOut">
               <a:rPr lang="fr-FR" smtClean="0"/>
-              <a:t>20/11/2023</a:t>
+              <a:t>24/11/2023</a:t>
             </a:fld>
             <a:endParaRPr lang="fr-FR"/>
           </a:p>
@@ -2182,7 +2182,7 @@
           <a:p>
             <a:fld id="{8AAB5A56-9FCC-43E3-B6ED-50DB8CA1C8D6}" type="datetimeFigureOut">
               <a:rPr lang="fr-FR" smtClean="0"/>
-              <a:t>20/11/2023</a:t>
+              <a:t>24/11/2023</a:t>
             </a:fld>
             <a:endParaRPr lang="fr-FR"/>
           </a:p>
@@ -2323,7 +2323,7 @@
           <a:p>
             <a:fld id="{8AAB5A56-9FCC-43E3-B6ED-50DB8CA1C8D6}" type="datetimeFigureOut">
               <a:rPr lang="fr-FR" smtClean="0"/>
-              <a:t>20/11/2023</a:t>
+              <a:t>24/11/2023</a:t>
             </a:fld>
             <a:endParaRPr lang="fr-FR"/>
           </a:p>
@@ -2436,7 +2436,7 @@
           <a:p>
             <a:fld id="{8AAB5A56-9FCC-43E3-B6ED-50DB8CA1C8D6}" type="datetimeFigureOut">
               <a:rPr lang="fr-FR" smtClean="0"/>
-              <a:t>20/11/2023</a:t>
+              <a:t>24/11/2023</a:t>
             </a:fld>
             <a:endParaRPr lang="fr-FR"/>
           </a:p>
@@ -2747,7 +2747,7 @@
           <a:p>
             <a:fld id="{8AAB5A56-9FCC-43E3-B6ED-50DB8CA1C8D6}" type="datetimeFigureOut">
               <a:rPr lang="fr-FR" smtClean="0"/>
-              <a:t>20/11/2023</a:t>
+              <a:t>24/11/2023</a:t>
             </a:fld>
             <a:endParaRPr lang="fr-FR"/>
           </a:p>
@@ -2965,7 +2965,7 @@
           <a:p>
             <a:fld id="{D7F135F6-2A09-4FDD-9ECA-096E230CA0FA}" type="datetimeFigureOut">
               <a:rPr lang="fr-FR" smtClean="0"/>
-              <a:t>20/11/2023</a:t>
+              <a:t>24/11/2023</a:t>
             </a:fld>
             <a:endParaRPr lang="fr-FR"/>
           </a:p>
@@ -3257,7 +3257,7 @@
           <a:p>
             <a:fld id="{8AAB5A56-9FCC-43E3-B6ED-50DB8CA1C8D6}" type="datetimeFigureOut">
               <a:rPr lang="fr-FR" smtClean="0"/>
-              <a:t>20/11/2023</a:t>
+              <a:t>24/11/2023</a:t>
             </a:fld>
             <a:endParaRPr lang="fr-FR"/>
           </a:p>
@@ -3455,7 +3455,7 @@
           <a:p>
             <a:fld id="{8AAB5A56-9FCC-43E3-B6ED-50DB8CA1C8D6}" type="datetimeFigureOut">
               <a:rPr lang="fr-FR" smtClean="0"/>
-              <a:t>20/11/2023</a:t>
+              <a:t>24/11/2023</a:t>
             </a:fld>
             <a:endParaRPr lang="fr-FR"/>
           </a:p>
@@ -3663,7 +3663,7 @@
           <a:p>
             <a:fld id="{8AAB5A56-9FCC-43E3-B6ED-50DB8CA1C8D6}" type="datetimeFigureOut">
               <a:rPr lang="fr-FR" smtClean="0"/>
-              <a:t>20/11/2023</a:t>
+              <a:t>24/11/2023</a:t>
             </a:fld>
             <a:endParaRPr lang="fr-FR"/>
           </a:p>
@@ -4021,7 +4021,7 @@
           <a:p>
             <a:fld id="{D7F135F6-2A09-4FDD-9ECA-096E230CA0FA}" type="datetimeFigureOut">
               <a:rPr lang="fr-FR" smtClean="0"/>
-              <a:t>20/11/2023</a:t>
+              <a:t>24/11/2023</a:t>
             </a:fld>
             <a:endParaRPr lang="fr-FR"/>
           </a:p>
@@ -4296,7 +4296,7 @@
           <a:p>
             <a:fld id="{D7F135F6-2A09-4FDD-9ECA-096E230CA0FA}" type="datetimeFigureOut">
               <a:rPr lang="fr-FR" smtClean="0"/>
-              <a:t>20/11/2023</a:t>
+              <a:t>24/11/2023</a:t>
             </a:fld>
             <a:endParaRPr lang="fr-FR"/>
           </a:p>
@@ -4675,7 +4675,7 @@
           <a:p>
             <a:fld id="{D7F135F6-2A09-4FDD-9ECA-096E230CA0FA}" type="datetimeFigureOut">
               <a:rPr lang="fr-FR" smtClean="0"/>
-              <a:t>20/11/2023</a:t>
+              <a:t>24/11/2023</a:t>
             </a:fld>
             <a:endParaRPr lang="fr-FR"/>
           </a:p>
@@ -4793,7 +4793,7 @@
           <a:p>
             <a:fld id="{D7F135F6-2A09-4FDD-9ECA-096E230CA0FA}" type="datetimeFigureOut">
               <a:rPr lang="fr-FR" smtClean="0"/>
-              <a:t>20/11/2023</a:t>
+              <a:t>24/11/2023</a:t>
             </a:fld>
             <a:endParaRPr lang="fr-FR"/>
           </a:p>
@@ -4967,7 +4967,7 @@
           <a:p>
             <a:fld id="{D7F135F6-2A09-4FDD-9ECA-096E230CA0FA}" type="datetimeFigureOut">
               <a:rPr lang="fr-FR" smtClean="0"/>
-              <a:t>20/11/2023</a:t>
+              <a:t>24/11/2023</a:t>
             </a:fld>
             <a:endParaRPr lang="fr-FR"/>
           </a:p>
@@ -5324,7 +5324,7 @@
           <a:p>
             <a:fld id="{D7F135F6-2A09-4FDD-9ECA-096E230CA0FA}" type="datetimeFigureOut">
               <a:rPr lang="fr-FR" smtClean="0"/>
-              <a:t>20/11/2023</a:t>
+              <a:t>24/11/2023</a:t>
             </a:fld>
             <a:endParaRPr lang="fr-FR"/>
           </a:p>
@@ -5709,7 +5709,7 @@
           <a:p>
             <a:fld id="{D7F135F6-2A09-4FDD-9ECA-096E230CA0FA}" type="datetimeFigureOut">
               <a:rPr lang="fr-FR" smtClean="0"/>
-              <a:t>20/11/2023</a:t>
+              <a:t>24/11/2023</a:t>
             </a:fld>
             <a:endParaRPr lang="fr-FR"/>
           </a:p>
@@ -5999,7 +5999,7 @@
           <a:p>
             <a:fld id="{D7F135F6-2A09-4FDD-9ECA-096E230CA0FA}" type="datetimeFigureOut">
               <a:rPr lang="fr-FR" smtClean="0"/>
-              <a:t>20/11/2023</a:t>
+              <a:t>24/11/2023</a:t>
             </a:fld>
             <a:endParaRPr lang="fr-FR" dirty="0"/>
           </a:p>
@@ -6693,7 +6693,7 @@
           <a:p>
             <a:fld id="{8AAB5A56-9FCC-43E3-B6ED-50DB8CA1C8D6}" type="datetimeFigureOut">
               <a:rPr lang="fr-FR" smtClean="0"/>
-              <a:t>20/11/2023</a:t>
+              <a:t>24/11/2023</a:t>
             </a:fld>
             <a:endParaRPr lang="fr-FR"/>
           </a:p>
@@ -17071,15 +17071,12 @@
           <a:lstStyle/>
           <a:p>
             <a:pPr algn="ctr"/>
-            <a:r>
-              <a:rPr lang="fr-FR" sz="1000" dirty="0">
-                <a:solidFill>
-                  <a:srgbClr val="0C7391"/>
-                </a:solidFill>
-                <a:latin typeface="Arial Nova" panose="020B0504020202020204" pitchFamily="34" charset="0"/>
-              </a:rPr>
-              <a:t>Carte Arduino MEGA</a:t>
-            </a:r>
+            <a:endParaRPr lang="fr-FR" sz="1000" dirty="0">
+              <a:solidFill>
+                <a:srgbClr val="0C7391"/>
+              </a:solidFill>
+              <a:latin typeface="Arial Nova" panose="020B0504020202020204" pitchFamily="34" charset="0"/>
+            </a:endParaRPr>
           </a:p>
         </p:txBody>
       </p:sp>
@@ -17197,27 +17194,12 @@
           <a:lstStyle/>
           <a:p>
             <a:pPr algn="ctr"/>
-            <a:r>
-              <a:rPr lang="fr-FR" sz="1200" dirty="0">
-                <a:solidFill>
-                  <a:srgbClr val="08A559"/>
-                </a:solidFill>
-                <a:latin typeface="Arial Nova" panose="020B0504020202020204" pitchFamily="34" charset="0"/>
-              </a:rPr>
-              <a:t>Carte Arduino MEGA</a:t>
-            </a:r>
-          </a:p>
-          <a:p>
-            <a:pPr algn="ctr"/>
-            <a:r>
-              <a:rPr lang="fr-FR" sz="1200" dirty="0">
-                <a:solidFill>
-                  <a:srgbClr val="08A559"/>
-                </a:solidFill>
-                <a:latin typeface="Arial Nova" panose="020B0504020202020204" pitchFamily="34" charset="0"/>
-              </a:rPr>
-              <a:t>PC</a:t>
-            </a:r>
+            <a:endParaRPr lang="fr-FR" sz="1200" dirty="0">
+              <a:solidFill>
+                <a:srgbClr val="08A559"/>
+              </a:solidFill>
+              <a:latin typeface="Arial Nova" panose="020B0504020202020204" pitchFamily="34" charset="0"/>
+            </a:endParaRPr>
           </a:p>
         </p:txBody>
       </p:sp>
@@ -17480,19 +17462,7 @@
                 </a:solidFill>
                 <a:latin typeface="Arial Nova" panose="020B0504020202020204" pitchFamily="34" charset="0"/>
               </a:rPr>
-              <a:t>Hacheur</a:t>
-            </a:r>
-          </a:p>
-          <a:p>
-            <a:pPr algn="ctr"/>
-            <a:r>
-              <a:rPr lang="fr-FR" sz="1100" dirty="0">
-                <a:solidFill>
-                  <a:srgbClr val="0C7391"/>
-                </a:solidFill>
-                <a:latin typeface="Arial Nova" panose="020B0504020202020204" pitchFamily="34" charset="0"/>
-              </a:rPr>
-              <a:t>(Carte de puissance)</a:t>
+              <a:t>Variateur</a:t>
             </a:r>
             <a:endParaRPr lang="fr-FR" dirty="0">
               <a:solidFill>
@@ -17624,7 +17594,7 @@
                 </a:solidFill>
                 <a:latin typeface="Arial Nova" panose="020B0504020202020204" pitchFamily="34" charset="0"/>
               </a:rPr>
-              <a:t>Moteur à courant continu</a:t>
+              <a:t>Moteur asynchrone</a:t>
             </a:r>
           </a:p>
         </p:txBody>
@@ -17762,8 +17732,35 @@
                 </a:solidFill>
                 <a:latin typeface="Arial Nova" panose="020B0504020202020204" pitchFamily="34" charset="0"/>
               </a:rPr>
-              <a:t>(1:34)</a:t>
+              <a:t>(1:20)</a:t>
             </a:r>
+          </a:p>
+          <a:p>
+            <a:pPr algn="ctr"/>
+            <a:r>
+              <a:rPr lang="fr-FR" sz="1100" dirty="0">
+                <a:solidFill>
+                  <a:srgbClr val="EE685D"/>
+                </a:solidFill>
+                <a:latin typeface="Arial Nova" panose="020B0504020202020204" pitchFamily="34" charset="0"/>
+              </a:rPr>
+              <a:t>Transformation de </a:t>
+            </a:r>
+            <a:r>
+              <a:rPr lang="fr-FR" sz="1100" dirty="0" err="1">
+                <a:solidFill>
+                  <a:srgbClr val="EE685D"/>
+                </a:solidFill>
+                <a:latin typeface="Arial Nova" panose="020B0504020202020204" pitchFamily="34" charset="0"/>
+              </a:rPr>
+              <a:t>mvt</a:t>
+            </a:r>
+            <a:endParaRPr lang="fr-FR" sz="1100" dirty="0">
+              <a:solidFill>
+                <a:srgbClr val="EE685D"/>
+              </a:solidFill>
+              <a:latin typeface="Arial Nova" panose="020B0504020202020204" pitchFamily="34" charset="0"/>
+            </a:endParaRPr>
           </a:p>
         </p:txBody>
       </p:sp>
@@ -18545,7 +18542,7 @@
                 </a:solidFill>
                 <a:latin typeface="Arial Nova" panose="020B0504020202020204" pitchFamily="34" charset="0"/>
               </a:rPr>
-              <a:t>Arbre réducteur</a:t>
+              <a:t>Barrière</a:t>
             </a:r>
           </a:p>
         </p:txBody>
@@ -18859,7 +18856,7 @@
                   </a:solidFill>
                   <a:latin typeface="Arial Nova" panose="020B0504020202020204" pitchFamily="34" charset="0"/>
                 </a:rPr>
-                <a:t>Arbre en position angulaire finale</a:t>
+                <a:t>Barrière fermée (ouverte)</a:t>
               </a:r>
             </a:p>
           </p:txBody>
@@ -18984,7 +18981,7 @@
                   </a:solidFill>
                   <a:latin typeface="Arial Nova" panose="020B0504020202020204" pitchFamily="34" charset="0"/>
                 </a:rPr>
-                <a:t>Arbre en position angulaire initiale</a:t>
+                <a:t>Barrière ouverte (fermée)</a:t>
               </a:r>
             </a:p>
           </p:txBody>
@@ -21053,13 +21050,13 @@
             </p:nvSpPr>
             <p:spPr>
               <a:xfrm>
-                <a:off x="6585857" y="981887"/>
-                <a:ext cx="5488348" cy="5253339"/>
+                <a:off x="5275448" y="981887"/>
+                <a:ext cx="6798757" cy="5253339"/>
               </a:xfrm>
             </p:spPr>
             <p:txBody>
               <a:bodyPr>
-                <a:normAutofit fontScale="92500" lnSpcReduction="10000"/>
+                <a:normAutofit fontScale="92500" lnSpcReduction="20000"/>
               </a:bodyPr>
               <a:lstStyle/>
               <a:p>
@@ -21640,13 +21637,7 @@
                           <a:rPr lang="fr-FR" b="0" i="1" smtClean="0">
                             <a:latin typeface="Cambria Math" panose="02040503050406030204" pitchFamily="18" charset="0"/>
                           </a:rPr>
-                          <m:t>𝐴</m:t>
-                        </m:r>
-                        <m:r>
-                          <a:rPr lang="fr-FR" b="0" i="1" smtClean="0">
-                            <a:latin typeface="Cambria Math" panose="02040503050406030204" pitchFamily="18" charset="0"/>
-                          </a:rPr>
-                          <m:t>𝐺</m:t>
+                          <m:t>𝐴𝐺</m:t>
                         </m:r>
                       </m:e>
                     </m:acc>
@@ -21701,6 +21692,10 @@
                     </m:acc>
                   </m:oMath>
                 </a14:m>
+                <a:endParaRPr lang="fr-FR" b="0" dirty="0"/>
+              </a:p>
+              <a:p>
+                <a:pPr lvl="2"/>
                 <a:endParaRPr lang="fr-FR" b="0" dirty="0"/>
               </a:p>
               <a:p>
@@ -21877,7 +21872,7 @@
                     <m:sSup>
                       <m:sSupPr>
                         <m:ctrlPr>
-                          <a:rPr lang="fr-FR" b="0" smtClean="0">
+                          <a:rPr lang="fr-FR" b="0" i="1" smtClean="0">
                             <a:latin typeface="Cambria Math" panose="02040503050406030204" pitchFamily="18" charset="0"/>
                           </a:rPr>
                         </m:ctrlPr>
@@ -22011,10 +22006,26 @@
                 <a:endParaRPr lang="fr-FR" dirty="0"/>
               </a:p>
               <a:p>
+                <a:pPr lvl="2"/>
+                <a:endParaRPr lang="fr-FR" dirty="0"/>
+              </a:p>
+              <a:p>
                 <a:pPr lvl="1"/>
                 <a:r>
                   <a:rPr lang="fr-FR" dirty="0"/>
-                  <a:t>TMD en </a:t>
+                  <a:t>Couple moteur </a:t>
+                </a:r>
+              </a:p>
+              <a:p>
+                <a:pPr marL="200025" lvl="1" indent="0">
+                  <a:buNone/>
+                </a:pPr>
+                <a:endParaRPr lang="fr-FR" dirty="0"/>
+              </a:p>
+              <a:p>
+                <a:r>
+                  <a:rPr lang="fr-FR" dirty="0"/>
+                  <a:t>TMS en </a:t>
                 </a:r>
                 <a14:m>
                   <m:oMath xmlns:m="http://schemas.openxmlformats.org/officeDocument/2006/math">
@@ -22286,13 +22297,13 @@
             </p:nvSpPr>
             <p:spPr>
               <a:xfrm>
-                <a:off x="6585857" y="981887"/>
-                <a:ext cx="5488348" cy="5253339"/>
+                <a:off x="5275448" y="981887"/>
+                <a:ext cx="6798757" cy="5253339"/>
               </a:xfrm>
               <a:blipFill>
                 <a:blip r:embed="rId2"/>
                 <a:stretch>
-                  <a:fillRect l="-2664" t="-2320"/>
+                  <a:fillRect l="-2151" t="-2900" r="-1523"/>
                 </a:stretch>
               </a:blipFill>
             </p:spPr>
@@ -25405,8 +25416,8 @@
             </a:p>
           </p:txBody>
         </p:sp>
-        <mc:AlternateContent xmlns:mc="http://schemas.openxmlformats.org/markup-compatibility/2006">
-          <mc:Choice xmlns:a14="http://schemas.microsoft.com/office/drawing/2010/main" Requires="a14">
+        <mc:AlternateContent xmlns:mc="http://schemas.openxmlformats.org/markup-compatibility/2006" xmlns:a14="http://schemas.microsoft.com/office/drawing/2010/main">
+          <mc:Choice Requires="a14">
             <p:sp>
               <p:nvSpPr>
                 <p:cNvPr id="62" name="ZoneTexte 61">
@@ -25515,7 +25526,7 @@
               </p:txBody>
             </p:sp>
           </mc:Choice>
-          <mc:Fallback>
+          <mc:Fallback xmlns="">
             <p:sp>
               <p:nvSpPr>
                 <p:cNvPr id="62" name="ZoneTexte 61">
@@ -25560,8 +25571,8 @@
             </p:sp>
           </mc:Fallback>
         </mc:AlternateContent>
-        <mc:AlternateContent xmlns:mc="http://schemas.openxmlformats.org/markup-compatibility/2006">
-          <mc:Choice xmlns:a14="http://schemas.microsoft.com/office/drawing/2010/main" Requires="a14">
+        <mc:AlternateContent xmlns:mc="http://schemas.openxmlformats.org/markup-compatibility/2006" xmlns:a14="http://schemas.microsoft.com/office/drawing/2010/main">
+          <mc:Choice Requires="a14">
             <p:sp>
               <p:nvSpPr>
                 <p:cNvPr id="64" name="ZoneTexte 63">
@@ -25715,7 +25726,7 @@
               </p:txBody>
             </p:sp>
           </mc:Choice>
-          <mc:Fallback>
+          <mc:Fallback xmlns="">
             <p:sp>
               <p:nvSpPr>
                 <p:cNvPr id="64" name="ZoneTexte 63">
@@ -25760,8 +25771,8 @@
             </p:sp>
           </mc:Fallback>
         </mc:AlternateContent>
-        <mc:AlternateContent xmlns:mc="http://schemas.openxmlformats.org/markup-compatibility/2006">
-          <mc:Choice xmlns:a14="http://schemas.microsoft.com/office/drawing/2010/main" Requires="a14">
+        <mc:AlternateContent xmlns:mc="http://schemas.openxmlformats.org/markup-compatibility/2006" xmlns:a14="http://schemas.microsoft.com/office/drawing/2010/main">
+          <mc:Choice Requires="a14">
             <p:sp>
               <p:nvSpPr>
                 <p:cNvPr id="65" name="ZoneTexte 64">
@@ -25915,7 +25926,7 @@
               </p:txBody>
             </p:sp>
           </mc:Choice>
-          <mc:Fallback>
+          <mc:Fallback xmlns="">
             <p:sp>
               <p:nvSpPr>
                 <p:cNvPr id="65" name="ZoneTexte 64">
@@ -29819,8 +29830,8 @@
           </a:fontRef>
         </p:style>
       </p:cxnSp>
-      <mc:AlternateContent xmlns:mc="http://schemas.openxmlformats.org/markup-compatibility/2006">
-        <mc:Choice xmlns:a14="http://schemas.microsoft.com/office/drawing/2010/main" Requires="a14">
+      <mc:AlternateContent xmlns:mc="http://schemas.openxmlformats.org/markup-compatibility/2006" xmlns:a14="http://schemas.microsoft.com/office/drawing/2010/main">
+        <mc:Choice Requires="a14">
           <p:sp>
             <p:nvSpPr>
               <p:cNvPr id="22" name="ZoneTexte 21">
@@ -29870,7 +29881,7 @@
             </p:txBody>
           </p:sp>
         </mc:Choice>
-        <mc:Fallback>
+        <mc:Fallback xmlns="">
           <p:sp>
             <p:nvSpPr>
               <p:cNvPr id="22" name="ZoneTexte 21">
@@ -29915,8 +29926,8 @@
           </p:sp>
         </mc:Fallback>
       </mc:AlternateContent>
-      <mc:AlternateContent xmlns:mc="http://schemas.openxmlformats.org/markup-compatibility/2006">
-        <mc:Choice xmlns:a14="http://schemas.microsoft.com/office/drawing/2010/main" Requires="a14">
+      <mc:AlternateContent xmlns:mc="http://schemas.openxmlformats.org/markup-compatibility/2006" xmlns:a14="http://schemas.microsoft.com/office/drawing/2010/main">
+        <mc:Choice Requires="a14">
           <p:sp>
             <p:nvSpPr>
               <p:cNvPr id="23" name="ZoneTexte 22">
@@ -29966,7 +29977,7 @@
             </p:txBody>
           </p:sp>
         </mc:Choice>
-        <mc:Fallback>
+        <mc:Fallback xmlns="">
           <p:sp>
             <p:nvSpPr>
               <p:cNvPr id="23" name="ZoneTexte 22">
@@ -30011,8 +30022,8 @@
           </p:sp>
         </mc:Fallback>
       </mc:AlternateContent>
-      <mc:AlternateContent xmlns:mc="http://schemas.openxmlformats.org/markup-compatibility/2006">
-        <mc:Choice xmlns:a14="http://schemas.microsoft.com/office/drawing/2010/main" Requires="a14">
+      <mc:AlternateContent xmlns:mc="http://schemas.openxmlformats.org/markup-compatibility/2006" xmlns:a14="http://schemas.microsoft.com/office/drawing/2010/main">
+        <mc:Choice Requires="a14">
           <p:sp>
             <p:nvSpPr>
               <p:cNvPr id="24" name="ZoneTexte 23">
@@ -30062,7 +30073,7 @@
             </p:txBody>
           </p:sp>
         </mc:Choice>
-        <mc:Fallback>
+        <mc:Fallback xmlns="">
           <p:sp>
             <p:nvSpPr>
               <p:cNvPr id="24" name="ZoneTexte 23">
@@ -30107,8 +30118,8 @@
           </p:sp>
         </mc:Fallback>
       </mc:AlternateContent>
-      <mc:AlternateContent xmlns:mc="http://schemas.openxmlformats.org/markup-compatibility/2006">
-        <mc:Choice xmlns:a14="http://schemas.microsoft.com/office/drawing/2010/main" Requires="a14">
+      <mc:AlternateContent xmlns:mc="http://schemas.openxmlformats.org/markup-compatibility/2006" xmlns:a14="http://schemas.microsoft.com/office/drawing/2010/main">
+        <mc:Choice Requires="a14">
           <p:sp>
             <p:nvSpPr>
               <p:cNvPr id="25" name="ZoneTexte 24">
@@ -30158,7 +30169,7 @@
             </p:txBody>
           </p:sp>
         </mc:Choice>
-        <mc:Fallback>
+        <mc:Fallback xmlns="">
           <p:sp>
             <p:nvSpPr>
               <p:cNvPr id="25" name="ZoneTexte 24">
@@ -30314,8 +30325,8 @@
           </a:p>
         </p:txBody>
       </p:sp>
-      <mc:AlternateContent xmlns:mc="http://schemas.openxmlformats.org/markup-compatibility/2006">
-        <mc:Choice xmlns:a14="http://schemas.microsoft.com/office/drawing/2010/main" Requires="a14">
+      <mc:AlternateContent xmlns:mc="http://schemas.openxmlformats.org/markup-compatibility/2006" xmlns:a14="http://schemas.microsoft.com/office/drawing/2010/main">
+        <mc:Choice Requires="a14">
           <p:sp>
             <p:nvSpPr>
               <p:cNvPr id="28" name="ZoneTexte 27">
@@ -30396,7 +30407,7 @@
             </p:txBody>
           </p:sp>
         </mc:Choice>
-        <mc:Fallback>
+        <mc:Fallback xmlns="">
           <p:sp>
             <p:nvSpPr>
               <p:cNvPr id="28" name="ZoneTexte 27">
@@ -30441,8 +30452,8 @@
           </p:sp>
         </mc:Fallback>
       </mc:AlternateContent>
-      <mc:AlternateContent xmlns:mc="http://schemas.openxmlformats.org/markup-compatibility/2006">
-        <mc:Choice xmlns:a14="http://schemas.microsoft.com/office/drawing/2010/main" Requires="a14">
+      <mc:AlternateContent xmlns:mc="http://schemas.openxmlformats.org/markup-compatibility/2006" xmlns:a14="http://schemas.microsoft.com/office/drawing/2010/main">
+        <mc:Choice Requires="a14">
           <p:sp>
             <p:nvSpPr>
               <p:cNvPr id="29" name="ZoneTexte 28">
@@ -30523,7 +30534,7 @@
             </p:txBody>
           </p:sp>
         </mc:Choice>
-        <mc:Fallback>
+        <mc:Fallback xmlns="">
           <p:sp>
             <p:nvSpPr>
               <p:cNvPr id="29" name="ZoneTexte 28">
@@ -31105,8 +31116,8 @@
           </p:style>
         </p:cxnSp>
       </p:grpSp>
-      <mc:AlternateContent xmlns:mc="http://schemas.openxmlformats.org/markup-compatibility/2006">
-        <mc:Choice xmlns:a14="http://schemas.microsoft.com/office/drawing/2010/main" Requires="a14">
+      <mc:AlternateContent xmlns:mc="http://schemas.openxmlformats.org/markup-compatibility/2006" xmlns:a14="http://schemas.microsoft.com/office/drawing/2010/main">
+        <mc:Choice Requires="a14">
           <p:sp>
             <p:nvSpPr>
               <p:cNvPr id="42" name="ZoneTexte 41">
@@ -31187,7 +31198,7 @@
             </p:txBody>
           </p:sp>
         </mc:Choice>
-        <mc:Fallback>
+        <mc:Fallback xmlns="">
           <p:sp>
             <p:nvSpPr>
               <p:cNvPr id="42" name="ZoneTexte 41">
@@ -31232,8 +31243,8 @@
           </p:sp>
         </mc:Fallback>
       </mc:AlternateContent>
-      <mc:AlternateContent xmlns:mc="http://schemas.openxmlformats.org/markup-compatibility/2006">
-        <mc:Choice xmlns:a14="http://schemas.microsoft.com/office/drawing/2010/main" Requires="a14">
+      <mc:AlternateContent xmlns:mc="http://schemas.openxmlformats.org/markup-compatibility/2006" xmlns:a14="http://schemas.microsoft.com/office/drawing/2010/main">
+        <mc:Choice Requires="a14">
           <p:sp>
             <p:nvSpPr>
               <p:cNvPr id="43" name="ZoneTexte 42">
@@ -31314,7 +31325,7 @@
             </p:txBody>
           </p:sp>
         </mc:Choice>
-        <mc:Fallback>
+        <mc:Fallback xmlns="">
           <p:sp>
             <p:nvSpPr>
               <p:cNvPr id="43" name="ZoneTexte 42">
@@ -31359,8 +31370,8 @@
           </p:sp>
         </mc:Fallback>
       </mc:AlternateContent>
-      <mc:AlternateContent xmlns:mc="http://schemas.openxmlformats.org/markup-compatibility/2006">
-        <mc:Choice xmlns:a14="http://schemas.microsoft.com/office/drawing/2010/main" Requires="a14">
+      <mc:AlternateContent xmlns:mc="http://schemas.openxmlformats.org/markup-compatibility/2006" xmlns:a14="http://schemas.microsoft.com/office/drawing/2010/main">
+        <mc:Choice Requires="a14">
           <p:sp>
             <p:nvSpPr>
               <p:cNvPr id="44" name="ZoneTexte 43">
@@ -31441,7 +31452,7 @@
             </p:txBody>
           </p:sp>
         </mc:Choice>
-        <mc:Fallback>
+        <mc:Fallback xmlns="">
           <p:sp>
             <p:nvSpPr>
               <p:cNvPr id="44" name="ZoneTexte 43">
@@ -31486,8 +31497,8 @@
           </p:sp>
         </mc:Fallback>
       </mc:AlternateContent>
-      <mc:AlternateContent xmlns:mc="http://schemas.openxmlformats.org/markup-compatibility/2006">
-        <mc:Choice xmlns:a14="http://schemas.microsoft.com/office/drawing/2010/main" Requires="a14">
+      <mc:AlternateContent xmlns:mc="http://schemas.openxmlformats.org/markup-compatibility/2006" xmlns:a14="http://schemas.microsoft.com/office/drawing/2010/main">
+        <mc:Choice Requires="a14">
           <p:sp>
             <p:nvSpPr>
               <p:cNvPr id="45" name="ZoneTexte 44">
@@ -31568,7 +31579,7 @@
             </p:txBody>
           </p:sp>
         </mc:Choice>
-        <mc:Fallback>
+        <mc:Fallback xmlns="">
           <p:sp>
             <p:nvSpPr>
               <p:cNvPr id="45" name="ZoneTexte 44">
@@ -31613,8 +31624,8 @@
           </p:sp>
         </mc:Fallback>
       </mc:AlternateContent>
-      <mc:AlternateContent xmlns:mc="http://schemas.openxmlformats.org/markup-compatibility/2006">
-        <mc:Choice xmlns:a14="http://schemas.microsoft.com/office/drawing/2010/main" Requires="a14">
+      <mc:AlternateContent xmlns:mc="http://schemas.openxmlformats.org/markup-compatibility/2006" xmlns:a14="http://schemas.microsoft.com/office/drawing/2010/main">
+        <mc:Choice Requires="a14">
           <p:sp>
             <p:nvSpPr>
               <p:cNvPr id="46" name="ZoneTexte 45">
@@ -31695,7 +31706,7 @@
             </p:txBody>
           </p:sp>
         </mc:Choice>
-        <mc:Fallback>
+        <mc:Fallback xmlns="">
           <p:sp>
             <p:nvSpPr>
               <p:cNvPr id="46" name="ZoneTexte 45">
@@ -31848,8 +31859,8 @@
           </a:p>
         </p:txBody>
       </p:sp>
-      <mc:AlternateContent xmlns:mc="http://schemas.openxmlformats.org/markup-compatibility/2006">
-        <mc:Choice xmlns:a14="http://schemas.microsoft.com/office/drawing/2010/main" Requires="a14">
+      <mc:AlternateContent xmlns:mc="http://schemas.openxmlformats.org/markup-compatibility/2006" xmlns:a14="http://schemas.microsoft.com/office/drawing/2010/main">
+        <mc:Choice Requires="a14">
           <p:sp>
             <p:nvSpPr>
               <p:cNvPr id="49" name="ZoneTexte 48">
@@ -31930,7 +31941,7 @@
             </p:txBody>
           </p:sp>
         </mc:Choice>
-        <mc:Fallback>
+        <mc:Fallback xmlns="">
           <p:sp>
             <p:nvSpPr>
               <p:cNvPr id="49" name="ZoneTexte 48">
@@ -32081,8 +32092,8 @@
           </a:p>
         </p:txBody>
       </p:sp>
-      <mc:AlternateContent xmlns:mc="http://schemas.openxmlformats.org/markup-compatibility/2006">
-        <mc:Choice xmlns:a14="http://schemas.microsoft.com/office/drawing/2010/main" Requires="a14">
+      <mc:AlternateContent xmlns:mc="http://schemas.openxmlformats.org/markup-compatibility/2006" xmlns:a14="http://schemas.microsoft.com/office/drawing/2010/main">
+        <mc:Choice Requires="a14">
           <p:sp>
             <p:nvSpPr>
               <p:cNvPr id="52" name="ZoneTexte 51">
@@ -32132,7 +32143,7 @@
             </p:txBody>
           </p:sp>
         </mc:Choice>
-        <mc:Fallback>
+        <mc:Fallback xmlns="">
           <p:sp>
             <p:nvSpPr>
               <p:cNvPr id="52" name="ZoneTexte 51">
@@ -32177,8 +32188,8 @@
           </p:sp>
         </mc:Fallback>
       </mc:AlternateContent>
-      <mc:AlternateContent xmlns:mc="http://schemas.openxmlformats.org/markup-compatibility/2006">
-        <mc:Choice xmlns:a14="http://schemas.microsoft.com/office/drawing/2010/main" Requires="a14">
+      <mc:AlternateContent xmlns:mc="http://schemas.openxmlformats.org/markup-compatibility/2006" xmlns:a14="http://schemas.microsoft.com/office/drawing/2010/main">
+        <mc:Choice Requires="a14">
           <p:sp>
             <p:nvSpPr>
               <p:cNvPr id="53" name="ZoneTexte 52">
@@ -32228,7 +32239,7 @@
             </p:txBody>
           </p:sp>
         </mc:Choice>
-        <mc:Fallback>
+        <mc:Fallback xmlns="">
           <p:sp>
             <p:nvSpPr>
               <p:cNvPr id="53" name="ZoneTexte 52">
@@ -32351,7 +32362,7 @@
             </p:nvSpPr>
             <p:spPr>
               <a:xfrm>
-                <a:off x="8198587" y="2698669"/>
+                <a:off x="8198587" y="2517957"/>
                 <a:ext cx="3350856" cy="1742812"/>
               </a:xfrm>
             </p:spPr>
@@ -32756,13 +32767,13 @@
             </p:nvSpPr>
             <p:spPr>
               <a:xfrm>
-                <a:off x="8198587" y="2698669"/>
+                <a:off x="8198587" y="2517957"/>
                 <a:ext cx="3350856" cy="1742812"/>
               </a:xfrm>
               <a:blipFill>
                 <a:blip r:embed="rId2"/>
                 <a:stretch>
-                  <a:fillRect l="-1636" t="-3846"/>
+                  <a:fillRect l="-1636" t="-3497"/>
                 </a:stretch>
               </a:blipFill>
             </p:spPr>
@@ -32795,7 +32806,7 @@
         </p:nvGrpSpPr>
         <p:grpSpPr>
           <a:xfrm>
-            <a:off x="6154188" y="2865841"/>
+            <a:off x="6154188" y="2685129"/>
             <a:ext cx="1406382" cy="1408468"/>
             <a:chOff x="3409371" y="2550172"/>
             <a:chExt cx="1406382" cy="1408468"/>
@@ -34230,7 +34241,7 @@
         </p:nvGrpSpPr>
         <p:grpSpPr>
           <a:xfrm>
-            <a:off x="233617" y="2267129"/>
+            <a:off x="233617" y="2254102"/>
             <a:ext cx="2370197" cy="2270523"/>
             <a:chOff x="740286" y="2833291"/>
             <a:chExt cx="2370197" cy="2270523"/>
@@ -35580,7 +35591,7 @@
           <p:spPr>
             <a:xfrm>
               <a:off x="2594985" y="3666122"/>
-              <a:ext cx="0" cy="347419"/>
+              <a:ext cx="0" cy="621836"/>
             </a:xfrm>
             <a:prstGeom prst="straightConnector1">
               <a:avLst/>
@@ -36264,6 +36275,89 @@
             </p:sp>
           </mc:Fallback>
         </mc:AlternateContent>
+        <p:sp>
+          <p:nvSpPr>
+            <p:cNvPr id="24" name="Ellipse 23">
+              <a:extLst>
+                <a:ext uri="{FF2B5EF4-FFF2-40B4-BE49-F238E27FC236}">
+                  <a16:creationId xmlns:a16="http://schemas.microsoft.com/office/drawing/2014/main" id="{CC51D85B-73C6-2B2A-0AAB-D1AEC33BE629}"/>
+                </a:ext>
+              </a:extLst>
+            </p:cNvPr>
+            <p:cNvSpPr/>
+            <p:nvPr/>
+          </p:nvSpPr>
+          <p:spPr>
+            <a:xfrm>
+              <a:off x="2890286" y="3024059"/>
+              <a:ext cx="199096" cy="199096"/>
+            </a:xfrm>
+            <a:prstGeom prst="ellipse">
+              <a:avLst/>
+            </a:prstGeom>
+            <a:solidFill>
+              <a:schemeClr val="accent2"/>
+            </a:solidFill>
+            <a:ln w="38100">
+              <a:solidFill>
+                <a:srgbClr val="FFC000"/>
+              </a:solidFill>
+            </a:ln>
+          </p:spPr>
+          <p:style>
+            <a:lnRef idx="2">
+              <a:schemeClr val="accent1">
+                <a:shade val="50000"/>
+              </a:schemeClr>
+            </a:lnRef>
+            <a:fillRef idx="1">
+              <a:schemeClr val="accent1"/>
+            </a:fillRef>
+            <a:effectRef idx="0">
+              <a:schemeClr val="accent1"/>
+            </a:effectRef>
+            <a:fontRef idx="minor">
+              <a:schemeClr val="lt1"/>
+            </a:fontRef>
+          </p:style>
+          <p:txBody>
+            <a:bodyPr rtlCol="0" anchor="ctr"/>
+            <a:lstStyle/>
+            <a:p>
+              <a:pPr marL="0" marR="0" lvl="0" indent="0" algn="ctr" defTabSz="914400" rtl="0" eaLnBrk="1" fontAlgn="auto" latinLnBrk="0" hangingPunct="1">
+                <a:lnSpc>
+                  <a:spcPct val="100000"/>
+                </a:lnSpc>
+                <a:spcBef>
+                  <a:spcPts val="0"/>
+                </a:spcBef>
+                <a:spcAft>
+                  <a:spcPts val="0"/>
+                </a:spcAft>
+                <a:buClrTx/>
+                <a:buSzTx/>
+                <a:buFontTx/>
+                <a:buNone/>
+                <a:tabLst/>
+                <a:defRPr/>
+              </a:pPr>
+              <a:endParaRPr kumimoji="0" lang="fr-FR" sz="1800" b="0" i="0" u="none" strike="noStrike" kern="1200" cap="none" spc="0" normalizeH="0" baseline="0" noProof="0">
+                <a:ln>
+                  <a:noFill/>
+                </a:ln>
+                <a:solidFill>
+                  <a:prstClr val="white"/>
+                </a:solidFill>
+                <a:effectLst/>
+                <a:uLnTx/>
+                <a:uFillTx/>
+                <a:latin typeface="Calibri" panose="020F0502020204030204"/>
+                <a:ea typeface="+mn-ea"/>
+                <a:cs typeface="+mn-cs"/>
+              </a:endParaRPr>
+            </a:p>
+          </p:txBody>
+        </p:sp>
       </p:grpSp>
       <p:grpSp>
         <p:nvGrpSpPr>
@@ -36279,7 +36373,7 @@
         </p:nvGrpSpPr>
         <p:grpSpPr>
           <a:xfrm>
-            <a:off x="3241830" y="2563237"/>
+            <a:off x="3241830" y="2382525"/>
             <a:ext cx="2274342" cy="2013676"/>
             <a:chOff x="1871449" y="4044107"/>
             <a:chExt cx="2274342" cy="2013676"/>
@@ -37542,89 +37636,6 @@
           </p:txBody>
         </p:sp>
       </p:grpSp>
-      <p:sp>
-        <p:nvSpPr>
-          <p:cNvPr id="39" name="Ellipse 38">
-            <a:extLst>
-              <a:ext uri="{FF2B5EF4-FFF2-40B4-BE49-F238E27FC236}">
-                <a16:creationId xmlns:a16="http://schemas.microsoft.com/office/drawing/2014/main" id="{E66B2E62-9B63-F3D9-92A5-866104BBF5FB}"/>
-              </a:ext>
-            </a:extLst>
-          </p:cNvPr>
-          <p:cNvSpPr/>
-          <p:nvPr/>
-        </p:nvSpPr>
-        <p:spPr>
-          <a:xfrm>
-            <a:off x="2353901" y="2532720"/>
-            <a:ext cx="241874" cy="241874"/>
-          </a:xfrm>
-          <a:prstGeom prst="ellipse">
-            <a:avLst/>
-          </a:prstGeom>
-          <a:solidFill>
-            <a:schemeClr val="accent2"/>
-          </a:solidFill>
-          <a:ln w="38100">
-            <a:solidFill>
-              <a:srgbClr val="FFC000"/>
-            </a:solidFill>
-          </a:ln>
-        </p:spPr>
-        <p:style>
-          <a:lnRef idx="2">
-            <a:schemeClr val="accent1">
-              <a:shade val="50000"/>
-            </a:schemeClr>
-          </a:lnRef>
-          <a:fillRef idx="1">
-            <a:schemeClr val="accent1"/>
-          </a:fillRef>
-          <a:effectRef idx="0">
-            <a:schemeClr val="accent1"/>
-          </a:effectRef>
-          <a:fontRef idx="minor">
-            <a:schemeClr val="lt1"/>
-          </a:fontRef>
-        </p:style>
-        <p:txBody>
-          <a:bodyPr rtlCol="0" anchor="ctr"/>
-          <a:lstStyle/>
-          <a:p>
-            <a:pPr marL="0" marR="0" lvl="0" indent="0" algn="ctr" defTabSz="914400" rtl="0" eaLnBrk="1" fontAlgn="auto" latinLnBrk="0" hangingPunct="1">
-              <a:lnSpc>
-                <a:spcPct val="100000"/>
-              </a:lnSpc>
-              <a:spcBef>
-                <a:spcPts val="0"/>
-              </a:spcBef>
-              <a:spcAft>
-                <a:spcPts val="0"/>
-              </a:spcAft>
-              <a:buClrTx/>
-              <a:buSzTx/>
-              <a:buFontTx/>
-              <a:buNone/>
-              <a:tabLst/>
-              <a:defRPr/>
-            </a:pPr>
-            <a:endParaRPr kumimoji="0" lang="fr-FR" sz="1800" b="0" i="0" u="none" strike="noStrike" kern="1200" cap="none" spc="0" normalizeH="0" baseline="0" noProof="0">
-              <a:ln>
-                <a:noFill/>
-              </a:ln>
-              <a:solidFill>
-                <a:prstClr val="white"/>
-              </a:solidFill>
-              <a:effectLst/>
-              <a:uLnTx/>
-              <a:uFillTx/>
-              <a:latin typeface="Calibri" panose="020F0502020204030204"/>
-              <a:ea typeface="+mn-ea"/>
-              <a:cs typeface="+mn-cs"/>
-            </a:endParaRPr>
-          </a:p>
-        </p:txBody>
-      </p:sp>
       <p:cxnSp>
         <p:nvCxnSpPr>
           <p:cNvPr id="40" name="Connecteur droit avec flèche 39">
@@ -37636,14 +37647,13 @@
           </p:cNvPr>
           <p:cNvCxnSpPr>
             <a:cxnSpLocks/>
-            <a:stCxn id="39" idx="4"/>
           </p:cNvCxnSpPr>
           <p:nvPr/>
         </p:nvCxnSpPr>
         <p:spPr>
           <a:xfrm flipH="1">
-            <a:off x="2469396" y="2774594"/>
-            <a:ext cx="5442" cy="828085"/>
+            <a:off x="2480888" y="2674875"/>
+            <a:ext cx="0" cy="841147"/>
           </a:xfrm>
           <a:prstGeom prst="straightConnector1">
             <a:avLst/>

--- a/19_Sympact/19_Sympact_Corrige.pptx
+++ b/19_Sympact/19_Sympact_Corrige.pptx
@@ -363,7 +363,7 @@
           <a:p>
             <a:fld id="{D7F135F6-2A09-4FDD-9ECA-096E230CA0FA}" type="datetimeFigureOut">
               <a:rPr lang="fr-FR" smtClean="0"/>
-              <a:t>24/11/2023</a:t>
+              <a:t>26/11/2023</a:t>
             </a:fld>
             <a:endParaRPr lang="fr-FR"/>
           </a:p>
@@ -568,7 +568,7 @@
           <a:p>
             <a:fld id="{D7F135F6-2A09-4FDD-9ECA-096E230CA0FA}" type="datetimeFigureOut">
               <a:rPr lang="fr-FR" smtClean="0"/>
-              <a:t>24/11/2023</a:t>
+              <a:t>26/11/2023</a:t>
             </a:fld>
             <a:endParaRPr lang="fr-FR"/>
           </a:p>
@@ -824,7 +824,7 @@
           <a:p>
             <a:fld id="{D7F135F6-2A09-4FDD-9ECA-096E230CA0FA}" type="datetimeFigureOut">
               <a:rPr lang="fr-FR" smtClean="0"/>
-              <a:t>24/11/2023</a:t>
+              <a:t>26/11/2023</a:t>
             </a:fld>
             <a:endParaRPr lang="fr-FR"/>
           </a:p>
@@ -1032,7 +1032,7 @@
           <a:p>
             <a:fld id="{8AAB5A56-9FCC-43E3-B6ED-50DB8CA1C8D6}" type="datetimeFigureOut">
               <a:rPr lang="fr-FR" smtClean="0"/>
-              <a:t>24/11/2023</a:t>
+              <a:t>26/11/2023</a:t>
             </a:fld>
             <a:endParaRPr lang="fr-FR"/>
           </a:p>
@@ -1230,7 +1230,7 @@
           <a:p>
             <a:fld id="{8AAB5A56-9FCC-43E3-B6ED-50DB8CA1C8D6}" type="datetimeFigureOut">
               <a:rPr lang="fr-FR" smtClean="0"/>
-              <a:t>24/11/2023</a:t>
+              <a:t>26/11/2023</a:t>
             </a:fld>
             <a:endParaRPr lang="fr-FR"/>
           </a:p>
@@ -1505,7 +1505,7 @@
           <a:p>
             <a:fld id="{8AAB5A56-9FCC-43E3-B6ED-50DB8CA1C8D6}" type="datetimeFigureOut">
               <a:rPr lang="fr-FR" smtClean="0"/>
-              <a:t>24/11/2023</a:t>
+              <a:t>26/11/2023</a:t>
             </a:fld>
             <a:endParaRPr lang="fr-FR"/>
           </a:p>
@@ -1770,7 +1770,7 @@
           <a:p>
             <a:fld id="{8AAB5A56-9FCC-43E3-B6ED-50DB8CA1C8D6}" type="datetimeFigureOut">
               <a:rPr lang="fr-FR" smtClean="0"/>
-              <a:t>24/11/2023</a:t>
+              <a:t>26/11/2023</a:t>
             </a:fld>
             <a:endParaRPr lang="fr-FR"/>
           </a:p>
@@ -2182,7 +2182,7 @@
           <a:p>
             <a:fld id="{8AAB5A56-9FCC-43E3-B6ED-50DB8CA1C8D6}" type="datetimeFigureOut">
               <a:rPr lang="fr-FR" smtClean="0"/>
-              <a:t>24/11/2023</a:t>
+              <a:t>26/11/2023</a:t>
             </a:fld>
             <a:endParaRPr lang="fr-FR"/>
           </a:p>
@@ -2323,7 +2323,7 @@
           <a:p>
             <a:fld id="{8AAB5A56-9FCC-43E3-B6ED-50DB8CA1C8D6}" type="datetimeFigureOut">
               <a:rPr lang="fr-FR" smtClean="0"/>
-              <a:t>24/11/2023</a:t>
+              <a:t>26/11/2023</a:t>
             </a:fld>
             <a:endParaRPr lang="fr-FR"/>
           </a:p>
@@ -2436,7 +2436,7 @@
           <a:p>
             <a:fld id="{8AAB5A56-9FCC-43E3-B6ED-50DB8CA1C8D6}" type="datetimeFigureOut">
               <a:rPr lang="fr-FR" smtClean="0"/>
-              <a:t>24/11/2023</a:t>
+              <a:t>26/11/2023</a:t>
             </a:fld>
             <a:endParaRPr lang="fr-FR"/>
           </a:p>
@@ -2747,7 +2747,7 @@
           <a:p>
             <a:fld id="{8AAB5A56-9FCC-43E3-B6ED-50DB8CA1C8D6}" type="datetimeFigureOut">
               <a:rPr lang="fr-FR" smtClean="0"/>
-              <a:t>24/11/2023</a:t>
+              <a:t>26/11/2023</a:t>
             </a:fld>
             <a:endParaRPr lang="fr-FR"/>
           </a:p>
@@ -2965,7 +2965,7 @@
           <a:p>
             <a:fld id="{D7F135F6-2A09-4FDD-9ECA-096E230CA0FA}" type="datetimeFigureOut">
               <a:rPr lang="fr-FR" smtClean="0"/>
-              <a:t>24/11/2023</a:t>
+              <a:t>26/11/2023</a:t>
             </a:fld>
             <a:endParaRPr lang="fr-FR"/>
           </a:p>
@@ -3257,7 +3257,7 @@
           <a:p>
             <a:fld id="{8AAB5A56-9FCC-43E3-B6ED-50DB8CA1C8D6}" type="datetimeFigureOut">
               <a:rPr lang="fr-FR" smtClean="0"/>
-              <a:t>24/11/2023</a:t>
+              <a:t>26/11/2023</a:t>
             </a:fld>
             <a:endParaRPr lang="fr-FR"/>
           </a:p>
@@ -3455,7 +3455,7 @@
           <a:p>
             <a:fld id="{8AAB5A56-9FCC-43E3-B6ED-50DB8CA1C8D6}" type="datetimeFigureOut">
               <a:rPr lang="fr-FR" smtClean="0"/>
-              <a:t>24/11/2023</a:t>
+              <a:t>26/11/2023</a:t>
             </a:fld>
             <a:endParaRPr lang="fr-FR"/>
           </a:p>
@@ -3663,7 +3663,7 @@
           <a:p>
             <a:fld id="{8AAB5A56-9FCC-43E3-B6ED-50DB8CA1C8D6}" type="datetimeFigureOut">
               <a:rPr lang="fr-FR" smtClean="0"/>
-              <a:t>24/11/2023</a:t>
+              <a:t>26/11/2023</a:t>
             </a:fld>
             <a:endParaRPr lang="fr-FR"/>
           </a:p>
@@ -4021,7 +4021,7 @@
           <a:p>
             <a:fld id="{D7F135F6-2A09-4FDD-9ECA-096E230CA0FA}" type="datetimeFigureOut">
               <a:rPr lang="fr-FR" smtClean="0"/>
-              <a:t>24/11/2023</a:t>
+              <a:t>26/11/2023</a:t>
             </a:fld>
             <a:endParaRPr lang="fr-FR"/>
           </a:p>
@@ -4296,7 +4296,7 @@
           <a:p>
             <a:fld id="{D7F135F6-2A09-4FDD-9ECA-096E230CA0FA}" type="datetimeFigureOut">
               <a:rPr lang="fr-FR" smtClean="0"/>
-              <a:t>24/11/2023</a:t>
+              <a:t>26/11/2023</a:t>
             </a:fld>
             <a:endParaRPr lang="fr-FR"/>
           </a:p>
@@ -4675,7 +4675,7 @@
           <a:p>
             <a:fld id="{D7F135F6-2A09-4FDD-9ECA-096E230CA0FA}" type="datetimeFigureOut">
               <a:rPr lang="fr-FR" smtClean="0"/>
-              <a:t>24/11/2023</a:t>
+              <a:t>26/11/2023</a:t>
             </a:fld>
             <a:endParaRPr lang="fr-FR"/>
           </a:p>
@@ -4793,7 +4793,7 @@
           <a:p>
             <a:fld id="{D7F135F6-2A09-4FDD-9ECA-096E230CA0FA}" type="datetimeFigureOut">
               <a:rPr lang="fr-FR" smtClean="0"/>
-              <a:t>24/11/2023</a:t>
+              <a:t>26/11/2023</a:t>
             </a:fld>
             <a:endParaRPr lang="fr-FR"/>
           </a:p>
@@ -4967,7 +4967,7 @@
           <a:p>
             <a:fld id="{D7F135F6-2A09-4FDD-9ECA-096E230CA0FA}" type="datetimeFigureOut">
               <a:rPr lang="fr-FR" smtClean="0"/>
-              <a:t>24/11/2023</a:t>
+              <a:t>26/11/2023</a:t>
             </a:fld>
             <a:endParaRPr lang="fr-FR"/>
           </a:p>
@@ -5324,7 +5324,7 @@
           <a:p>
             <a:fld id="{D7F135F6-2A09-4FDD-9ECA-096E230CA0FA}" type="datetimeFigureOut">
               <a:rPr lang="fr-FR" smtClean="0"/>
-              <a:t>24/11/2023</a:t>
+              <a:t>26/11/2023</a:t>
             </a:fld>
             <a:endParaRPr lang="fr-FR"/>
           </a:p>
@@ -5709,7 +5709,7 @@
           <a:p>
             <a:fld id="{D7F135F6-2A09-4FDD-9ECA-096E230CA0FA}" type="datetimeFigureOut">
               <a:rPr lang="fr-FR" smtClean="0"/>
-              <a:t>24/11/2023</a:t>
+              <a:t>26/11/2023</a:t>
             </a:fld>
             <a:endParaRPr lang="fr-FR"/>
           </a:p>
@@ -5999,7 +5999,7 @@
           <a:p>
             <a:fld id="{D7F135F6-2A09-4FDD-9ECA-096E230CA0FA}" type="datetimeFigureOut">
               <a:rPr lang="fr-FR" smtClean="0"/>
-              <a:t>24/11/2023</a:t>
+              <a:t>26/11/2023</a:t>
             </a:fld>
             <a:endParaRPr lang="fr-FR" dirty="0"/>
           </a:p>
@@ -6693,7 +6693,7 @@
           <a:p>
             <a:fld id="{8AAB5A56-9FCC-43E3-B6ED-50DB8CA1C8D6}" type="datetimeFigureOut">
               <a:rPr lang="fr-FR" smtClean="0"/>
-              <a:t>24/11/2023</a:t>
+              <a:t>26/11/2023</a:t>
             </a:fld>
             <a:endParaRPr lang="fr-FR"/>
           </a:p>
@@ -19439,8 +19439,21 @@
                   <a:srgbClr val="00547F"/>
                 </a:solidFill>
               </a:rPr>
-              <a:t>Le codeur est indispensable pour réaliser l’asservissement en position du moteur. </a:t>
+              <a:t>Le potentiomètre rotatif n’est présent que pour des raisons pédagogiques. Des butées permettent au système de ne </a:t>
             </a:r>
+            <a:r>
+              <a:rPr lang="fr-FR" sz="1400">
+                <a:solidFill>
+                  <a:srgbClr val="00547F"/>
+                </a:solidFill>
+              </a:rPr>
+              <a:t>pas dépasser la course.</a:t>
+            </a:r>
+            <a:endParaRPr lang="fr-FR" sz="1400" dirty="0">
+              <a:solidFill>
+                <a:srgbClr val="00547F"/>
+              </a:solidFill>
+            </a:endParaRPr>
           </a:p>
         </p:txBody>
       </p:sp>
@@ -21030,8 +21043,8 @@
           </a:p>
         </p:txBody>
       </p:sp>
-      <mc:AlternateContent xmlns:mc="http://schemas.openxmlformats.org/markup-compatibility/2006">
-        <mc:Choice xmlns:a14="http://schemas.microsoft.com/office/drawing/2010/main" Requires="a14">
+      <mc:AlternateContent xmlns:mc="http://schemas.openxmlformats.org/markup-compatibility/2006" xmlns:a14="http://schemas.microsoft.com/office/drawing/2010/main">
+        <mc:Choice Requires="a14">
           <p:sp>
             <p:nvSpPr>
               <p:cNvPr id="5" name="Espace réservé du contenu 4">
@@ -22278,7 +22291,7 @@
             </p:txBody>
           </p:sp>
         </mc:Choice>
-        <mc:Fallback>
+        <mc:Fallback xmlns="">
           <p:sp>
             <p:nvSpPr>
               <p:cNvPr id="5" name="Espace réservé du contenu 4">

--- a/19_Sympact/19_Sympact_Corrige.pptx
+++ b/19_Sympact/19_Sympact_Corrige.pptx
@@ -15,12 +15,15 @@
     <p:sldId id="275" r:id="rId9"/>
     <p:sldId id="273" r:id="rId10"/>
     <p:sldId id="269" r:id="rId11"/>
-    <p:sldId id="270" r:id="rId12"/>
-    <p:sldId id="258" r:id="rId13"/>
-    <p:sldId id="271" r:id="rId14"/>
-    <p:sldId id="257" r:id="rId15"/>
-    <p:sldId id="260" r:id="rId16"/>
-    <p:sldId id="259" r:id="rId17"/>
+    <p:sldId id="278" r:id="rId12"/>
+    <p:sldId id="277" r:id="rId13"/>
+    <p:sldId id="276" r:id="rId14"/>
+    <p:sldId id="270" r:id="rId15"/>
+    <p:sldId id="258" r:id="rId16"/>
+    <p:sldId id="271" r:id="rId17"/>
+    <p:sldId id="257" r:id="rId18"/>
+    <p:sldId id="260" r:id="rId19"/>
+    <p:sldId id="259" r:id="rId20"/>
   </p:sldIdLst>
   <p:sldSz cx="12192000" cy="6858000"/>
   <p:notesSz cx="6858000" cy="9144000"/>
@@ -367,7 +370,7 @@
           <a:p>
             <a:fld id="{D7F135F6-2A09-4FDD-9ECA-096E230CA0FA}" type="datetimeFigureOut">
               <a:rPr lang="fr-FR" smtClean="0"/>
-              <a:t>07/06/2024</a:t>
+              <a:t>04/11/2024</a:t>
             </a:fld>
             <a:endParaRPr lang="fr-FR"/>
           </a:p>
@@ -572,7 +575,7 @@
           <a:p>
             <a:fld id="{D7F135F6-2A09-4FDD-9ECA-096E230CA0FA}" type="datetimeFigureOut">
               <a:rPr lang="fr-FR" smtClean="0"/>
-              <a:t>07/06/2024</a:t>
+              <a:t>04/11/2024</a:t>
             </a:fld>
             <a:endParaRPr lang="fr-FR"/>
           </a:p>
@@ -828,7 +831,7 @@
           <a:p>
             <a:fld id="{D7F135F6-2A09-4FDD-9ECA-096E230CA0FA}" type="datetimeFigureOut">
               <a:rPr lang="fr-FR" smtClean="0"/>
-              <a:t>07/06/2024</a:t>
+              <a:t>04/11/2024</a:t>
             </a:fld>
             <a:endParaRPr lang="fr-FR"/>
           </a:p>
@@ -1036,7 +1039,7 @@
           <a:p>
             <a:fld id="{8AAB5A56-9FCC-43E3-B6ED-50DB8CA1C8D6}" type="datetimeFigureOut">
               <a:rPr lang="fr-FR" smtClean="0"/>
-              <a:t>07/06/2024</a:t>
+              <a:t>04/11/2024</a:t>
             </a:fld>
             <a:endParaRPr lang="fr-FR"/>
           </a:p>
@@ -1234,7 +1237,7 @@
           <a:p>
             <a:fld id="{8AAB5A56-9FCC-43E3-B6ED-50DB8CA1C8D6}" type="datetimeFigureOut">
               <a:rPr lang="fr-FR" smtClean="0"/>
-              <a:t>07/06/2024</a:t>
+              <a:t>04/11/2024</a:t>
             </a:fld>
             <a:endParaRPr lang="fr-FR"/>
           </a:p>
@@ -1509,7 +1512,7 @@
           <a:p>
             <a:fld id="{8AAB5A56-9FCC-43E3-B6ED-50DB8CA1C8D6}" type="datetimeFigureOut">
               <a:rPr lang="fr-FR" smtClean="0"/>
-              <a:t>07/06/2024</a:t>
+              <a:t>04/11/2024</a:t>
             </a:fld>
             <a:endParaRPr lang="fr-FR"/>
           </a:p>
@@ -1774,7 +1777,7 @@
           <a:p>
             <a:fld id="{8AAB5A56-9FCC-43E3-B6ED-50DB8CA1C8D6}" type="datetimeFigureOut">
               <a:rPr lang="fr-FR" smtClean="0"/>
-              <a:t>07/06/2024</a:t>
+              <a:t>04/11/2024</a:t>
             </a:fld>
             <a:endParaRPr lang="fr-FR"/>
           </a:p>
@@ -2186,7 +2189,7 @@
           <a:p>
             <a:fld id="{8AAB5A56-9FCC-43E3-B6ED-50DB8CA1C8D6}" type="datetimeFigureOut">
               <a:rPr lang="fr-FR" smtClean="0"/>
-              <a:t>07/06/2024</a:t>
+              <a:t>04/11/2024</a:t>
             </a:fld>
             <a:endParaRPr lang="fr-FR"/>
           </a:p>
@@ -2327,7 +2330,7 @@
           <a:p>
             <a:fld id="{8AAB5A56-9FCC-43E3-B6ED-50DB8CA1C8D6}" type="datetimeFigureOut">
               <a:rPr lang="fr-FR" smtClean="0"/>
-              <a:t>07/06/2024</a:t>
+              <a:t>04/11/2024</a:t>
             </a:fld>
             <a:endParaRPr lang="fr-FR"/>
           </a:p>
@@ -2440,7 +2443,7 @@
           <a:p>
             <a:fld id="{8AAB5A56-9FCC-43E3-B6ED-50DB8CA1C8D6}" type="datetimeFigureOut">
               <a:rPr lang="fr-FR" smtClean="0"/>
-              <a:t>07/06/2024</a:t>
+              <a:t>04/11/2024</a:t>
             </a:fld>
             <a:endParaRPr lang="fr-FR"/>
           </a:p>
@@ -2751,7 +2754,7 @@
           <a:p>
             <a:fld id="{8AAB5A56-9FCC-43E3-B6ED-50DB8CA1C8D6}" type="datetimeFigureOut">
               <a:rPr lang="fr-FR" smtClean="0"/>
-              <a:t>07/06/2024</a:t>
+              <a:t>04/11/2024</a:t>
             </a:fld>
             <a:endParaRPr lang="fr-FR"/>
           </a:p>
@@ -2969,7 +2972,7 @@
           <a:p>
             <a:fld id="{D7F135F6-2A09-4FDD-9ECA-096E230CA0FA}" type="datetimeFigureOut">
               <a:rPr lang="fr-FR" smtClean="0"/>
-              <a:t>07/06/2024</a:t>
+              <a:t>04/11/2024</a:t>
             </a:fld>
             <a:endParaRPr lang="fr-FR"/>
           </a:p>
@@ -3261,7 +3264,7 @@
           <a:p>
             <a:fld id="{8AAB5A56-9FCC-43E3-B6ED-50DB8CA1C8D6}" type="datetimeFigureOut">
               <a:rPr lang="fr-FR" smtClean="0"/>
-              <a:t>07/06/2024</a:t>
+              <a:t>04/11/2024</a:t>
             </a:fld>
             <a:endParaRPr lang="fr-FR"/>
           </a:p>
@@ -3459,7 +3462,7 @@
           <a:p>
             <a:fld id="{8AAB5A56-9FCC-43E3-B6ED-50DB8CA1C8D6}" type="datetimeFigureOut">
               <a:rPr lang="fr-FR" smtClean="0"/>
-              <a:t>07/06/2024</a:t>
+              <a:t>04/11/2024</a:t>
             </a:fld>
             <a:endParaRPr lang="fr-FR"/>
           </a:p>
@@ -3667,7 +3670,7 @@
           <a:p>
             <a:fld id="{8AAB5A56-9FCC-43E3-B6ED-50DB8CA1C8D6}" type="datetimeFigureOut">
               <a:rPr lang="fr-FR" smtClean="0"/>
-              <a:t>07/06/2024</a:t>
+              <a:t>04/11/2024</a:t>
             </a:fld>
             <a:endParaRPr lang="fr-FR"/>
           </a:p>
@@ -4025,7 +4028,7 @@
           <a:p>
             <a:fld id="{D7F135F6-2A09-4FDD-9ECA-096E230CA0FA}" type="datetimeFigureOut">
               <a:rPr lang="fr-FR" smtClean="0"/>
-              <a:t>07/06/2024</a:t>
+              <a:t>04/11/2024</a:t>
             </a:fld>
             <a:endParaRPr lang="fr-FR"/>
           </a:p>
@@ -4300,7 +4303,7 @@
           <a:p>
             <a:fld id="{D7F135F6-2A09-4FDD-9ECA-096E230CA0FA}" type="datetimeFigureOut">
               <a:rPr lang="fr-FR" smtClean="0"/>
-              <a:t>07/06/2024</a:t>
+              <a:t>04/11/2024</a:t>
             </a:fld>
             <a:endParaRPr lang="fr-FR"/>
           </a:p>
@@ -4679,7 +4682,7 @@
           <a:p>
             <a:fld id="{D7F135F6-2A09-4FDD-9ECA-096E230CA0FA}" type="datetimeFigureOut">
               <a:rPr lang="fr-FR" smtClean="0"/>
-              <a:t>07/06/2024</a:t>
+              <a:t>04/11/2024</a:t>
             </a:fld>
             <a:endParaRPr lang="fr-FR"/>
           </a:p>
@@ -4797,7 +4800,7 @@
           <a:p>
             <a:fld id="{D7F135F6-2A09-4FDD-9ECA-096E230CA0FA}" type="datetimeFigureOut">
               <a:rPr lang="fr-FR" smtClean="0"/>
-              <a:t>07/06/2024</a:t>
+              <a:t>04/11/2024</a:t>
             </a:fld>
             <a:endParaRPr lang="fr-FR"/>
           </a:p>
@@ -4971,7 +4974,7 @@
           <a:p>
             <a:fld id="{D7F135F6-2A09-4FDD-9ECA-096E230CA0FA}" type="datetimeFigureOut">
               <a:rPr lang="fr-FR" smtClean="0"/>
-              <a:t>07/06/2024</a:t>
+              <a:t>04/11/2024</a:t>
             </a:fld>
             <a:endParaRPr lang="fr-FR"/>
           </a:p>
@@ -5328,7 +5331,7 @@
           <a:p>
             <a:fld id="{D7F135F6-2A09-4FDD-9ECA-096E230CA0FA}" type="datetimeFigureOut">
               <a:rPr lang="fr-FR" smtClean="0"/>
-              <a:t>07/06/2024</a:t>
+              <a:t>04/11/2024</a:t>
             </a:fld>
             <a:endParaRPr lang="fr-FR"/>
           </a:p>
@@ -5713,7 +5716,7 @@
           <a:p>
             <a:fld id="{D7F135F6-2A09-4FDD-9ECA-096E230CA0FA}" type="datetimeFigureOut">
               <a:rPr lang="fr-FR" smtClean="0"/>
-              <a:t>07/06/2024</a:t>
+              <a:t>04/11/2024</a:t>
             </a:fld>
             <a:endParaRPr lang="fr-FR"/>
           </a:p>
@@ -6003,7 +6006,7 @@
           <a:p>
             <a:fld id="{D7F135F6-2A09-4FDD-9ECA-096E230CA0FA}" type="datetimeFigureOut">
               <a:rPr lang="fr-FR" smtClean="0"/>
-              <a:t>07/06/2024</a:t>
+              <a:t>04/11/2024</a:t>
             </a:fld>
             <a:endParaRPr lang="fr-FR" dirty="0"/>
           </a:p>
@@ -6697,7 +6700,7 @@
           <a:p>
             <a:fld id="{8AAB5A56-9FCC-43E3-B6ED-50DB8CA1C8D6}" type="datetimeFigureOut">
               <a:rPr lang="fr-FR" smtClean="0"/>
-              <a:t>07/06/2024</a:t>
+              <a:t>04/11/2024</a:t>
             </a:fld>
             <a:endParaRPr lang="fr-FR"/>
           </a:p>
@@ -7214,6 +7217,3553 @@
       </p:grpSpPr>
       <p:sp>
         <p:nvSpPr>
+          <p:cNvPr id="4" name="Titre 3">
+            <a:extLst>
+              <a:ext uri="{FF2B5EF4-FFF2-40B4-BE49-F238E27FC236}">
+                <a16:creationId xmlns:a16="http://schemas.microsoft.com/office/drawing/2014/main" id="{B794E1E6-E0CB-0314-482E-A48AE59E0887}"/>
+              </a:ext>
+            </a:extLst>
+          </p:cNvPr>
+          <p:cNvSpPr>
+            <a:spLocks noGrp="1"/>
+          </p:cNvSpPr>
+          <p:nvPr>
+            <p:ph type="title"/>
+          </p:nvPr>
+        </p:nvSpPr>
+        <p:spPr/>
+        <p:txBody>
+          <a:bodyPr/>
+          <a:lstStyle/>
+          <a:p>
+            <a:r>
+              <a:rPr lang="fr-FR" dirty="0"/>
+              <a:t>xx</a:t>
+            </a:r>
+            <a:br>
+              <a:rPr lang="fr-FR" dirty="0"/>
+            </a:br>
+            <a:r>
+              <a:rPr lang="fr-FR" dirty="0"/>
+              <a:t>Loi Entrée-Sortie Géométrique</a:t>
+            </a:r>
+          </a:p>
+        </p:txBody>
+      </p:sp>
+      <p:sp>
+        <p:nvSpPr>
+          <p:cNvPr id="3" name="Espace réservé du texte 2">
+            <a:extLst>
+              <a:ext uri="{FF2B5EF4-FFF2-40B4-BE49-F238E27FC236}">
+                <a16:creationId xmlns:a16="http://schemas.microsoft.com/office/drawing/2014/main" id="{0F27957C-90BC-4C2B-9008-D878CB51C05A}"/>
+              </a:ext>
+            </a:extLst>
+          </p:cNvPr>
+          <p:cNvSpPr>
+            <a:spLocks noGrp="1"/>
+          </p:cNvSpPr>
+          <p:nvPr>
+            <p:ph type="body" idx="1"/>
+          </p:nvPr>
+        </p:nvSpPr>
+        <p:spPr/>
+        <p:txBody>
+          <a:bodyPr/>
+          <a:lstStyle/>
+          <a:p>
+            <a:endParaRPr lang="fr-FR"/>
+          </a:p>
+        </p:txBody>
+      </p:sp>
+    </p:spTree>
+    <p:extLst>
+      <p:ext uri="{BB962C8B-B14F-4D97-AF65-F5344CB8AC3E}">
+        <p14:creationId xmlns:p14="http://schemas.microsoft.com/office/powerpoint/2010/main" val="120298943"/>
+      </p:ext>
+    </p:extLst>
+  </p:cSld>
+  <p:clrMapOvr>
+    <a:masterClrMapping/>
+  </p:clrMapOvr>
+</p:sld>
+</file>
+
+<file path=ppt/slides/slide11.xml><?xml version="1.0" encoding="utf-8"?>
+<p:sld xmlns:a="http://schemas.openxmlformats.org/drawingml/2006/main" xmlns:r="http://schemas.openxmlformats.org/officeDocument/2006/relationships" xmlns:p="http://schemas.openxmlformats.org/presentationml/2006/main">
+  <p:cSld>
+    <p:spTree>
+      <p:nvGrpSpPr>
+        <p:cNvPr id="1" name=""/>
+        <p:cNvGrpSpPr/>
+        <p:nvPr/>
+      </p:nvGrpSpPr>
+      <p:grpSpPr>
+        <a:xfrm>
+          <a:off x="0" y="0"/>
+          <a:ext cx="0" cy="0"/>
+          <a:chOff x="0" y="0"/>
+          <a:chExt cx="0" cy="0"/>
+        </a:xfrm>
+      </p:grpSpPr>
+      <p:grpSp>
+        <p:nvGrpSpPr>
+          <p:cNvPr id="2" name="Groupe 1">
+            <a:extLst>
+              <a:ext uri="{FF2B5EF4-FFF2-40B4-BE49-F238E27FC236}">
+                <a16:creationId xmlns:a16="http://schemas.microsoft.com/office/drawing/2014/main" id="{0C932E78-9266-4889-BAB9-33B35D8DF671}"/>
+              </a:ext>
+            </a:extLst>
+          </p:cNvPr>
+          <p:cNvGrpSpPr/>
+          <p:nvPr/>
+        </p:nvGrpSpPr>
+        <p:grpSpPr>
+          <a:xfrm>
+            <a:off x="7711863" y="4070979"/>
+            <a:ext cx="4318898" cy="2091847"/>
+            <a:chOff x="3409371" y="1866793"/>
+            <a:chExt cx="4318898" cy="2091847"/>
+          </a:xfrm>
+        </p:grpSpPr>
+        <p:cxnSp>
+          <p:nvCxnSpPr>
+            <p:cNvPr id="4" name="Connecteur droit 3">
+              <a:extLst>
+                <a:ext uri="{FF2B5EF4-FFF2-40B4-BE49-F238E27FC236}">
+                  <a16:creationId xmlns:a16="http://schemas.microsoft.com/office/drawing/2014/main" id="{A180EB02-00B1-B3EE-6CFB-2B305FFF8CA9}"/>
+                </a:ext>
+              </a:extLst>
+            </p:cNvPr>
+            <p:cNvCxnSpPr>
+              <a:cxnSpLocks/>
+            </p:cNvCxnSpPr>
+            <p:nvPr/>
+          </p:nvCxnSpPr>
+          <p:spPr>
+            <a:xfrm flipH="1" flipV="1">
+              <a:off x="6486426" y="2254307"/>
+              <a:ext cx="1032230" cy="759328"/>
+            </a:xfrm>
+            <a:prstGeom prst="line">
+              <a:avLst/>
+            </a:prstGeom>
+            <a:noFill/>
+            <a:ln w="9525">
+              <a:solidFill>
+                <a:srgbClr val="7030A0"/>
+              </a:solidFill>
+              <a:headEnd type="stealth" w="med" len="lg"/>
+            </a:ln>
+          </p:spPr>
+          <p:style>
+            <a:lnRef idx="2">
+              <a:schemeClr val="accent1">
+                <a:shade val="50000"/>
+              </a:schemeClr>
+            </a:lnRef>
+            <a:fillRef idx="1">
+              <a:schemeClr val="accent1"/>
+            </a:fillRef>
+            <a:effectRef idx="0">
+              <a:schemeClr val="accent1"/>
+            </a:effectRef>
+            <a:fontRef idx="minor">
+              <a:schemeClr val="lt1"/>
+            </a:fontRef>
+          </p:style>
+        </p:cxnSp>
+        <p:cxnSp>
+          <p:nvCxnSpPr>
+            <p:cNvPr id="5" name="Connecteur droit 4">
+              <a:extLst>
+                <a:ext uri="{FF2B5EF4-FFF2-40B4-BE49-F238E27FC236}">
+                  <a16:creationId xmlns:a16="http://schemas.microsoft.com/office/drawing/2014/main" id="{313676C5-7A00-39A3-34A8-A81B416722B5}"/>
+                </a:ext>
+              </a:extLst>
+            </p:cNvPr>
+            <p:cNvCxnSpPr>
+              <a:cxnSpLocks/>
+              <a:stCxn id="17" idx="5"/>
+              <a:endCxn id="20" idx="1"/>
+            </p:cNvCxnSpPr>
+            <p:nvPr/>
+          </p:nvCxnSpPr>
+          <p:spPr>
+            <a:xfrm flipH="1" flipV="1">
+              <a:off x="6045088" y="1928547"/>
+              <a:ext cx="1032230" cy="759328"/>
+            </a:xfrm>
+            <a:prstGeom prst="line">
+              <a:avLst/>
+            </a:prstGeom>
+            <a:noFill/>
+            <a:ln w="19050">
+              <a:solidFill>
+                <a:srgbClr val="7030A0"/>
+              </a:solidFill>
+            </a:ln>
+          </p:spPr>
+          <p:style>
+            <a:lnRef idx="2">
+              <a:schemeClr val="accent1">
+                <a:shade val="50000"/>
+              </a:schemeClr>
+            </a:lnRef>
+            <a:fillRef idx="1">
+              <a:schemeClr val="accent1"/>
+            </a:fillRef>
+            <a:effectRef idx="0">
+              <a:schemeClr val="accent1"/>
+            </a:effectRef>
+            <a:fontRef idx="minor">
+              <a:schemeClr val="lt1"/>
+            </a:fontRef>
+          </p:style>
+        </p:cxnSp>
+        <p:grpSp>
+          <p:nvGrpSpPr>
+            <p:cNvPr id="6" name="Groupe 5">
+              <a:extLst>
+                <a:ext uri="{FF2B5EF4-FFF2-40B4-BE49-F238E27FC236}">
+                  <a16:creationId xmlns:a16="http://schemas.microsoft.com/office/drawing/2014/main" id="{410D3907-8BAE-BA71-C743-A778EDC7FEBB}"/>
+                </a:ext>
+              </a:extLst>
+            </p:cNvPr>
+            <p:cNvGrpSpPr/>
+            <p:nvPr/>
+          </p:nvGrpSpPr>
+          <p:grpSpPr>
+            <a:xfrm rot="13500000">
+              <a:off x="6629023" y="2007921"/>
+              <a:ext cx="288000" cy="1796903"/>
+              <a:chOff x="3631019" y="2472069"/>
+              <a:chExt cx="288000" cy="1796903"/>
+            </a:xfrm>
+          </p:grpSpPr>
+          <p:grpSp>
+            <p:nvGrpSpPr>
+              <p:cNvPr id="7" name="Groupe 6">
+                <a:extLst>
+                  <a:ext uri="{FF2B5EF4-FFF2-40B4-BE49-F238E27FC236}">
+                    <a16:creationId xmlns:a16="http://schemas.microsoft.com/office/drawing/2014/main" id="{D3BA2312-0AA5-41BE-C4CD-F9FF3A4CD7C4}"/>
+                  </a:ext>
+                </a:extLst>
+              </p:cNvPr>
+              <p:cNvGrpSpPr/>
+              <p:nvPr/>
+            </p:nvGrpSpPr>
+            <p:grpSpPr>
+              <a:xfrm>
+                <a:off x="3631019" y="2966483"/>
+                <a:ext cx="288000" cy="1302489"/>
+                <a:chOff x="3631019" y="2966483"/>
+                <a:chExt cx="288000" cy="1302489"/>
+              </a:xfrm>
+            </p:grpSpPr>
+            <p:sp>
+              <p:nvSpPr>
+                <p:cNvPr id="9" name="Arc 8">
+                  <a:extLst>
+                    <a:ext uri="{FF2B5EF4-FFF2-40B4-BE49-F238E27FC236}">
+                      <a16:creationId xmlns:a16="http://schemas.microsoft.com/office/drawing/2014/main" id="{7634A3F9-8944-BD0B-C990-9332C9F314C3}"/>
+                    </a:ext>
+                  </a:extLst>
+                </p:cNvPr>
+                <p:cNvSpPr/>
+                <p:nvPr/>
+              </p:nvSpPr>
+              <p:spPr>
+                <a:xfrm>
+                  <a:off x="3631019" y="2966483"/>
+                  <a:ext cx="288000" cy="288000"/>
+                </a:xfrm>
+                <a:prstGeom prst="arc">
+                  <a:avLst>
+                    <a:gd name="adj1" fmla="val 10671135"/>
+                    <a:gd name="adj2" fmla="val 0"/>
+                  </a:avLst>
+                </a:prstGeom>
+                <a:noFill/>
+                <a:ln w="19050">
+                  <a:solidFill>
+                    <a:srgbClr val="FFC000"/>
+                  </a:solidFill>
+                </a:ln>
+              </p:spPr>
+              <p:style>
+                <a:lnRef idx="2">
+                  <a:schemeClr val="accent1">
+                    <a:shade val="50000"/>
+                  </a:schemeClr>
+                </a:lnRef>
+                <a:fillRef idx="1">
+                  <a:schemeClr val="accent1"/>
+                </a:fillRef>
+                <a:effectRef idx="0">
+                  <a:schemeClr val="accent1"/>
+                </a:effectRef>
+                <a:fontRef idx="minor">
+                  <a:schemeClr val="lt1"/>
+                </a:fontRef>
+              </p:style>
+              <p:txBody>
+                <a:bodyPr rtlCol="0" anchor="ctr"/>
+                <a:lstStyle/>
+                <a:p>
+                  <a:pPr algn="ctr"/>
+                  <a:endParaRPr lang="fr-FR">
+                    <a:solidFill>
+                      <a:srgbClr val="FF0000"/>
+                    </a:solidFill>
+                  </a:endParaRPr>
+                </a:p>
+              </p:txBody>
+            </p:sp>
+            <p:cxnSp>
+              <p:nvCxnSpPr>
+                <p:cNvPr id="10" name="Connecteur droit 9">
+                  <a:extLst>
+                    <a:ext uri="{FF2B5EF4-FFF2-40B4-BE49-F238E27FC236}">
+                      <a16:creationId xmlns:a16="http://schemas.microsoft.com/office/drawing/2014/main" id="{CE2AB44E-C510-769F-956F-4E4CAFF95B86}"/>
+                    </a:ext>
+                  </a:extLst>
+                </p:cNvPr>
+                <p:cNvCxnSpPr>
+                  <a:cxnSpLocks/>
+                  <a:stCxn id="9" idx="0"/>
+                </p:cNvCxnSpPr>
+                <p:nvPr/>
+              </p:nvCxnSpPr>
+              <p:spPr>
+                <a:xfrm>
+                  <a:off x="3631120" y="3115880"/>
+                  <a:ext cx="0" cy="1153092"/>
+                </a:xfrm>
+                <a:prstGeom prst="line">
+                  <a:avLst/>
+                </a:prstGeom>
+                <a:noFill/>
+                <a:ln w="19050">
+                  <a:solidFill>
+                    <a:srgbClr val="FFC000"/>
+                  </a:solidFill>
+                </a:ln>
+              </p:spPr>
+              <p:style>
+                <a:lnRef idx="2">
+                  <a:schemeClr val="accent1">
+                    <a:shade val="50000"/>
+                  </a:schemeClr>
+                </a:lnRef>
+                <a:fillRef idx="1">
+                  <a:schemeClr val="accent1"/>
+                </a:fillRef>
+                <a:effectRef idx="0">
+                  <a:schemeClr val="accent1"/>
+                </a:effectRef>
+                <a:fontRef idx="minor">
+                  <a:schemeClr val="lt1"/>
+                </a:fontRef>
+              </p:style>
+            </p:cxnSp>
+          </p:grpSp>
+          <p:cxnSp>
+            <p:nvCxnSpPr>
+              <p:cNvPr id="8" name="Connecteur droit 7">
+                <a:extLst>
+                  <a:ext uri="{FF2B5EF4-FFF2-40B4-BE49-F238E27FC236}">
+                    <a16:creationId xmlns:a16="http://schemas.microsoft.com/office/drawing/2014/main" id="{6497AF29-DBA8-ACEF-9CEE-981F91FF4AC5}"/>
+                  </a:ext>
+                </a:extLst>
+              </p:cNvPr>
+              <p:cNvCxnSpPr>
+                <a:cxnSpLocks/>
+              </p:cNvCxnSpPr>
+              <p:nvPr/>
+            </p:nvCxnSpPr>
+            <p:spPr>
+              <a:xfrm flipV="1">
+                <a:off x="3780342" y="2472069"/>
+                <a:ext cx="0" cy="494414"/>
+              </a:xfrm>
+              <a:prstGeom prst="line">
+                <a:avLst/>
+              </a:prstGeom>
+              <a:noFill/>
+              <a:ln w="19050">
+                <a:solidFill>
+                  <a:srgbClr val="FFC000"/>
+                </a:solidFill>
+              </a:ln>
+            </p:spPr>
+            <p:style>
+              <a:lnRef idx="2">
+                <a:schemeClr val="accent1">
+                  <a:shade val="50000"/>
+                </a:schemeClr>
+              </a:lnRef>
+              <a:fillRef idx="1">
+                <a:schemeClr val="accent1"/>
+              </a:fillRef>
+              <a:effectRef idx="0">
+                <a:schemeClr val="accent1"/>
+              </a:effectRef>
+              <a:fontRef idx="minor">
+                <a:schemeClr val="lt1"/>
+              </a:fontRef>
+            </p:style>
+          </p:cxnSp>
+        </p:grpSp>
+        <p:sp>
+          <p:nvSpPr>
+            <p:cNvPr id="11" name="Forme libre : forme 10">
+              <a:extLst>
+                <a:ext uri="{FF2B5EF4-FFF2-40B4-BE49-F238E27FC236}">
+                  <a16:creationId xmlns:a16="http://schemas.microsoft.com/office/drawing/2014/main" id="{70C1B35E-E669-A533-5B34-87AB998B9D6D}"/>
+                </a:ext>
+              </a:extLst>
+            </p:cNvPr>
+            <p:cNvSpPr/>
+            <p:nvPr/>
+          </p:nvSpPr>
+          <p:spPr>
+            <a:xfrm>
+              <a:off x="5968217" y="3719230"/>
+              <a:ext cx="254643" cy="94628"/>
+            </a:xfrm>
+            <a:custGeom>
+              <a:avLst/>
+              <a:gdLst>
+                <a:gd name="connsiteX0" fmla="*/ 0 w 254643"/>
+                <a:gd name="connsiteY0" fmla="*/ 0 h 140389"/>
+                <a:gd name="connsiteX1" fmla="*/ 92598 w 254643"/>
+                <a:gd name="connsiteY1" fmla="*/ 138897 h 140389"/>
+                <a:gd name="connsiteX2" fmla="*/ 138897 w 254643"/>
+                <a:gd name="connsiteY2" fmla="*/ 75236 h 140389"/>
+                <a:gd name="connsiteX3" fmla="*/ 202557 w 254643"/>
+                <a:gd name="connsiteY3" fmla="*/ 104173 h 140389"/>
+                <a:gd name="connsiteX4" fmla="*/ 254643 w 254643"/>
+                <a:gd name="connsiteY4" fmla="*/ 5788 h 140389"/>
+              </a:gdLst>
+              <a:ahLst/>
+              <a:cxnLst>
+                <a:cxn ang="0">
+                  <a:pos x="connsiteX0" y="connsiteY0"/>
+                </a:cxn>
+                <a:cxn ang="0">
+                  <a:pos x="connsiteX1" y="connsiteY1"/>
+                </a:cxn>
+                <a:cxn ang="0">
+                  <a:pos x="connsiteX2" y="connsiteY2"/>
+                </a:cxn>
+                <a:cxn ang="0">
+                  <a:pos x="connsiteX3" y="connsiteY3"/>
+                </a:cxn>
+                <a:cxn ang="0">
+                  <a:pos x="connsiteX4" y="connsiteY4"/>
+                </a:cxn>
+              </a:cxnLst>
+              <a:rect l="l" t="t" r="r" b="b"/>
+              <a:pathLst>
+                <a:path w="254643" h="140389">
+                  <a:moveTo>
+                    <a:pt x="0" y="0"/>
+                  </a:moveTo>
+                  <a:cubicBezTo>
+                    <a:pt x="34724" y="63179"/>
+                    <a:pt x="69448" y="126358"/>
+                    <a:pt x="92598" y="138897"/>
+                  </a:cubicBezTo>
+                  <a:cubicBezTo>
+                    <a:pt x="115748" y="151436"/>
+                    <a:pt x="120571" y="81023"/>
+                    <a:pt x="138897" y="75236"/>
+                  </a:cubicBezTo>
+                  <a:cubicBezTo>
+                    <a:pt x="157223" y="69449"/>
+                    <a:pt x="183266" y="115748"/>
+                    <a:pt x="202557" y="104173"/>
+                  </a:cubicBezTo>
+                  <a:cubicBezTo>
+                    <a:pt x="221848" y="92598"/>
+                    <a:pt x="238245" y="49193"/>
+                    <a:pt x="254643" y="5788"/>
+                  </a:cubicBezTo>
+                </a:path>
+              </a:pathLst>
+            </a:custGeom>
+            <a:solidFill>
+              <a:schemeClr val="bg2">
+                <a:lumMod val="90000"/>
+              </a:schemeClr>
+            </a:solidFill>
+            <a:ln>
+              <a:solidFill>
+                <a:schemeClr val="tx1"/>
+              </a:solidFill>
+            </a:ln>
+          </p:spPr>
+          <p:style>
+            <a:lnRef idx="2">
+              <a:schemeClr val="accent1">
+                <a:shade val="50000"/>
+              </a:schemeClr>
+            </a:lnRef>
+            <a:fillRef idx="1">
+              <a:schemeClr val="accent1"/>
+            </a:fillRef>
+            <a:effectRef idx="0">
+              <a:schemeClr val="accent1"/>
+            </a:effectRef>
+            <a:fontRef idx="minor">
+              <a:schemeClr val="lt1"/>
+            </a:fontRef>
+          </p:style>
+          <p:txBody>
+            <a:bodyPr rtlCol="0" anchor="ctr"/>
+            <a:lstStyle/>
+            <a:p>
+              <a:pPr algn="ctr"/>
+              <a:endParaRPr lang="fr-FR"/>
+            </a:p>
+          </p:txBody>
+        </p:sp>
+        <p:sp>
+          <p:nvSpPr>
+            <p:cNvPr id="12" name="Ellipse 11">
+              <a:extLst>
+                <a:ext uri="{FF2B5EF4-FFF2-40B4-BE49-F238E27FC236}">
+                  <a16:creationId xmlns:a16="http://schemas.microsoft.com/office/drawing/2014/main" id="{101F44C3-DC3C-4123-DEEB-9A31FC50BE65}"/>
+                </a:ext>
+              </a:extLst>
+            </p:cNvPr>
+            <p:cNvSpPr/>
+            <p:nvPr/>
+          </p:nvSpPr>
+          <p:spPr>
+            <a:xfrm>
+              <a:off x="6024000" y="3509979"/>
+              <a:ext cx="144000" cy="144000"/>
+            </a:xfrm>
+            <a:prstGeom prst="ellipse">
+              <a:avLst/>
+            </a:prstGeom>
+            <a:noFill/>
+            <a:ln w="19050">
+              <a:solidFill>
+                <a:schemeClr val="tx1"/>
+              </a:solidFill>
+            </a:ln>
+          </p:spPr>
+          <p:style>
+            <a:lnRef idx="2">
+              <a:schemeClr val="accent1">
+                <a:shade val="50000"/>
+              </a:schemeClr>
+            </a:lnRef>
+            <a:fillRef idx="1">
+              <a:schemeClr val="accent1"/>
+            </a:fillRef>
+            <a:effectRef idx="0">
+              <a:schemeClr val="accent1"/>
+            </a:effectRef>
+            <a:fontRef idx="minor">
+              <a:schemeClr val="lt1"/>
+            </a:fontRef>
+          </p:style>
+          <p:txBody>
+            <a:bodyPr rtlCol="0" anchor="ctr"/>
+            <a:lstStyle/>
+            <a:p>
+              <a:pPr algn="ctr"/>
+              <a:endParaRPr lang="fr-FR"/>
+            </a:p>
+          </p:txBody>
+        </p:sp>
+        <p:cxnSp>
+          <p:nvCxnSpPr>
+            <p:cNvPr id="13" name="Connecteur droit 12">
+              <a:extLst>
+                <a:ext uri="{FF2B5EF4-FFF2-40B4-BE49-F238E27FC236}">
+                  <a16:creationId xmlns:a16="http://schemas.microsoft.com/office/drawing/2014/main" id="{71BC84DB-FC31-604D-5B3B-357145722E1F}"/>
+                </a:ext>
+              </a:extLst>
+            </p:cNvPr>
+            <p:cNvCxnSpPr>
+              <a:cxnSpLocks/>
+              <a:stCxn id="12" idx="4"/>
+            </p:cNvCxnSpPr>
+            <p:nvPr/>
+          </p:nvCxnSpPr>
+          <p:spPr>
+            <a:xfrm>
+              <a:off x="6096000" y="3653979"/>
+              <a:ext cx="0" cy="59870"/>
+            </a:xfrm>
+            <a:prstGeom prst="line">
+              <a:avLst/>
+            </a:prstGeom>
+            <a:noFill/>
+            <a:ln w="19050">
+              <a:solidFill>
+                <a:schemeClr val="tx1"/>
+              </a:solidFill>
+            </a:ln>
+          </p:spPr>
+          <p:style>
+            <a:lnRef idx="2">
+              <a:schemeClr val="accent1">
+                <a:shade val="50000"/>
+              </a:schemeClr>
+            </a:lnRef>
+            <a:fillRef idx="1">
+              <a:schemeClr val="accent1"/>
+            </a:fillRef>
+            <a:effectRef idx="0">
+              <a:schemeClr val="accent1"/>
+            </a:effectRef>
+            <a:fontRef idx="minor">
+              <a:schemeClr val="lt1"/>
+            </a:fontRef>
+          </p:style>
+        </p:cxnSp>
+        <p:cxnSp>
+          <p:nvCxnSpPr>
+            <p:cNvPr id="14" name="Connecteur droit 13">
+              <a:extLst>
+                <a:ext uri="{FF2B5EF4-FFF2-40B4-BE49-F238E27FC236}">
+                  <a16:creationId xmlns:a16="http://schemas.microsoft.com/office/drawing/2014/main" id="{619DF929-1747-DFBA-F69C-048259938561}"/>
+                </a:ext>
+              </a:extLst>
+            </p:cNvPr>
+            <p:cNvCxnSpPr>
+              <a:cxnSpLocks/>
+            </p:cNvCxnSpPr>
+            <p:nvPr/>
+          </p:nvCxnSpPr>
+          <p:spPr>
+            <a:xfrm rot="5400000">
+              <a:off x="6095539" y="3572539"/>
+              <a:ext cx="0" cy="288000"/>
+            </a:xfrm>
+            <a:prstGeom prst="line">
+              <a:avLst/>
+            </a:prstGeom>
+            <a:noFill/>
+            <a:ln w="19050">
+              <a:solidFill>
+                <a:schemeClr val="tx1"/>
+              </a:solidFill>
+            </a:ln>
+          </p:spPr>
+          <p:style>
+            <a:lnRef idx="2">
+              <a:schemeClr val="accent1">
+                <a:shade val="50000"/>
+              </a:schemeClr>
+            </a:lnRef>
+            <a:fillRef idx="1">
+              <a:schemeClr val="accent1"/>
+            </a:fillRef>
+            <a:effectRef idx="0">
+              <a:schemeClr val="accent1"/>
+            </a:effectRef>
+            <a:fontRef idx="minor">
+              <a:schemeClr val="lt1"/>
+            </a:fontRef>
+          </p:style>
+        </p:cxnSp>
+        <p:grpSp>
+          <p:nvGrpSpPr>
+            <p:cNvPr id="15" name="Groupe 14">
+              <a:extLst>
+                <a:ext uri="{FF2B5EF4-FFF2-40B4-BE49-F238E27FC236}">
+                  <a16:creationId xmlns:a16="http://schemas.microsoft.com/office/drawing/2014/main" id="{9CF4D067-E9FE-B5B5-CDEA-86173B9F38C7}"/>
+                </a:ext>
+              </a:extLst>
+            </p:cNvPr>
+            <p:cNvGrpSpPr/>
+            <p:nvPr/>
+          </p:nvGrpSpPr>
+          <p:grpSpPr>
+            <a:xfrm>
+              <a:off x="6882867" y="2493424"/>
+              <a:ext cx="287079" cy="287079"/>
+              <a:chOff x="6882867" y="2493424"/>
+              <a:chExt cx="287079" cy="287079"/>
+            </a:xfrm>
+          </p:grpSpPr>
+          <p:sp>
+            <p:nvSpPr>
+              <p:cNvPr id="16" name="Ellipse 15">
+                <a:extLst>
+                  <a:ext uri="{FF2B5EF4-FFF2-40B4-BE49-F238E27FC236}">
+                    <a16:creationId xmlns:a16="http://schemas.microsoft.com/office/drawing/2014/main" id="{7FBEFAC3-E263-A00C-1652-54FA82D4FA38}"/>
+                  </a:ext>
+                </a:extLst>
+              </p:cNvPr>
+              <p:cNvSpPr/>
+              <p:nvPr/>
+            </p:nvSpPr>
+            <p:spPr>
+              <a:xfrm>
+                <a:off x="6882867" y="2493424"/>
+                <a:ext cx="287079" cy="287079"/>
+              </a:xfrm>
+              <a:prstGeom prst="ellipse">
+                <a:avLst/>
+              </a:prstGeom>
+              <a:noFill/>
+              <a:ln w="19050">
+                <a:solidFill>
+                  <a:srgbClr val="00B050"/>
+                </a:solidFill>
+              </a:ln>
+            </p:spPr>
+            <p:style>
+              <a:lnRef idx="2">
+                <a:schemeClr val="accent1">
+                  <a:shade val="50000"/>
+                </a:schemeClr>
+              </a:lnRef>
+              <a:fillRef idx="1">
+                <a:schemeClr val="accent1"/>
+              </a:fillRef>
+              <a:effectRef idx="0">
+                <a:schemeClr val="accent1"/>
+              </a:effectRef>
+              <a:fontRef idx="minor">
+                <a:schemeClr val="lt1"/>
+              </a:fontRef>
+            </p:style>
+            <p:txBody>
+              <a:bodyPr rtlCol="0" anchor="ctr"/>
+              <a:lstStyle/>
+              <a:p>
+                <a:pPr algn="ctr"/>
+                <a:endParaRPr lang="fr-FR"/>
+              </a:p>
+            </p:txBody>
+          </p:sp>
+          <p:sp>
+            <p:nvSpPr>
+              <p:cNvPr id="17" name="Ellipse 16">
+                <a:extLst>
+                  <a:ext uri="{FF2B5EF4-FFF2-40B4-BE49-F238E27FC236}">
+                    <a16:creationId xmlns:a16="http://schemas.microsoft.com/office/drawing/2014/main" id="{F21D81E8-FB26-E032-FBCB-85C7A524FF1E}"/>
+                  </a:ext>
+                </a:extLst>
+              </p:cNvPr>
+              <p:cNvSpPr/>
+              <p:nvPr/>
+            </p:nvSpPr>
+            <p:spPr>
+              <a:xfrm>
+                <a:off x="6954406" y="2564963"/>
+                <a:ext cx="144000" cy="144000"/>
+              </a:xfrm>
+              <a:prstGeom prst="ellipse">
+                <a:avLst/>
+              </a:prstGeom>
+              <a:solidFill>
+                <a:schemeClr val="bg1"/>
+              </a:solidFill>
+              <a:ln w="19050">
+                <a:solidFill>
+                  <a:srgbClr val="00B050"/>
+                </a:solidFill>
+              </a:ln>
+            </p:spPr>
+            <p:style>
+              <a:lnRef idx="2">
+                <a:schemeClr val="accent1">
+                  <a:shade val="50000"/>
+                </a:schemeClr>
+              </a:lnRef>
+              <a:fillRef idx="1">
+                <a:schemeClr val="accent1"/>
+              </a:fillRef>
+              <a:effectRef idx="0">
+                <a:schemeClr val="accent1"/>
+              </a:effectRef>
+              <a:fontRef idx="minor">
+                <a:schemeClr val="lt1"/>
+              </a:fontRef>
+            </p:style>
+            <p:txBody>
+              <a:bodyPr rtlCol="0" anchor="ctr"/>
+              <a:lstStyle/>
+              <a:p>
+                <a:pPr algn="ctr"/>
+                <a:endParaRPr lang="fr-FR" dirty="0"/>
+              </a:p>
+            </p:txBody>
+          </p:sp>
+        </p:grpSp>
+        <p:cxnSp>
+          <p:nvCxnSpPr>
+            <p:cNvPr id="18" name="Connecteur droit 17">
+              <a:extLst>
+                <a:ext uri="{FF2B5EF4-FFF2-40B4-BE49-F238E27FC236}">
+                  <a16:creationId xmlns:a16="http://schemas.microsoft.com/office/drawing/2014/main" id="{9A091921-646C-42DB-B304-41B156FE4534}"/>
+                </a:ext>
+              </a:extLst>
+            </p:cNvPr>
+            <p:cNvCxnSpPr>
+              <a:cxnSpLocks/>
+              <a:stCxn id="17" idx="7"/>
+              <a:endCxn id="16" idx="7"/>
+            </p:cNvCxnSpPr>
+            <p:nvPr/>
+          </p:nvCxnSpPr>
+          <p:spPr>
+            <a:xfrm flipV="1">
+              <a:off x="7077318" y="2535466"/>
+              <a:ext cx="50586" cy="50585"/>
+            </a:xfrm>
+            <a:prstGeom prst="line">
+              <a:avLst/>
+            </a:prstGeom>
+            <a:noFill/>
+            <a:ln w="19050">
+              <a:solidFill>
+                <a:srgbClr val="00B050"/>
+              </a:solidFill>
+            </a:ln>
+          </p:spPr>
+          <p:style>
+            <a:lnRef idx="2">
+              <a:schemeClr val="accent1">
+                <a:shade val="50000"/>
+              </a:schemeClr>
+            </a:lnRef>
+            <a:fillRef idx="1">
+              <a:schemeClr val="accent1"/>
+            </a:fillRef>
+            <a:effectRef idx="0">
+              <a:schemeClr val="accent1"/>
+            </a:effectRef>
+            <a:fontRef idx="minor">
+              <a:schemeClr val="lt1"/>
+            </a:fontRef>
+          </p:style>
+        </p:cxnSp>
+        <p:cxnSp>
+          <p:nvCxnSpPr>
+            <p:cNvPr id="19" name="Connecteur droit 18">
+              <a:extLst>
+                <a:ext uri="{FF2B5EF4-FFF2-40B4-BE49-F238E27FC236}">
+                  <a16:creationId xmlns:a16="http://schemas.microsoft.com/office/drawing/2014/main" id="{EF4B1F64-D820-EB83-94CC-62893726A0DF}"/>
+                </a:ext>
+              </a:extLst>
+            </p:cNvPr>
+            <p:cNvCxnSpPr>
+              <a:cxnSpLocks/>
+              <a:stCxn id="12" idx="0"/>
+              <a:endCxn id="20" idx="4"/>
+            </p:cNvCxnSpPr>
+            <p:nvPr/>
+          </p:nvCxnSpPr>
+          <p:spPr>
+            <a:xfrm flipV="1">
+              <a:off x="6096000" y="2051459"/>
+              <a:ext cx="0" cy="1458520"/>
+            </a:xfrm>
+            <a:prstGeom prst="line">
+              <a:avLst/>
+            </a:prstGeom>
+            <a:noFill/>
+            <a:ln w="19050">
+              <a:solidFill>
+                <a:schemeClr val="tx1"/>
+              </a:solidFill>
+            </a:ln>
+          </p:spPr>
+          <p:style>
+            <a:lnRef idx="2">
+              <a:schemeClr val="accent1">
+                <a:shade val="50000"/>
+              </a:schemeClr>
+            </a:lnRef>
+            <a:fillRef idx="1">
+              <a:schemeClr val="accent1"/>
+            </a:fillRef>
+            <a:effectRef idx="0">
+              <a:schemeClr val="accent1"/>
+            </a:effectRef>
+            <a:fontRef idx="minor">
+              <a:schemeClr val="lt1"/>
+            </a:fontRef>
+          </p:style>
+        </p:cxnSp>
+        <p:sp>
+          <p:nvSpPr>
+            <p:cNvPr id="20" name="Ellipse 19">
+              <a:extLst>
+                <a:ext uri="{FF2B5EF4-FFF2-40B4-BE49-F238E27FC236}">
+                  <a16:creationId xmlns:a16="http://schemas.microsoft.com/office/drawing/2014/main" id="{E5BA96B7-69BE-31F8-DA12-67D025C48C89}"/>
+                </a:ext>
+              </a:extLst>
+            </p:cNvPr>
+            <p:cNvSpPr/>
+            <p:nvPr/>
+          </p:nvSpPr>
+          <p:spPr>
+            <a:xfrm>
+              <a:off x="6024000" y="1907459"/>
+              <a:ext cx="144000" cy="144000"/>
+            </a:xfrm>
+            <a:prstGeom prst="ellipse">
+              <a:avLst/>
+            </a:prstGeom>
+            <a:solidFill>
+              <a:schemeClr val="bg1"/>
+            </a:solidFill>
+            <a:ln w="19050">
+              <a:solidFill>
+                <a:schemeClr val="tx1"/>
+              </a:solidFill>
+            </a:ln>
+          </p:spPr>
+          <p:style>
+            <a:lnRef idx="2">
+              <a:schemeClr val="accent1">
+                <a:shade val="50000"/>
+              </a:schemeClr>
+            </a:lnRef>
+            <a:fillRef idx="1">
+              <a:schemeClr val="accent1"/>
+            </a:fillRef>
+            <a:effectRef idx="0">
+              <a:schemeClr val="accent1"/>
+            </a:effectRef>
+            <a:fontRef idx="minor">
+              <a:schemeClr val="lt1"/>
+            </a:fontRef>
+          </p:style>
+          <p:txBody>
+            <a:bodyPr rtlCol="0" anchor="ctr"/>
+            <a:lstStyle/>
+            <a:p>
+              <a:pPr algn="ctr"/>
+              <a:endParaRPr lang="fr-FR"/>
+            </a:p>
+          </p:txBody>
+        </p:sp>
+        <p:cxnSp>
+          <p:nvCxnSpPr>
+            <p:cNvPr id="21" name="Connecteur droit 20">
+              <a:extLst>
+                <a:ext uri="{FF2B5EF4-FFF2-40B4-BE49-F238E27FC236}">
+                  <a16:creationId xmlns:a16="http://schemas.microsoft.com/office/drawing/2014/main" id="{396522BE-B7F5-5967-844E-734BCDF52B44}"/>
+                </a:ext>
+              </a:extLst>
+            </p:cNvPr>
+            <p:cNvCxnSpPr>
+              <a:cxnSpLocks/>
+            </p:cNvCxnSpPr>
+            <p:nvPr/>
+          </p:nvCxnSpPr>
+          <p:spPr>
+            <a:xfrm flipH="1">
+              <a:off x="6168000" y="3581979"/>
+              <a:ext cx="1560269" cy="0"/>
+            </a:xfrm>
+            <a:prstGeom prst="line">
+              <a:avLst/>
+            </a:prstGeom>
+            <a:noFill/>
+            <a:ln w="19050">
+              <a:solidFill>
+                <a:srgbClr val="FFC000"/>
+              </a:solidFill>
+              <a:prstDash val="sysDot"/>
+            </a:ln>
+          </p:spPr>
+          <p:style>
+            <a:lnRef idx="2">
+              <a:schemeClr val="accent1">
+                <a:shade val="50000"/>
+              </a:schemeClr>
+            </a:lnRef>
+            <a:fillRef idx="1">
+              <a:schemeClr val="accent1"/>
+            </a:fillRef>
+            <a:effectRef idx="0">
+              <a:schemeClr val="accent1"/>
+            </a:effectRef>
+            <a:fontRef idx="minor">
+              <a:schemeClr val="lt1"/>
+            </a:fontRef>
+          </p:style>
+        </p:cxnSp>
+        <mc:AlternateContent xmlns:mc="http://schemas.openxmlformats.org/markup-compatibility/2006">
+          <mc:Choice xmlns:a14="http://schemas.microsoft.com/office/drawing/2010/main" Requires="a14">
+            <p:sp>
+              <p:nvSpPr>
+                <p:cNvPr id="22" name="ZoneTexte 21">
+                  <a:extLst>
+                    <a:ext uri="{FF2B5EF4-FFF2-40B4-BE49-F238E27FC236}">
+                      <a16:creationId xmlns:a16="http://schemas.microsoft.com/office/drawing/2014/main" id="{C2E4F8C3-F434-96D1-D957-61C00BD93DB1}"/>
+                    </a:ext>
+                  </a:extLst>
+                </p:cNvPr>
+                <p:cNvSpPr txBox="1"/>
+                <p:nvPr/>
+              </p:nvSpPr>
+              <p:spPr>
+                <a:xfrm>
+                  <a:off x="5776743" y="3499248"/>
+                  <a:ext cx="134524" cy="184666"/>
+                </a:xfrm>
+                <a:prstGeom prst="rect">
+                  <a:avLst/>
+                </a:prstGeom>
+                <a:noFill/>
+              </p:spPr>
+              <p:txBody>
+                <a:bodyPr wrap="none" lIns="0" tIns="0" rIns="0" bIns="0" rtlCol="0">
+                  <a:spAutoFit/>
+                </a:bodyPr>
+                <a:lstStyle/>
+                <a:p>
+                  <a:pPr/>
+                  <a14:m>
+                    <m:oMathPara xmlns:m="http://schemas.openxmlformats.org/officeDocument/2006/math">
+                      <m:oMathParaPr>
+                        <m:jc m:val="centerGroup"/>
+                      </m:oMathParaPr>
+                      <m:oMath xmlns:m="http://schemas.openxmlformats.org/officeDocument/2006/math">
+                        <m:r>
+                          <a:rPr lang="fr-FR" sz="1200" b="0" i="1" smtClean="0">
+                            <a:latin typeface="Cambria Math" panose="02040503050406030204" pitchFamily="18" charset="0"/>
+                          </a:rPr>
+                          <m:t>𝐴</m:t>
+                        </m:r>
+                      </m:oMath>
+                    </m:oMathPara>
+                  </a14:m>
+                  <a:endParaRPr lang="fr-FR" sz="1200" dirty="0"/>
+                </a:p>
+              </p:txBody>
+            </p:sp>
+          </mc:Choice>
+          <mc:Fallback>
+            <p:sp>
+              <p:nvSpPr>
+                <p:cNvPr id="22" name="ZoneTexte 21">
+                  <a:extLst>
+                    <a:ext uri="{FF2B5EF4-FFF2-40B4-BE49-F238E27FC236}">
+                      <a16:creationId xmlns:a16="http://schemas.microsoft.com/office/drawing/2014/main" id="{C2E4F8C3-F434-96D1-D957-61C00BD93DB1}"/>
+                    </a:ext>
+                  </a:extLst>
+                </p:cNvPr>
+                <p:cNvSpPr txBox="1">
+                  <a:spLocks noRot="1" noChangeAspect="1" noMove="1" noResize="1" noEditPoints="1" noAdjustHandles="1" noChangeArrowheads="1" noChangeShapeType="1" noTextEdit="1"/>
+                </p:cNvSpPr>
+                <p:nvPr/>
+              </p:nvSpPr>
+              <p:spPr>
+                <a:xfrm>
+                  <a:off x="5776743" y="3499248"/>
+                  <a:ext cx="134524" cy="184666"/>
+                </a:xfrm>
+                <a:prstGeom prst="rect">
+                  <a:avLst/>
+                </a:prstGeom>
+                <a:blipFill>
+                  <a:blip r:embed="rId2"/>
+                  <a:stretch>
+                    <a:fillRect l="-27273" r="-27273" b="-6667"/>
+                  </a:stretch>
+                </a:blipFill>
+              </p:spPr>
+              <p:txBody>
+                <a:bodyPr/>
+                <a:lstStyle/>
+                <a:p>
+                  <a:r>
+                    <a:rPr lang="fr-FR">
+                      <a:noFill/>
+                    </a:rPr>
+                    <a:t> </a:t>
+                  </a:r>
+                </a:p>
+              </p:txBody>
+            </p:sp>
+          </mc:Fallback>
+        </mc:AlternateContent>
+        <mc:AlternateContent xmlns:mc="http://schemas.openxmlformats.org/markup-compatibility/2006">
+          <mc:Choice xmlns:a14="http://schemas.microsoft.com/office/drawing/2010/main" Requires="a14">
+            <p:sp>
+              <p:nvSpPr>
+                <p:cNvPr id="23" name="ZoneTexte 22">
+                  <a:extLst>
+                    <a:ext uri="{FF2B5EF4-FFF2-40B4-BE49-F238E27FC236}">
+                      <a16:creationId xmlns:a16="http://schemas.microsoft.com/office/drawing/2014/main" id="{9FB84DBE-85C0-EB17-D7EC-DF910C1DAC11}"/>
+                    </a:ext>
+                  </a:extLst>
+                </p:cNvPr>
+                <p:cNvSpPr txBox="1"/>
+                <p:nvPr/>
+              </p:nvSpPr>
+              <p:spPr>
+                <a:xfrm>
+                  <a:off x="5828020" y="1866793"/>
+                  <a:ext cx="140359" cy="184666"/>
+                </a:xfrm>
+                <a:prstGeom prst="rect">
+                  <a:avLst/>
+                </a:prstGeom>
+                <a:noFill/>
+              </p:spPr>
+              <p:txBody>
+                <a:bodyPr wrap="none" lIns="0" tIns="0" rIns="0" bIns="0" rtlCol="0">
+                  <a:spAutoFit/>
+                </a:bodyPr>
+                <a:lstStyle/>
+                <a:p>
+                  <a:pPr/>
+                  <a14:m>
+                    <m:oMathPara xmlns:m="http://schemas.openxmlformats.org/officeDocument/2006/math">
+                      <m:oMathParaPr>
+                        <m:jc m:val="centerGroup"/>
+                      </m:oMathParaPr>
+                      <m:oMath xmlns:m="http://schemas.openxmlformats.org/officeDocument/2006/math">
+                        <m:r>
+                          <a:rPr lang="fr-FR" sz="1200" b="0" i="1" smtClean="0">
+                            <a:latin typeface="Cambria Math" panose="02040503050406030204" pitchFamily="18" charset="0"/>
+                          </a:rPr>
+                          <m:t>𝐵</m:t>
+                        </m:r>
+                      </m:oMath>
+                    </m:oMathPara>
+                  </a14:m>
+                  <a:endParaRPr lang="fr-FR" sz="1200" dirty="0"/>
+                </a:p>
+              </p:txBody>
+            </p:sp>
+          </mc:Choice>
+          <mc:Fallback>
+            <p:sp>
+              <p:nvSpPr>
+                <p:cNvPr id="23" name="ZoneTexte 22">
+                  <a:extLst>
+                    <a:ext uri="{FF2B5EF4-FFF2-40B4-BE49-F238E27FC236}">
+                      <a16:creationId xmlns:a16="http://schemas.microsoft.com/office/drawing/2014/main" id="{9FB84DBE-85C0-EB17-D7EC-DF910C1DAC11}"/>
+                    </a:ext>
+                  </a:extLst>
+                </p:cNvPr>
+                <p:cNvSpPr txBox="1">
+                  <a:spLocks noRot="1" noChangeAspect="1" noMove="1" noResize="1" noEditPoints="1" noAdjustHandles="1" noChangeArrowheads="1" noChangeShapeType="1" noTextEdit="1"/>
+                </p:cNvSpPr>
+                <p:nvPr/>
+              </p:nvSpPr>
+              <p:spPr>
+                <a:xfrm>
+                  <a:off x="5828020" y="1866793"/>
+                  <a:ext cx="140359" cy="184666"/>
+                </a:xfrm>
+                <a:prstGeom prst="rect">
+                  <a:avLst/>
+                </a:prstGeom>
+                <a:blipFill>
+                  <a:blip r:embed="rId3"/>
+                  <a:stretch>
+                    <a:fillRect l="-26087" r="-21739" b="-6667"/>
+                  </a:stretch>
+                </a:blipFill>
+              </p:spPr>
+              <p:txBody>
+                <a:bodyPr/>
+                <a:lstStyle/>
+                <a:p>
+                  <a:r>
+                    <a:rPr lang="fr-FR">
+                      <a:noFill/>
+                    </a:rPr>
+                    <a:t> </a:t>
+                  </a:r>
+                </a:p>
+              </p:txBody>
+            </p:sp>
+          </mc:Fallback>
+        </mc:AlternateContent>
+        <mc:AlternateContent xmlns:mc="http://schemas.openxmlformats.org/markup-compatibility/2006">
+          <mc:Choice xmlns:a14="http://schemas.microsoft.com/office/drawing/2010/main" Requires="a14">
+            <p:sp>
+              <p:nvSpPr>
+                <p:cNvPr id="24" name="ZoneTexte 23">
+                  <a:extLst>
+                    <a:ext uri="{FF2B5EF4-FFF2-40B4-BE49-F238E27FC236}">
+                      <a16:creationId xmlns:a16="http://schemas.microsoft.com/office/drawing/2014/main" id="{E9FC3B66-3F19-4AE1-7F97-556E3D403FB9}"/>
+                    </a:ext>
+                  </a:extLst>
+                </p:cNvPr>
+                <p:cNvSpPr txBox="1"/>
+                <p:nvPr/>
+              </p:nvSpPr>
+              <p:spPr>
+                <a:xfrm>
+                  <a:off x="6892521" y="2272989"/>
+                  <a:ext cx="133370" cy="184666"/>
+                </a:xfrm>
+                <a:prstGeom prst="rect">
+                  <a:avLst/>
+                </a:prstGeom>
+                <a:noFill/>
+              </p:spPr>
+              <p:txBody>
+                <a:bodyPr wrap="none" lIns="0" tIns="0" rIns="0" bIns="0" rtlCol="0">
+                  <a:spAutoFit/>
+                </a:bodyPr>
+                <a:lstStyle/>
+                <a:p>
+                  <a:pPr/>
+                  <a14:m>
+                    <m:oMathPara xmlns:m="http://schemas.openxmlformats.org/officeDocument/2006/math">
+                      <m:oMathParaPr>
+                        <m:jc m:val="centerGroup"/>
+                      </m:oMathParaPr>
+                      <m:oMath xmlns:m="http://schemas.openxmlformats.org/officeDocument/2006/math">
+                        <m:r>
+                          <a:rPr lang="fr-FR" sz="1200" b="0" i="1" smtClean="0">
+                            <a:latin typeface="Cambria Math" panose="02040503050406030204" pitchFamily="18" charset="0"/>
+                          </a:rPr>
+                          <m:t>𝐶</m:t>
+                        </m:r>
+                      </m:oMath>
+                    </m:oMathPara>
+                  </a14:m>
+                  <a:endParaRPr lang="fr-FR" sz="1200" dirty="0"/>
+                </a:p>
+              </p:txBody>
+            </p:sp>
+          </mc:Choice>
+          <mc:Fallback>
+            <p:sp>
+              <p:nvSpPr>
+                <p:cNvPr id="24" name="ZoneTexte 23">
+                  <a:extLst>
+                    <a:ext uri="{FF2B5EF4-FFF2-40B4-BE49-F238E27FC236}">
+                      <a16:creationId xmlns:a16="http://schemas.microsoft.com/office/drawing/2014/main" id="{E9FC3B66-3F19-4AE1-7F97-556E3D403FB9}"/>
+                    </a:ext>
+                  </a:extLst>
+                </p:cNvPr>
+                <p:cNvSpPr txBox="1">
+                  <a:spLocks noRot="1" noChangeAspect="1" noMove="1" noResize="1" noEditPoints="1" noAdjustHandles="1" noChangeArrowheads="1" noChangeShapeType="1" noTextEdit="1"/>
+                </p:cNvSpPr>
+                <p:nvPr/>
+              </p:nvSpPr>
+              <p:spPr>
+                <a:xfrm>
+                  <a:off x="6892521" y="2272989"/>
+                  <a:ext cx="133370" cy="184666"/>
+                </a:xfrm>
+                <a:prstGeom prst="rect">
+                  <a:avLst/>
+                </a:prstGeom>
+                <a:blipFill>
+                  <a:blip r:embed="rId4"/>
+                  <a:stretch>
+                    <a:fillRect l="-27273" r="-22727" b="-3226"/>
+                  </a:stretch>
+                </a:blipFill>
+              </p:spPr>
+              <p:txBody>
+                <a:bodyPr/>
+                <a:lstStyle/>
+                <a:p>
+                  <a:r>
+                    <a:rPr lang="fr-FR">
+                      <a:noFill/>
+                    </a:rPr>
+                    <a:t> </a:t>
+                  </a:r>
+                </a:p>
+              </p:txBody>
+            </p:sp>
+          </mc:Fallback>
+        </mc:AlternateContent>
+        <mc:AlternateContent xmlns:mc="http://schemas.openxmlformats.org/markup-compatibility/2006">
+          <mc:Choice xmlns:a14="http://schemas.microsoft.com/office/drawing/2010/main" Requires="a14">
+            <p:sp>
+              <p:nvSpPr>
+                <p:cNvPr id="25" name="ZoneTexte 24">
+                  <a:extLst>
+                    <a:ext uri="{FF2B5EF4-FFF2-40B4-BE49-F238E27FC236}">
+                      <a16:creationId xmlns:a16="http://schemas.microsoft.com/office/drawing/2014/main" id="{08DBE11C-25F7-7C45-0B50-720E95ECDD79}"/>
+                    </a:ext>
+                  </a:extLst>
+                </p:cNvPr>
+                <p:cNvSpPr txBox="1"/>
+                <p:nvPr/>
+              </p:nvSpPr>
+              <p:spPr>
+                <a:xfrm>
+                  <a:off x="7169946" y="2777974"/>
+                  <a:ext cx="97847" cy="184666"/>
+                </a:xfrm>
+                <a:prstGeom prst="rect">
+                  <a:avLst/>
+                </a:prstGeom>
+                <a:noFill/>
+              </p:spPr>
+              <p:txBody>
+                <a:bodyPr wrap="none" lIns="0" tIns="0" rIns="0" bIns="0" rtlCol="0">
+                  <a:spAutoFit/>
+                </a:bodyPr>
+                <a:lstStyle/>
+                <a:p>
+                  <a:pPr/>
+                  <a14:m>
+                    <m:oMathPara xmlns:m="http://schemas.openxmlformats.org/officeDocument/2006/math">
+                      <m:oMathParaPr>
+                        <m:jc m:val="centerGroup"/>
+                      </m:oMathParaPr>
+                      <m:oMath xmlns:m="http://schemas.openxmlformats.org/officeDocument/2006/math">
+                        <m:r>
+                          <a:rPr lang="fr-FR" sz="1200" b="0" i="1" smtClean="0">
+                            <a:latin typeface="Cambria Math" panose="02040503050406030204" pitchFamily="18" charset="0"/>
+                          </a:rPr>
+                          <m:t>𝐼</m:t>
+                        </m:r>
+                      </m:oMath>
+                    </m:oMathPara>
+                  </a14:m>
+                  <a:endParaRPr lang="fr-FR" sz="1200" dirty="0"/>
+                </a:p>
+              </p:txBody>
+            </p:sp>
+          </mc:Choice>
+          <mc:Fallback>
+            <p:sp>
+              <p:nvSpPr>
+                <p:cNvPr id="25" name="ZoneTexte 24">
+                  <a:extLst>
+                    <a:ext uri="{FF2B5EF4-FFF2-40B4-BE49-F238E27FC236}">
+                      <a16:creationId xmlns:a16="http://schemas.microsoft.com/office/drawing/2014/main" id="{08DBE11C-25F7-7C45-0B50-720E95ECDD79}"/>
+                    </a:ext>
+                  </a:extLst>
+                </p:cNvPr>
+                <p:cNvSpPr txBox="1">
+                  <a:spLocks noRot="1" noChangeAspect="1" noMove="1" noResize="1" noEditPoints="1" noAdjustHandles="1" noChangeArrowheads="1" noChangeShapeType="1" noTextEdit="1"/>
+                </p:cNvSpPr>
+                <p:nvPr/>
+              </p:nvSpPr>
+              <p:spPr>
+                <a:xfrm>
+                  <a:off x="7169946" y="2777974"/>
+                  <a:ext cx="97847" cy="184666"/>
+                </a:xfrm>
+                <a:prstGeom prst="rect">
+                  <a:avLst/>
+                </a:prstGeom>
+                <a:blipFill>
+                  <a:blip r:embed="rId5"/>
+                  <a:stretch>
+                    <a:fillRect l="-37500" r="-31250" b="-3226"/>
+                  </a:stretch>
+                </a:blipFill>
+              </p:spPr>
+              <p:txBody>
+                <a:bodyPr/>
+                <a:lstStyle/>
+                <a:p>
+                  <a:r>
+                    <a:rPr lang="fr-FR">
+                      <a:noFill/>
+                    </a:rPr>
+                    <a:t> </a:t>
+                  </a:r>
+                </a:p>
+              </p:txBody>
+            </p:sp>
+          </mc:Fallback>
+        </mc:AlternateContent>
+        <p:cxnSp>
+          <p:nvCxnSpPr>
+            <p:cNvPr id="26" name="Connecteur droit 25">
+              <a:extLst>
+                <a:ext uri="{FF2B5EF4-FFF2-40B4-BE49-F238E27FC236}">
+                  <a16:creationId xmlns:a16="http://schemas.microsoft.com/office/drawing/2014/main" id="{BA04DD4F-A6C3-4DFF-8AE5-9F63F8CD3252}"/>
+                </a:ext>
+              </a:extLst>
+            </p:cNvPr>
+            <p:cNvCxnSpPr>
+              <a:cxnSpLocks/>
+            </p:cNvCxnSpPr>
+            <p:nvPr/>
+          </p:nvCxnSpPr>
+          <p:spPr>
+            <a:xfrm flipV="1">
+              <a:off x="6162811" y="2899505"/>
+              <a:ext cx="610252" cy="600724"/>
+            </a:xfrm>
+            <a:prstGeom prst="line">
+              <a:avLst/>
+            </a:prstGeom>
+            <a:noFill/>
+            <a:ln w="9525">
+              <a:solidFill>
+                <a:srgbClr val="FFC000"/>
+              </a:solidFill>
+              <a:tailEnd type="stealth" w="med" len="lg"/>
+            </a:ln>
+          </p:spPr>
+          <p:style>
+            <a:lnRef idx="2">
+              <a:schemeClr val="accent1">
+                <a:shade val="50000"/>
+              </a:schemeClr>
+            </a:lnRef>
+            <a:fillRef idx="1">
+              <a:schemeClr val="accent1"/>
+            </a:fillRef>
+            <a:effectRef idx="0">
+              <a:schemeClr val="accent1"/>
+            </a:effectRef>
+            <a:fontRef idx="minor">
+              <a:schemeClr val="lt1"/>
+            </a:fontRef>
+          </p:style>
+        </p:cxnSp>
+        <p:sp>
+          <p:nvSpPr>
+            <p:cNvPr id="27" name="Ellipse 26">
+              <a:extLst>
+                <a:ext uri="{FF2B5EF4-FFF2-40B4-BE49-F238E27FC236}">
+                  <a16:creationId xmlns:a16="http://schemas.microsoft.com/office/drawing/2014/main" id="{A18217CD-B5E3-AB90-D8FD-963728356255}"/>
+                </a:ext>
+              </a:extLst>
+            </p:cNvPr>
+            <p:cNvSpPr/>
+            <p:nvPr/>
+          </p:nvSpPr>
+          <p:spPr>
+            <a:xfrm>
+              <a:off x="6842582" y="3044390"/>
+              <a:ext cx="225543" cy="225543"/>
+            </a:xfrm>
+            <a:prstGeom prst="ellipse">
+              <a:avLst/>
+            </a:prstGeom>
+            <a:noFill/>
+            <a:ln w="19050">
+              <a:solidFill>
+                <a:srgbClr val="FFC000"/>
+              </a:solidFill>
+            </a:ln>
+          </p:spPr>
+          <p:style>
+            <a:lnRef idx="2">
+              <a:schemeClr val="accent1">
+                <a:shade val="50000"/>
+              </a:schemeClr>
+            </a:lnRef>
+            <a:fillRef idx="1">
+              <a:schemeClr val="accent1"/>
+            </a:fillRef>
+            <a:effectRef idx="0">
+              <a:schemeClr val="accent1"/>
+            </a:effectRef>
+            <a:fontRef idx="minor">
+              <a:schemeClr val="lt1"/>
+            </a:fontRef>
+          </p:style>
+          <p:txBody>
+            <a:bodyPr lIns="0" tIns="0" rIns="0" bIns="0" rtlCol="0" anchor="ctr"/>
+            <a:lstStyle/>
+            <a:p>
+              <a:pPr algn="ctr"/>
+              <a:r>
+                <a:rPr lang="fr-FR" sz="1400" b="1" dirty="0">
+                  <a:solidFill>
+                    <a:srgbClr val="FFC000"/>
+                  </a:solidFill>
+                </a:rPr>
+                <a:t>1</a:t>
+              </a:r>
+              <a:endParaRPr lang="fr-FR" b="1" dirty="0">
+                <a:solidFill>
+                  <a:srgbClr val="FFC000"/>
+                </a:solidFill>
+              </a:endParaRPr>
+            </a:p>
+          </p:txBody>
+        </p:sp>
+        <mc:AlternateContent xmlns:mc="http://schemas.openxmlformats.org/markup-compatibility/2006">
+          <mc:Choice xmlns:a14="http://schemas.microsoft.com/office/drawing/2010/main" Requires="a14">
+            <p:sp>
+              <p:nvSpPr>
+                <p:cNvPr id="28" name="ZoneTexte 27">
+                  <a:extLst>
+                    <a:ext uri="{FF2B5EF4-FFF2-40B4-BE49-F238E27FC236}">
+                      <a16:creationId xmlns:a16="http://schemas.microsoft.com/office/drawing/2014/main" id="{042E8A4A-5B95-D7C8-0501-A72DDAEF9862}"/>
+                    </a:ext>
+                  </a:extLst>
+                </p:cNvPr>
+                <p:cNvSpPr txBox="1"/>
+                <p:nvPr/>
+              </p:nvSpPr>
+              <p:spPr>
+                <a:xfrm>
+                  <a:off x="6528305" y="2769491"/>
+                  <a:ext cx="184088" cy="184666"/>
+                </a:xfrm>
+                <a:prstGeom prst="rect">
+                  <a:avLst/>
+                </a:prstGeom>
+                <a:noFill/>
+              </p:spPr>
+              <p:txBody>
+                <a:bodyPr wrap="none" lIns="0" tIns="0" rIns="0" bIns="0" rtlCol="0">
+                  <a:spAutoFit/>
+                </a:bodyPr>
+                <a:lstStyle/>
+                <a:p>
+                  <a:pPr/>
+                  <a14:m>
+                    <m:oMathPara xmlns:m="http://schemas.openxmlformats.org/officeDocument/2006/math">
+                      <m:oMathParaPr>
+                        <m:jc m:val="centerGroup"/>
+                      </m:oMathParaPr>
+                      <m:oMath xmlns:m="http://schemas.openxmlformats.org/officeDocument/2006/math">
+                        <m:acc>
+                          <m:accPr>
+                            <m:chr m:val="⃗"/>
+                            <m:ctrlPr>
+                              <a:rPr lang="fr-FR" sz="1200" b="0" i="1" smtClean="0">
+                                <a:latin typeface="Cambria Math" panose="02040503050406030204" pitchFamily="18" charset="0"/>
+                              </a:rPr>
+                            </m:ctrlPr>
+                          </m:accPr>
+                          <m:e>
+                            <m:sSub>
+                              <m:sSubPr>
+                                <m:ctrlPr>
+                                  <a:rPr lang="fr-FR" sz="1200" b="0" i="1" smtClean="0">
+                                    <a:latin typeface="Cambria Math" panose="02040503050406030204" pitchFamily="18" charset="0"/>
+                                  </a:rPr>
+                                </m:ctrlPr>
+                              </m:sSubPr>
+                              <m:e>
+                                <m:r>
+                                  <a:rPr lang="fr-FR" sz="1200" b="0" i="1" smtClean="0">
+                                    <a:latin typeface="Cambria Math" panose="02040503050406030204" pitchFamily="18" charset="0"/>
+                                  </a:rPr>
+                                  <m:t>𝑥</m:t>
+                                </m:r>
+                              </m:e>
+                              <m:sub>
+                                <m:r>
+                                  <a:rPr lang="fr-FR" sz="1200" b="0" i="1" smtClean="0">
+                                    <a:latin typeface="Cambria Math" panose="02040503050406030204" pitchFamily="18" charset="0"/>
+                                  </a:rPr>
+                                  <m:t>1</m:t>
+                                </m:r>
+                              </m:sub>
+                            </m:sSub>
+                          </m:e>
+                        </m:acc>
+                      </m:oMath>
+                    </m:oMathPara>
+                  </a14:m>
+                  <a:endParaRPr lang="fr-FR" sz="1200" dirty="0"/>
+                </a:p>
+              </p:txBody>
+            </p:sp>
+          </mc:Choice>
+          <mc:Fallback>
+            <p:sp>
+              <p:nvSpPr>
+                <p:cNvPr id="28" name="ZoneTexte 27">
+                  <a:extLst>
+                    <a:ext uri="{FF2B5EF4-FFF2-40B4-BE49-F238E27FC236}">
+                      <a16:creationId xmlns:a16="http://schemas.microsoft.com/office/drawing/2014/main" id="{042E8A4A-5B95-D7C8-0501-A72DDAEF9862}"/>
+                    </a:ext>
+                  </a:extLst>
+                </p:cNvPr>
+                <p:cNvSpPr txBox="1">
+                  <a:spLocks noRot="1" noChangeAspect="1" noMove="1" noResize="1" noEditPoints="1" noAdjustHandles="1" noChangeArrowheads="1" noChangeShapeType="1" noTextEdit="1"/>
+                </p:cNvSpPr>
+                <p:nvPr/>
+              </p:nvSpPr>
+              <p:spPr>
+                <a:xfrm>
+                  <a:off x="6528305" y="2769491"/>
+                  <a:ext cx="184088" cy="184666"/>
+                </a:xfrm>
+                <a:prstGeom prst="rect">
+                  <a:avLst/>
+                </a:prstGeom>
+                <a:blipFill>
+                  <a:blip r:embed="rId6"/>
+                  <a:stretch>
+                    <a:fillRect l="-13333" r="-3333" b="-13333"/>
+                  </a:stretch>
+                </a:blipFill>
+              </p:spPr>
+              <p:txBody>
+                <a:bodyPr/>
+                <a:lstStyle/>
+                <a:p>
+                  <a:r>
+                    <a:rPr lang="fr-FR">
+                      <a:noFill/>
+                    </a:rPr>
+                    <a:t> </a:t>
+                  </a:r>
+                </a:p>
+              </p:txBody>
+            </p:sp>
+          </mc:Fallback>
+        </mc:AlternateContent>
+        <mc:AlternateContent xmlns:mc="http://schemas.openxmlformats.org/markup-compatibility/2006">
+          <mc:Choice xmlns:a14="http://schemas.microsoft.com/office/drawing/2010/main" Requires="a14">
+            <p:sp>
+              <p:nvSpPr>
+                <p:cNvPr id="29" name="ZoneTexte 28">
+                  <a:extLst>
+                    <a:ext uri="{FF2B5EF4-FFF2-40B4-BE49-F238E27FC236}">
+                      <a16:creationId xmlns:a16="http://schemas.microsoft.com/office/drawing/2014/main" id="{8AB41663-5B8D-9A4A-226A-2A44CA316B08}"/>
+                    </a:ext>
+                  </a:extLst>
+                </p:cNvPr>
+                <p:cNvSpPr txBox="1"/>
+                <p:nvPr/>
+              </p:nvSpPr>
+              <p:spPr>
+                <a:xfrm>
+                  <a:off x="7500980" y="2803916"/>
+                  <a:ext cx="187680" cy="184666"/>
+                </a:xfrm>
+                <a:prstGeom prst="rect">
+                  <a:avLst/>
+                </a:prstGeom>
+                <a:noFill/>
+              </p:spPr>
+              <p:txBody>
+                <a:bodyPr wrap="none" lIns="0" tIns="0" rIns="0" bIns="0" rtlCol="0">
+                  <a:spAutoFit/>
+                </a:bodyPr>
+                <a:lstStyle/>
+                <a:p>
+                  <a:pPr/>
+                  <a14:m>
+                    <m:oMathPara xmlns:m="http://schemas.openxmlformats.org/officeDocument/2006/math">
+                      <m:oMathParaPr>
+                        <m:jc m:val="centerGroup"/>
+                      </m:oMathParaPr>
+                      <m:oMath xmlns:m="http://schemas.openxmlformats.org/officeDocument/2006/math">
+                        <m:acc>
+                          <m:accPr>
+                            <m:chr m:val="⃗"/>
+                            <m:ctrlPr>
+                              <a:rPr lang="fr-FR" sz="1200" b="0" i="1" smtClean="0">
+                                <a:latin typeface="Cambria Math" panose="02040503050406030204" pitchFamily="18" charset="0"/>
+                              </a:rPr>
+                            </m:ctrlPr>
+                          </m:accPr>
+                          <m:e>
+                            <m:sSub>
+                              <m:sSubPr>
+                                <m:ctrlPr>
+                                  <a:rPr lang="fr-FR" sz="1200" b="0" i="1" smtClean="0">
+                                    <a:latin typeface="Cambria Math" panose="02040503050406030204" pitchFamily="18" charset="0"/>
+                                  </a:rPr>
+                                </m:ctrlPr>
+                              </m:sSubPr>
+                              <m:e>
+                                <m:r>
+                                  <a:rPr lang="fr-FR" sz="1200" b="0" i="1" smtClean="0">
+                                    <a:latin typeface="Cambria Math" panose="02040503050406030204" pitchFamily="18" charset="0"/>
+                                  </a:rPr>
+                                  <m:t>𝑥</m:t>
+                                </m:r>
+                              </m:e>
+                              <m:sub>
+                                <m:r>
+                                  <a:rPr lang="fr-FR" sz="1200" b="0" i="1" smtClean="0">
+                                    <a:latin typeface="Cambria Math" panose="02040503050406030204" pitchFamily="18" charset="0"/>
+                                  </a:rPr>
+                                  <m:t>2</m:t>
+                                </m:r>
+                              </m:sub>
+                            </m:sSub>
+                          </m:e>
+                        </m:acc>
+                      </m:oMath>
+                    </m:oMathPara>
+                  </a14:m>
+                  <a:endParaRPr lang="fr-FR" sz="1200" dirty="0"/>
+                </a:p>
+              </p:txBody>
+            </p:sp>
+          </mc:Choice>
+          <mc:Fallback>
+            <p:sp>
+              <p:nvSpPr>
+                <p:cNvPr id="29" name="ZoneTexte 28">
+                  <a:extLst>
+                    <a:ext uri="{FF2B5EF4-FFF2-40B4-BE49-F238E27FC236}">
+                      <a16:creationId xmlns:a16="http://schemas.microsoft.com/office/drawing/2014/main" id="{8AB41663-5B8D-9A4A-226A-2A44CA316B08}"/>
+                    </a:ext>
+                  </a:extLst>
+                </p:cNvPr>
+                <p:cNvSpPr txBox="1">
+                  <a:spLocks noRot="1" noChangeAspect="1" noMove="1" noResize="1" noEditPoints="1" noAdjustHandles="1" noChangeArrowheads="1" noChangeShapeType="1" noTextEdit="1"/>
+                </p:cNvSpPr>
+                <p:nvPr/>
+              </p:nvSpPr>
+              <p:spPr>
+                <a:xfrm>
+                  <a:off x="7500980" y="2803916"/>
+                  <a:ext cx="187680" cy="184666"/>
+                </a:xfrm>
+                <a:prstGeom prst="rect">
+                  <a:avLst/>
+                </a:prstGeom>
+                <a:blipFill>
+                  <a:blip r:embed="rId7"/>
+                  <a:stretch>
+                    <a:fillRect l="-9677" r="-3226" b="-13333"/>
+                  </a:stretch>
+                </a:blipFill>
+              </p:spPr>
+              <p:txBody>
+                <a:bodyPr/>
+                <a:lstStyle/>
+                <a:p>
+                  <a:r>
+                    <a:rPr lang="fr-FR">
+                      <a:noFill/>
+                    </a:rPr>
+                    <a:t> </a:t>
+                  </a:r>
+                </a:p>
+              </p:txBody>
+            </p:sp>
+          </mc:Fallback>
+        </mc:AlternateContent>
+        <p:sp>
+          <p:nvSpPr>
+            <p:cNvPr id="30" name="Ellipse 29">
+              <a:extLst>
+                <a:ext uri="{FF2B5EF4-FFF2-40B4-BE49-F238E27FC236}">
+                  <a16:creationId xmlns:a16="http://schemas.microsoft.com/office/drawing/2014/main" id="{F0C758A2-633D-23D1-7123-15229428B139}"/>
+                </a:ext>
+              </a:extLst>
+            </p:cNvPr>
+            <p:cNvSpPr/>
+            <p:nvPr/>
+          </p:nvSpPr>
+          <p:spPr>
+            <a:xfrm>
+              <a:off x="5821263" y="2915918"/>
+              <a:ext cx="225543" cy="225543"/>
+            </a:xfrm>
+            <a:prstGeom prst="ellipse">
+              <a:avLst/>
+            </a:prstGeom>
+            <a:noFill/>
+            <a:ln w="19050">
+              <a:solidFill>
+                <a:schemeClr val="tx1"/>
+              </a:solidFill>
+            </a:ln>
+          </p:spPr>
+          <p:style>
+            <a:lnRef idx="2">
+              <a:schemeClr val="accent1">
+                <a:shade val="50000"/>
+              </a:schemeClr>
+            </a:lnRef>
+            <a:fillRef idx="1">
+              <a:schemeClr val="accent1"/>
+            </a:fillRef>
+            <a:effectRef idx="0">
+              <a:schemeClr val="accent1"/>
+            </a:effectRef>
+            <a:fontRef idx="minor">
+              <a:schemeClr val="lt1"/>
+            </a:fontRef>
+          </p:style>
+          <p:txBody>
+            <a:bodyPr lIns="0" tIns="0" rIns="0" bIns="0" rtlCol="0" anchor="ctr"/>
+            <a:lstStyle/>
+            <a:p>
+              <a:pPr algn="ctr"/>
+              <a:r>
+                <a:rPr lang="fr-FR" sz="1400" b="1" dirty="0">
+                  <a:solidFill>
+                    <a:schemeClr val="tx1"/>
+                  </a:solidFill>
+                </a:rPr>
+                <a:t>0</a:t>
+              </a:r>
+              <a:endParaRPr lang="fr-FR" b="1" dirty="0">
+                <a:solidFill>
+                  <a:schemeClr val="tx1"/>
+                </a:solidFill>
+              </a:endParaRPr>
+            </a:p>
+          </p:txBody>
+        </p:sp>
+        <p:sp>
+          <p:nvSpPr>
+            <p:cNvPr id="31" name="Ellipse 30">
+              <a:extLst>
+                <a:ext uri="{FF2B5EF4-FFF2-40B4-BE49-F238E27FC236}">
+                  <a16:creationId xmlns:a16="http://schemas.microsoft.com/office/drawing/2014/main" id="{BF00E591-C4A6-6597-F15D-D731261EE333}"/>
+                </a:ext>
+              </a:extLst>
+            </p:cNvPr>
+            <p:cNvSpPr/>
+            <p:nvPr/>
+          </p:nvSpPr>
+          <p:spPr>
+            <a:xfrm>
+              <a:off x="6503049" y="2041465"/>
+              <a:ext cx="225543" cy="225543"/>
+            </a:xfrm>
+            <a:prstGeom prst="ellipse">
+              <a:avLst/>
+            </a:prstGeom>
+            <a:noFill/>
+            <a:ln w="19050">
+              <a:solidFill>
+                <a:srgbClr val="7030A0"/>
+              </a:solidFill>
+            </a:ln>
+          </p:spPr>
+          <p:style>
+            <a:lnRef idx="2">
+              <a:schemeClr val="accent1">
+                <a:shade val="50000"/>
+              </a:schemeClr>
+            </a:lnRef>
+            <a:fillRef idx="1">
+              <a:schemeClr val="accent1"/>
+            </a:fillRef>
+            <a:effectRef idx="0">
+              <a:schemeClr val="accent1"/>
+            </a:effectRef>
+            <a:fontRef idx="minor">
+              <a:schemeClr val="lt1"/>
+            </a:fontRef>
+          </p:style>
+          <p:txBody>
+            <a:bodyPr lIns="0" tIns="0" rIns="0" bIns="0" rtlCol="0" anchor="ctr"/>
+            <a:lstStyle/>
+            <a:p>
+              <a:pPr algn="ctr"/>
+              <a:r>
+                <a:rPr lang="fr-FR" sz="1400" b="1" dirty="0">
+                  <a:solidFill>
+                    <a:srgbClr val="7030A0"/>
+                  </a:solidFill>
+                </a:rPr>
+                <a:t>2</a:t>
+              </a:r>
+              <a:endParaRPr lang="fr-FR" b="1" dirty="0">
+                <a:solidFill>
+                  <a:srgbClr val="7030A0"/>
+                </a:solidFill>
+              </a:endParaRPr>
+            </a:p>
+          </p:txBody>
+        </p:sp>
+        <p:sp>
+          <p:nvSpPr>
+            <p:cNvPr id="32" name="Ellipse 31">
+              <a:extLst>
+                <a:ext uri="{FF2B5EF4-FFF2-40B4-BE49-F238E27FC236}">
+                  <a16:creationId xmlns:a16="http://schemas.microsoft.com/office/drawing/2014/main" id="{CE832B82-9FF6-8CE6-68F7-60FE79BA0DB2}"/>
+                </a:ext>
+              </a:extLst>
+            </p:cNvPr>
+            <p:cNvSpPr/>
+            <p:nvPr/>
+          </p:nvSpPr>
+          <p:spPr>
+            <a:xfrm>
+              <a:off x="7126815" y="2245846"/>
+              <a:ext cx="225543" cy="225543"/>
+            </a:xfrm>
+            <a:prstGeom prst="ellipse">
+              <a:avLst/>
+            </a:prstGeom>
+            <a:noFill/>
+            <a:ln w="19050">
+              <a:solidFill>
+                <a:srgbClr val="00B050"/>
+              </a:solidFill>
+            </a:ln>
+          </p:spPr>
+          <p:style>
+            <a:lnRef idx="2">
+              <a:schemeClr val="accent1">
+                <a:shade val="50000"/>
+              </a:schemeClr>
+            </a:lnRef>
+            <a:fillRef idx="1">
+              <a:schemeClr val="accent1"/>
+            </a:fillRef>
+            <a:effectRef idx="0">
+              <a:schemeClr val="accent1"/>
+            </a:effectRef>
+            <a:fontRef idx="minor">
+              <a:schemeClr val="lt1"/>
+            </a:fontRef>
+          </p:style>
+          <p:txBody>
+            <a:bodyPr lIns="0" tIns="0" rIns="0" bIns="0" rtlCol="0" anchor="ctr"/>
+            <a:lstStyle/>
+            <a:p>
+              <a:pPr algn="ctr"/>
+              <a:r>
+                <a:rPr lang="fr-FR" sz="1400" b="1" dirty="0">
+                  <a:solidFill>
+                    <a:srgbClr val="00B050"/>
+                  </a:solidFill>
+                </a:rPr>
+                <a:t>3</a:t>
+              </a:r>
+              <a:endParaRPr lang="fr-FR" b="1" dirty="0">
+                <a:solidFill>
+                  <a:srgbClr val="00B050"/>
+                </a:solidFill>
+              </a:endParaRPr>
+            </a:p>
+          </p:txBody>
+        </p:sp>
+        <p:grpSp>
+          <p:nvGrpSpPr>
+            <p:cNvPr id="33" name="Groupe 32">
+              <a:extLst>
+                <a:ext uri="{FF2B5EF4-FFF2-40B4-BE49-F238E27FC236}">
+                  <a16:creationId xmlns:a16="http://schemas.microsoft.com/office/drawing/2014/main" id="{FFC123FA-199A-4867-4D58-D5D32A6D6571}"/>
+                </a:ext>
+              </a:extLst>
+            </p:cNvPr>
+            <p:cNvGrpSpPr/>
+            <p:nvPr/>
+          </p:nvGrpSpPr>
+          <p:grpSpPr>
+            <a:xfrm>
+              <a:off x="3943586" y="2708964"/>
+              <a:ext cx="722488" cy="722488"/>
+              <a:chOff x="3943586" y="2708964"/>
+              <a:chExt cx="722488" cy="722488"/>
+            </a:xfrm>
+          </p:grpSpPr>
+          <p:cxnSp>
+            <p:nvCxnSpPr>
+              <p:cNvPr id="34" name="Connecteur droit 33">
+                <a:extLst>
+                  <a:ext uri="{FF2B5EF4-FFF2-40B4-BE49-F238E27FC236}">
+                    <a16:creationId xmlns:a16="http://schemas.microsoft.com/office/drawing/2014/main" id="{F172A1B7-08AE-6F2F-BC4D-938C3D0F84EB}"/>
+                  </a:ext>
+                </a:extLst>
+              </p:cNvPr>
+              <p:cNvCxnSpPr>
+                <a:cxnSpLocks/>
+              </p:cNvCxnSpPr>
+              <p:nvPr/>
+            </p:nvCxnSpPr>
+            <p:spPr>
+              <a:xfrm flipH="1">
+                <a:off x="3943586" y="3429000"/>
+                <a:ext cx="722488" cy="1"/>
+              </a:xfrm>
+              <a:prstGeom prst="line">
+                <a:avLst/>
+              </a:prstGeom>
+              <a:noFill/>
+              <a:ln w="9525">
+                <a:solidFill>
+                  <a:schemeClr val="tx1"/>
+                </a:solidFill>
+                <a:headEnd type="stealth" w="sm" len="med"/>
+              </a:ln>
+            </p:spPr>
+            <p:style>
+              <a:lnRef idx="2">
+                <a:schemeClr val="accent1">
+                  <a:shade val="50000"/>
+                </a:schemeClr>
+              </a:lnRef>
+              <a:fillRef idx="1">
+                <a:schemeClr val="accent1"/>
+              </a:fillRef>
+              <a:effectRef idx="0">
+                <a:schemeClr val="accent1"/>
+              </a:effectRef>
+              <a:fontRef idx="minor">
+                <a:schemeClr val="lt1"/>
+              </a:fontRef>
+            </p:style>
+          </p:cxnSp>
+          <p:cxnSp>
+            <p:nvCxnSpPr>
+              <p:cNvPr id="35" name="Connecteur droit 34">
+                <a:extLst>
+                  <a:ext uri="{FF2B5EF4-FFF2-40B4-BE49-F238E27FC236}">
+                    <a16:creationId xmlns:a16="http://schemas.microsoft.com/office/drawing/2014/main" id="{19B9F05A-9017-149C-5305-0795ADA89F8B}"/>
+                  </a:ext>
+                </a:extLst>
+              </p:cNvPr>
+              <p:cNvCxnSpPr>
+                <a:cxnSpLocks/>
+              </p:cNvCxnSpPr>
+              <p:nvPr/>
+            </p:nvCxnSpPr>
+            <p:spPr>
+              <a:xfrm rot="16200000" flipH="1">
+                <a:off x="3582343" y="3070207"/>
+                <a:ext cx="722488" cy="1"/>
+              </a:xfrm>
+              <a:prstGeom prst="line">
+                <a:avLst/>
+              </a:prstGeom>
+              <a:noFill/>
+              <a:ln w="9525">
+                <a:solidFill>
+                  <a:schemeClr val="tx1"/>
+                </a:solidFill>
+                <a:headEnd type="stealth" w="sm" len="med"/>
+              </a:ln>
+            </p:spPr>
+            <p:style>
+              <a:lnRef idx="2">
+                <a:schemeClr val="accent1">
+                  <a:shade val="50000"/>
+                </a:schemeClr>
+              </a:lnRef>
+              <a:fillRef idx="1">
+                <a:schemeClr val="accent1"/>
+              </a:fillRef>
+              <a:effectRef idx="0">
+                <a:schemeClr val="accent1"/>
+              </a:effectRef>
+              <a:fontRef idx="minor">
+                <a:schemeClr val="lt1"/>
+              </a:fontRef>
+            </p:style>
+          </p:cxnSp>
+        </p:grpSp>
+        <p:grpSp>
+          <p:nvGrpSpPr>
+            <p:cNvPr id="36" name="Groupe 35">
+              <a:extLst>
+                <a:ext uri="{FF2B5EF4-FFF2-40B4-BE49-F238E27FC236}">
+                  <a16:creationId xmlns:a16="http://schemas.microsoft.com/office/drawing/2014/main" id="{7E4E4F7D-14BB-9E21-9A32-3F0EE0A69103}"/>
+                </a:ext>
+              </a:extLst>
+            </p:cNvPr>
+            <p:cNvGrpSpPr/>
+            <p:nvPr/>
+          </p:nvGrpSpPr>
+          <p:grpSpPr>
+            <a:xfrm rot="20521398">
+              <a:off x="3814215" y="2617044"/>
+              <a:ext cx="722488" cy="722488"/>
+              <a:chOff x="3943586" y="2708964"/>
+              <a:chExt cx="722488" cy="722488"/>
+            </a:xfrm>
+          </p:grpSpPr>
+          <p:cxnSp>
+            <p:nvCxnSpPr>
+              <p:cNvPr id="37" name="Connecteur droit 36">
+                <a:extLst>
+                  <a:ext uri="{FF2B5EF4-FFF2-40B4-BE49-F238E27FC236}">
+                    <a16:creationId xmlns:a16="http://schemas.microsoft.com/office/drawing/2014/main" id="{C55B5F98-2D17-9054-0811-5FCB1CC3CFD3}"/>
+                  </a:ext>
+                </a:extLst>
+              </p:cNvPr>
+              <p:cNvCxnSpPr>
+                <a:cxnSpLocks/>
+              </p:cNvCxnSpPr>
+              <p:nvPr/>
+            </p:nvCxnSpPr>
+            <p:spPr>
+              <a:xfrm flipH="1">
+                <a:off x="3943586" y="3429000"/>
+                <a:ext cx="722488" cy="1"/>
+              </a:xfrm>
+              <a:prstGeom prst="line">
+                <a:avLst/>
+              </a:prstGeom>
+              <a:noFill/>
+              <a:ln w="9525">
+                <a:solidFill>
+                  <a:srgbClr val="FFC000"/>
+                </a:solidFill>
+                <a:headEnd type="stealth" w="sm" len="med"/>
+              </a:ln>
+            </p:spPr>
+            <p:style>
+              <a:lnRef idx="2">
+                <a:schemeClr val="accent1">
+                  <a:shade val="50000"/>
+                </a:schemeClr>
+              </a:lnRef>
+              <a:fillRef idx="1">
+                <a:schemeClr val="accent1"/>
+              </a:fillRef>
+              <a:effectRef idx="0">
+                <a:schemeClr val="accent1"/>
+              </a:effectRef>
+              <a:fontRef idx="minor">
+                <a:schemeClr val="lt1"/>
+              </a:fontRef>
+            </p:style>
+          </p:cxnSp>
+          <p:cxnSp>
+            <p:nvCxnSpPr>
+              <p:cNvPr id="38" name="Connecteur droit 37">
+                <a:extLst>
+                  <a:ext uri="{FF2B5EF4-FFF2-40B4-BE49-F238E27FC236}">
+                    <a16:creationId xmlns:a16="http://schemas.microsoft.com/office/drawing/2014/main" id="{7841EC68-471B-1A81-0E80-7B5D271C36AF}"/>
+                  </a:ext>
+                </a:extLst>
+              </p:cNvPr>
+              <p:cNvCxnSpPr>
+                <a:cxnSpLocks/>
+              </p:cNvCxnSpPr>
+              <p:nvPr/>
+            </p:nvCxnSpPr>
+            <p:spPr>
+              <a:xfrm rot="16200000" flipH="1">
+                <a:off x="3582343" y="3070207"/>
+                <a:ext cx="722488" cy="1"/>
+              </a:xfrm>
+              <a:prstGeom prst="line">
+                <a:avLst/>
+              </a:prstGeom>
+              <a:noFill/>
+              <a:ln w="9525">
+                <a:solidFill>
+                  <a:srgbClr val="FFC000"/>
+                </a:solidFill>
+                <a:headEnd type="stealth" w="sm" len="med"/>
+              </a:ln>
+            </p:spPr>
+            <p:style>
+              <a:lnRef idx="2">
+                <a:schemeClr val="accent1">
+                  <a:shade val="50000"/>
+                </a:schemeClr>
+              </a:lnRef>
+              <a:fillRef idx="1">
+                <a:schemeClr val="accent1"/>
+              </a:fillRef>
+              <a:effectRef idx="0">
+                <a:schemeClr val="accent1"/>
+              </a:effectRef>
+              <a:fontRef idx="minor">
+                <a:schemeClr val="lt1"/>
+              </a:fontRef>
+            </p:style>
+          </p:cxnSp>
+        </p:grpSp>
+        <p:grpSp>
+          <p:nvGrpSpPr>
+            <p:cNvPr id="39" name="Groupe 38">
+              <a:extLst>
+                <a:ext uri="{FF2B5EF4-FFF2-40B4-BE49-F238E27FC236}">
+                  <a16:creationId xmlns:a16="http://schemas.microsoft.com/office/drawing/2014/main" id="{D22CFE20-8FA9-2439-AC47-CEA33EAD4CF2}"/>
+                </a:ext>
+              </a:extLst>
+            </p:cNvPr>
+            <p:cNvGrpSpPr/>
+            <p:nvPr/>
+          </p:nvGrpSpPr>
+          <p:grpSpPr>
+            <a:xfrm rot="19800000">
+              <a:off x="3713252" y="2571836"/>
+              <a:ext cx="722488" cy="722488"/>
+              <a:chOff x="3943586" y="2708964"/>
+              <a:chExt cx="722488" cy="722488"/>
+            </a:xfrm>
+          </p:grpSpPr>
+          <p:cxnSp>
+            <p:nvCxnSpPr>
+              <p:cNvPr id="40" name="Connecteur droit 39">
+                <a:extLst>
+                  <a:ext uri="{FF2B5EF4-FFF2-40B4-BE49-F238E27FC236}">
+                    <a16:creationId xmlns:a16="http://schemas.microsoft.com/office/drawing/2014/main" id="{010DCDB7-B0D0-1030-F081-3F7382310EB0}"/>
+                  </a:ext>
+                </a:extLst>
+              </p:cNvPr>
+              <p:cNvCxnSpPr>
+                <a:cxnSpLocks/>
+              </p:cNvCxnSpPr>
+              <p:nvPr/>
+            </p:nvCxnSpPr>
+            <p:spPr>
+              <a:xfrm flipH="1">
+                <a:off x="3943586" y="3429000"/>
+                <a:ext cx="722488" cy="1"/>
+              </a:xfrm>
+              <a:prstGeom prst="line">
+                <a:avLst/>
+              </a:prstGeom>
+              <a:noFill/>
+              <a:ln w="9525">
+                <a:solidFill>
+                  <a:srgbClr val="7030A0"/>
+                </a:solidFill>
+                <a:headEnd type="stealth" w="sm" len="med"/>
+              </a:ln>
+            </p:spPr>
+            <p:style>
+              <a:lnRef idx="2">
+                <a:schemeClr val="accent1">
+                  <a:shade val="50000"/>
+                </a:schemeClr>
+              </a:lnRef>
+              <a:fillRef idx="1">
+                <a:schemeClr val="accent1"/>
+              </a:fillRef>
+              <a:effectRef idx="0">
+                <a:schemeClr val="accent1"/>
+              </a:effectRef>
+              <a:fontRef idx="minor">
+                <a:schemeClr val="lt1"/>
+              </a:fontRef>
+            </p:style>
+          </p:cxnSp>
+          <p:cxnSp>
+            <p:nvCxnSpPr>
+              <p:cNvPr id="41" name="Connecteur droit 40">
+                <a:extLst>
+                  <a:ext uri="{FF2B5EF4-FFF2-40B4-BE49-F238E27FC236}">
+                    <a16:creationId xmlns:a16="http://schemas.microsoft.com/office/drawing/2014/main" id="{D962AE48-A5F1-6D92-99CC-097AD679E48C}"/>
+                  </a:ext>
+                </a:extLst>
+              </p:cNvPr>
+              <p:cNvCxnSpPr>
+                <a:cxnSpLocks/>
+              </p:cNvCxnSpPr>
+              <p:nvPr/>
+            </p:nvCxnSpPr>
+            <p:spPr>
+              <a:xfrm rot="16200000" flipH="1">
+                <a:off x="3582343" y="3070207"/>
+                <a:ext cx="722488" cy="1"/>
+              </a:xfrm>
+              <a:prstGeom prst="line">
+                <a:avLst/>
+              </a:prstGeom>
+              <a:noFill/>
+              <a:ln w="9525">
+                <a:solidFill>
+                  <a:srgbClr val="7030A0"/>
+                </a:solidFill>
+                <a:headEnd type="stealth" w="sm" len="med"/>
+              </a:ln>
+            </p:spPr>
+            <p:style>
+              <a:lnRef idx="2">
+                <a:schemeClr val="accent1">
+                  <a:shade val="50000"/>
+                </a:schemeClr>
+              </a:lnRef>
+              <a:fillRef idx="1">
+                <a:schemeClr val="accent1"/>
+              </a:fillRef>
+              <a:effectRef idx="0">
+                <a:schemeClr val="accent1"/>
+              </a:effectRef>
+              <a:fontRef idx="minor">
+                <a:schemeClr val="lt1"/>
+              </a:fontRef>
+            </p:style>
+          </p:cxnSp>
+        </p:grpSp>
+        <mc:AlternateContent xmlns:mc="http://schemas.openxmlformats.org/markup-compatibility/2006">
+          <mc:Choice xmlns:a14="http://schemas.microsoft.com/office/drawing/2010/main" Requires="a14">
+            <p:sp>
+              <p:nvSpPr>
+                <p:cNvPr id="42" name="ZoneTexte 41">
+                  <a:extLst>
+                    <a:ext uri="{FF2B5EF4-FFF2-40B4-BE49-F238E27FC236}">
+                      <a16:creationId xmlns:a16="http://schemas.microsoft.com/office/drawing/2014/main" id="{B89B714C-CD8A-1B97-5148-2A31B57C08C7}"/>
+                    </a:ext>
+                  </a:extLst>
+                </p:cNvPr>
+                <p:cNvSpPr txBox="1"/>
+                <p:nvPr/>
+              </p:nvSpPr>
+              <p:spPr>
+                <a:xfrm>
+                  <a:off x="4659428" y="3332093"/>
+                  <a:ext cx="156325" cy="153888"/>
+                </a:xfrm>
+                <a:prstGeom prst="rect">
+                  <a:avLst/>
+                </a:prstGeom>
+                <a:noFill/>
+              </p:spPr>
+              <p:txBody>
+                <a:bodyPr wrap="none" lIns="0" tIns="0" rIns="0" bIns="0" rtlCol="0">
+                  <a:spAutoFit/>
+                </a:bodyPr>
+                <a:lstStyle/>
+                <a:p>
+                  <a:pPr/>
+                  <a14:m>
+                    <m:oMathPara xmlns:m="http://schemas.openxmlformats.org/officeDocument/2006/math">
+                      <m:oMathParaPr>
+                        <m:jc m:val="centerGroup"/>
+                      </m:oMathParaPr>
+                      <m:oMath xmlns:m="http://schemas.openxmlformats.org/officeDocument/2006/math">
+                        <m:acc>
+                          <m:accPr>
+                            <m:chr m:val="⃗"/>
+                            <m:ctrlPr>
+                              <a:rPr lang="fr-FR" sz="1000" b="0" i="1" smtClean="0">
+                                <a:latin typeface="Cambria Math" panose="02040503050406030204" pitchFamily="18" charset="0"/>
+                              </a:rPr>
+                            </m:ctrlPr>
+                          </m:accPr>
+                          <m:e>
+                            <m:sSub>
+                              <m:sSubPr>
+                                <m:ctrlPr>
+                                  <a:rPr lang="fr-FR" sz="1000" b="0" i="1" smtClean="0">
+                                    <a:latin typeface="Cambria Math" panose="02040503050406030204" pitchFamily="18" charset="0"/>
+                                  </a:rPr>
+                                </m:ctrlPr>
+                              </m:sSubPr>
+                              <m:e>
+                                <m:r>
+                                  <a:rPr lang="fr-FR" sz="1000" b="0" i="1" smtClean="0">
+                                    <a:latin typeface="Cambria Math" panose="02040503050406030204" pitchFamily="18" charset="0"/>
+                                  </a:rPr>
+                                  <m:t>𝑥</m:t>
+                                </m:r>
+                              </m:e>
+                              <m:sub>
+                                <m:r>
+                                  <a:rPr lang="fr-FR" sz="1000" b="0" i="1" smtClean="0">
+                                    <a:latin typeface="Cambria Math" panose="02040503050406030204" pitchFamily="18" charset="0"/>
+                                  </a:rPr>
+                                  <m:t>0</m:t>
+                                </m:r>
+                              </m:sub>
+                            </m:sSub>
+                          </m:e>
+                        </m:acc>
+                      </m:oMath>
+                    </m:oMathPara>
+                  </a14:m>
+                  <a:endParaRPr lang="fr-FR" sz="1000" dirty="0"/>
+                </a:p>
+              </p:txBody>
+            </p:sp>
+          </mc:Choice>
+          <mc:Fallback>
+            <p:sp>
+              <p:nvSpPr>
+                <p:cNvPr id="42" name="ZoneTexte 41">
+                  <a:extLst>
+                    <a:ext uri="{FF2B5EF4-FFF2-40B4-BE49-F238E27FC236}">
+                      <a16:creationId xmlns:a16="http://schemas.microsoft.com/office/drawing/2014/main" id="{B89B714C-CD8A-1B97-5148-2A31B57C08C7}"/>
+                    </a:ext>
+                  </a:extLst>
+                </p:cNvPr>
+                <p:cNvSpPr txBox="1">
+                  <a:spLocks noRot="1" noChangeAspect="1" noMove="1" noResize="1" noEditPoints="1" noAdjustHandles="1" noChangeArrowheads="1" noChangeShapeType="1" noTextEdit="1"/>
+                </p:cNvSpPr>
+                <p:nvPr/>
+              </p:nvSpPr>
+              <p:spPr>
+                <a:xfrm>
+                  <a:off x="4659428" y="3332093"/>
+                  <a:ext cx="156325" cy="153888"/>
+                </a:xfrm>
+                <a:prstGeom prst="rect">
+                  <a:avLst/>
+                </a:prstGeom>
+                <a:blipFill>
+                  <a:blip r:embed="rId8"/>
+                  <a:stretch>
+                    <a:fillRect l="-11538" r="-3846" b="-16000"/>
+                  </a:stretch>
+                </a:blipFill>
+              </p:spPr>
+              <p:txBody>
+                <a:bodyPr/>
+                <a:lstStyle/>
+                <a:p>
+                  <a:r>
+                    <a:rPr lang="fr-FR">
+                      <a:noFill/>
+                    </a:rPr>
+                    <a:t> </a:t>
+                  </a:r>
+                </a:p>
+              </p:txBody>
+            </p:sp>
+          </mc:Fallback>
+        </mc:AlternateContent>
+        <mc:AlternateContent xmlns:mc="http://schemas.openxmlformats.org/markup-compatibility/2006">
+          <mc:Choice xmlns:a14="http://schemas.microsoft.com/office/drawing/2010/main" Requires="a14">
+            <p:sp>
+              <p:nvSpPr>
+                <p:cNvPr id="43" name="ZoneTexte 42">
+                  <a:extLst>
+                    <a:ext uri="{FF2B5EF4-FFF2-40B4-BE49-F238E27FC236}">
+                      <a16:creationId xmlns:a16="http://schemas.microsoft.com/office/drawing/2014/main" id="{8153749F-BF8F-52BC-E7C5-7858116BC315}"/>
+                    </a:ext>
+                  </a:extLst>
+                </p:cNvPr>
+                <p:cNvSpPr txBox="1"/>
+                <p:nvPr/>
+              </p:nvSpPr>
+              <p:spPr>
+                <a:xfrm>
+                  <a:off x="4654444" y="3118661"/>
+                  <a:ext cx="153375" cy="153888"/>
+                </a:xfrm>
+                <a:prstGeom prst="rect">
+                  <a:avLst/>
+                </a:prstGeom>
+                <a:noFill/>
+              </p:spPr>
+              <p:txBody>
+                <a:bodyPr wrap="none" lIns="0" tIns="0" rIns="0" bIns="0" rtlCol="0">
+                  <a:spAutoFit/>
+                </a:bodyPr>
+                <a:lstStyle/>
+                <a:p>
+                  <a:pPr/>
+                  <a14:m>
+                    <m:oMathPara xmlns:m="http://schemas.openxmlformats.org/officeDocument/2006/math">
+                      <m:oMathParaPr>
+                        <m:jc m:val="centerGroup"/>
+                      </m:oMathParaPr>
+                      <m:oMath xmlns:m="http://schemas.openxmlformats.org/officeDocument/2006/math">
+                        <m:acc>
+                          <m:accPr>
+                            <m:chr m:val="⃗"/>
+                            <m:ctrlPr>
+                              <a:rPr lang="fr-FR" sz="1000" b="0" i="1" smtClean="0">
+                                <a:latin typeface="Cambria Math" panose="02040503050406030204" pitchFamily="18" charset="0"/>
+                              </a:rPr>
+                            </m:ctrlPr>
+                          </m:accPr>
+                          <m:e>
+                            <m:sSub>
+                              <m:sSubPr>
+                                <m:ctrlPr>
+                                  <a:rPr lang="fr-FR" sz="1000" b="0" i="1" smtClean="0">
+                                    <a:latin typeface="Cambria Math" panose="02040503050406030204" pitchFamily="18" charset="0"/>
+                                  </a:rPr>
+                                </m:ctrlPr>
+                              </m:sSubPr>
+                              <m:e>
+                                <m:r>
+                                  <a:rPr lang="fr-FR" sz="1000" b="0" i="1" smtClean="0">
+                                    <a:latin typeface="Cambria Math" panose="02040503050406030204" pitchFamily="18" charset="0"/>
+                                  </a:rPr>
+                                  <m:t>𝑥</m:t>
+                                </m:r>
+                              </m:e>
+                              <m:sub>
+                                <m:r>
+                                  <a:rPr lang="fr-FR" sz="1000" b="0" i="1" smtClean="0">
+                                    <a:latin typeface="Cambria Math" panose="02040503050406030204" pitchFamily="18" charset="0"/>
+                                  </a:rPr>
+                                  <m:t>1</m:t>
+                                </m:r>
+                              </m:sub>
+                            </m:sSub>
+                          </m:e>
+                        </m:acc>
+                      </m:oMath>
+                    </m:oMathPara>
+                  </a14:m>
+                  <a:endParaRPr lang="fr-FR" sz="1000" dirty="0"/>
+                </a:p>
+              </p:txBody>
+            </p:sp>
+          </mc:Choice>
+          <mc:Fallback>
+            <p:sp>
+              <p:nvSpPr>
+                <p:cNvPr id="43" name="ZoneTexte 42">
+                  <a:extLst>
+                    <a:ext uri="{FF2B5EF4-FFF2-40B4-BE49-F238E27FC236}">
+                      <a16:creationId xmlns:a16="http://schemas.microsoft.com/office/drawing/2014/main" id="{8153749F-BF8F-52BC-E7C5-7858116BC315}"/>
+                    </a:ext>
+                  </a:extLst>
+                </p:cNvPr>
+                <p:cNvSpPr txBox="1">
+                  <a:spLocks noRot="1" noChangeAspect="1" noMove="1" noResize="1" noEditPoints="1" noAdjustHandles="1" noChangeArrowheads="1" noChangeShapeType="1" noTextEdit="1"/>
+                </p:cNvSpPr>
+                <p:nvPr/>
+              </p:nvSpPr>
+              <p:spPr>
+                <a:xfrm>
+                  <a:off x="4654444" y="3118661"/>
+                  <a:ext cx="153375" cy="153888"/>
+                </a:xfrm>
+                <a:prstGeom prst="rect">
+                  <a:avLst/>
+                </a:prstGeom>
+                <a:blipFill>
+                  <a:blip r:embed="rId9"/>
+                  <a:stretch>
+                    <a:fillRect l="-12000" r="-8000" b="-16000"/>
+                  </a:stretch>
+                </a:blipFill>
+              </p:spPr>
+              <p:txBody>
+                <a:bodyPr/>
+                <a:lstStyle/>
+                <a:p>
+                  <a:r>
+                    <a:rPr lang="fr-FR">
+                      <a:noFill/>
+                    </a:rPr>
+                    <a:t> </a:t>
+                  </a:r>
+                </a:p>
+              </p:txBody>
+            </p:sp>
+          </mc:Fallback>
+        </mc:AlternateContent>
+        <mc:AlternateContent xmlns:mc="http://schemas.openxmlformats.org/markup-compatibility/2006">
+          <mc:Choice xmlns:a14="http://schemas.microsoft.com/office/drawing/2010/main" Requires="a14">
+            <p:sp>
+              <p:nvSpPr>
+                <p:cNvPr id="44" name="ZoneTexte 43">
+                  <a:extLst>
+                    <a:ext uri="{FF2B5EF4-FFF2-40B4-BE49-F238E27FC236}">
+                      <a16:creationId xmlns:a16="http://schemas.microsoft.com/office/drawing/2014/main" id="{86C7715B-028D-DE2D-2F09-E2B075ACFBED}"/>
+                    </a:ext>
+                  </a:extLst>
+                </p:cNvPr>
+                <p:cNvSpPr txBox="1"/>
+                <p:nvPr/>
+              </p:nvSpPr>
+              <p:spPr>
+                <a:xfrm>
+                  <a:off x="4555756" y="2978683"/>
+                  <a:ext cx="156325" cy="153888"/>
+                </a:xfrm>
+                <a:prstGeom prst="rect">
+                  <a:avLst/>
+                </a:prstGeom>
+                <a:noFill/>
+              </p:spPr>
+              <p:txBody>
+                <a:bodyPr wrap="none" lIns="0" tIns="0" rIns="0" bIns="0" rtlCol="0">
+                  <a:spAutoFit/>
+                </a:bodyPr>
+                <a:lstStyle/>
+                <a:p>
+                  <a:pPr/>
+                  <a14:m>
+                    <m:oMathPara xmlns:m="http://schemas.openxmlformats.org/officeDocument/2006/math">
+                      <m:oMathParaPr>
+                        <m:jc m:val="centerGroup"/>
+                      </m:oMathParaPr>
+                      <m:oMath xmlns:m="http://schemas.openxmlformats.org/officeDocument/2006/math">
+                        <m:acc>
+                          <m:accPr>
+                            <m:chr m:val="⃗"/>
+                            <m:ctrlPr>
+                              <a:rPr lang="fr-FR" sz="1000" b="0" i="1" smtClean="0">
+                                <a:latin typeface="Cambria Math" panose="02040503050406030204" pitchFamily="18" charset="0"/>
+                              </a:rPr>
+                            </m:ctrlPr>
+                          </m:accPr>
+                          <m:e>
+                            <m:sSub>
+                              <m:sSubPr>
+                                <m:ctrlPr>
+                                  <a:rPr lang="fr-FR" sz="1000" b="0" i="1" smtClean="0">
+                                    <a:latin typeface="Cambria Math" panose="02040503050406030204" pitchFamily="18" charset="0"/>
+                                  </a:rPr>
+                                </m:ctrlPr>
+                              </m:sSubPr>
+                              <m:e>
+                                <m:r>
+                                  <a:rPr lang="fr-FR" sz="1000" b="0" i="1" smtClean="0">
+                                    <a:latin typeface="Cambria Math" panose="02040503050406030204" pitchFamily="18" charset="0"/>
+                                  </a:rPr>
+                                  <m:t>𝑥</m:t>
+                                </m:r>
+                              </m:e>
+                              <m:sub>
+                                <m:r>
+                                  <a:rPr lang="fr-FR" sz="1000" b="0" i="1" smtClean="0">
+                                    <a:latin typeface="Cambria Math" panose="02040503050406030204" pitchFamily="18" charset="0"/>
+                                  </a:rPr>
+                                  <m:t>2</m:t>
+                                </m:r>
+                              </m:sub>
+                            </m:sSub>
+                          </m:e>
+                        </m:acc>
+                      </m:oMath>
+                    </m:oMathPara>
+                  </a14:m>
+                  <a:endParaRPr lang="fr-FR" sz="1000" dirty="0"/>
+                </a:p>
+              </p:txBody>
+            </p:sp>
+          </mc:Choice>
+          <mc:Fallback>
+            <p:sp>
+              <p:nvSpPr>
+                <p:cNvPr id="44" name="ZoneTexte 43">
+                  <a:extLst>
+                    <a:ext uri="{FF2B5EF4-FFF2-40B4-BE49-F238E27FC236}">
+                      <a16:creationId xmlns:a16="http://schemas.microsoft.com/office/drawing/2014/main" id="{86C7715B-028D-DE2D-2F09-E2B075ACFBED}"/>
+                    </a:ext>
+                  </a:extLst>
+                </p:cNvPr>
+                <p:cNvSpPr txBox="1">
+                  <a:spLocks noRot="1" noChangeAspect="1" noMove="1" noResize="1" noEditPoints="1" noAdjustHandles="1" noChangeArrowheads="1" noChangeShapeType="1" noTextEdit="1"/>
+                </p:cNvSpPr>
+                <p:nvPr/>
+              </p:nvSpPr>
+              <p:spPr>
+                <a:xfrm>
+                  <a:off x="4555756" y="2978683"/>
+                  <a:ext cx="156325" cy="153888"/>
+                </a:xfrm>
+                <a:prstGeom prst="rect">
+                  <a:avLst/>
+                </a:prstGeom>
+                <a:blipFill>
+                  <a:blip r:embed="rId10"/>
+                  <a:stretch>
+                    <a:fillRect l="-11538" r="-3846" b="-16000"/>
+                  </a:stretch>
+                </a:blipFill>
+              </p:spPr>
+              <p:txBody>
+                <a:bodyPr/>
+                <a:lstStyle/>
+                <a:p>
+                  <a:r>
+                    <a:rPr lang="fr-FR">
+                      <a:noFill/>
+                    </a:rPr>
+                    <a:t> </a:t>
+                  </a:r>
+                </a:p>
+              </p:txBody>
+            </p:sp>
+          </mc:Fallback>
+        </mc:AlternateContent>
+        <mc:AlternateContent xmlns:mc="http://schemas.openxmlformats.org/markup-compatibility/2006">
+          <mc:Choice xmlns:a14="http://schemas.microsoft.com/office/drawing/2010/main" Requires="a14">
+            <p:sp>
+              <p:nvSpPr>
+                <p:cNvPr id="45" name="ZoneTexte 44">
+                  <a:extLst>
+                    <a:ext uri="{FF2B5EF4-FFF2-40B4-BE49-F238E27FC236}">
+                      <a16:creationId xmlns:a16="http://schemas.microsoft.com/office/drawing/2014/main" id="{F01A7A0C-CEFA-13BE-1840-F838C3CC2B1E}"/>
+                    </a:ext>
+                  </a:extLst>
+                </p:cNvPr>
+                <p:cNvSpPr txBox="1"/>
+                <p:nvPr/>
+              </p:nvSpPr>
+              <p:spPr>
+                <a:xfrm>
+                  <a:off x="3864357" y="2550172"/>
+                  <a:ext cx="156902" cy="153888"/>
+                </a:xfrm>
+                <a:prstGeom prst="rect">
+                  <a:avLst/>
+                </a:prstGeom>
+                <a:noFill/>
+              </p:spPr>
+              <p:txBody>
+                <a:bodyPr wrap="none" lIns="0" tIns="0" rIns="0" bIns="0" rtlCol="0">
+                  <a:spAutoFit/>
+                </a:bodyPr>
+                <a:lstStyle/>
+                <a:p>
+                  <a:pPr/>
+                  <a14:m>
+                    <m:oMathPara xmlns:m="http://schemas.openxmlformats.org/officeDocument/2006/math">
+                      <m:oMathParaPr>
+                        <m:jc m:val="centerGroup"/>
+                      </m:oMathParaPr>
+                      <m:oMath xmlns:m="http://schemas.openxmlformats.org/officeDocument/2006/math">
+                        <m:acc>
+                          <m:accPr>
+                            <m:chr m:val="⃗"/>
+                            <m:ctrlPr>
+                              <a:rPr lang="fr-FR" sz="1000" b="0" i="1" smtClean="0">
+                                <a:latin typeface="Cambria Math" panose="02040503050406030204" pitchFamily="18" charset="0"/>
+                              </a:rPr>
+                            </m:ctrlPr>
+                          </m:accPr>
+                          <m:e>
+                            <m:sSub>
+                              <m:sSubPr>
+                                <m:ctrlPr>
+                                  <a:rPr lang="fr-FR" sz="1000" b="0" i="1" smtClean="0">
+                                    <a:latin typeface="Cambria Math" panose="02040503050406030204" pitchFamily="18" charset="0"/>
+                                  </a:rPr>
+                                </m:ctrlPr>
+                              </m:sSubPr>
+                              <m:e>
+                                <m:r>
+                                  <a:rPr lang="fr-FR" sz="1000" b="0" i="1" smtClean="0">
+                                    <a:latin typeface="Cambria Math" panose="02040503050406030204" pitchFamily="18" charset="0"/>
+                                  </a:rPr>
+                                  <m:t>𝑦</m:t>
+                                </m:r>
+                              </m:e>
+                              <m:sub>
+                                <m:r>
+                                  <a:rPr lang="fr-FR" sz="1000" b="0" i="1" smtClean="0">
+                                    <a:latin typeface="Cambria Math" panose="02040503050406030204" pitchFamily="18" charset="0"/>
+                                  </a:rPr>
+                                  <m:t>0</m:t>
+                                </m:r>
+                              </m:sub>
+                            </m:sSub>
+                          </m:e>
+                        </m:acc>
+                      </m:oMath>
+                    </m:oMathPara>
+                  </a14:m>
+                  <a:endParaRPr lang="fr-FR" sz="1000" dirty="0"/>
+                </a:p>
+              </p:txBody>
+            </p:sp>
+          </mc:Choice>
+          <mc:Fallback>
+            <p:sp>
+              <p:nvSpPr>
+                <p:cNvPr id="45" name="ZoneTexte 44">
+                  <a:extLst>
+                    <a:ext uri="{FF2B5EF4-FFF2-40B4-BE49-F238E27FC236}">
+                      <a16:creationId xmlns:a16="http://schemas.microsoft.com/office/drawing/2014/main" id="{F01A7A0C-CEFA-13BE-1840-F838C3CC2B1E}"/>
+                    </a:ext>
+                  </a:extLst>
+                </p:cNvPr>
+                <p:cNvSpPr txBox="1">
+                  <a:spLocks noRot="1" noChangeAspect="1" noMove="1" noResize="1" noEditPoints="1" noAdjustHandles="1" noChangeArrowheads="1" noChangeShapeType="1" noTextEdit="1"/>
+                </p:cNvSpPr>
+                <p:nvPr/>
+              </p:nvSpPr>
+              <p:spPr>
+                <a:xfrm>
+                  <a:off x="3864357" y="2550172"/>
+                  <a:ext cx="156902" cy="153888"/>
+                </a:xfrm>
+                <a:prstGeom prst="rect">
+                  <a:avLst/>
+                </a:prstGeom>
+                <a:blipFill>
+                  <a:blip r:embed="rId11"/>
+                  <a:stretch>
+                    <a:fillRect l="-24000" r="-8000" b="-24000"/>
+                  </a:stretch>
+                </a:blipFill>
+              </p:spPr>
+              <p:txBody>
+                <a:bodyPr/>
+                <a:lstStyle/>
+                <a:p>
+                  <a:r>
+                    <a:rPr lang="fr-FR">
+                      <a:noFill/>
+                    </a:rPr>
+                    <a:t> </a:t>
+                  </a:r>
+                </a:p>
+              </p:txBody>
+            </p:sp>
+          </mc:Fallback>
+        </mc:AlternateContent>
+        <mc:AlternateContent xmlns:mc="http://schemas.openxmlformats.org/markup-compatibility/2006">
+          <mc:Choice xmlns:a14="http://schemas.microsoft.com/office/drawing/2010/main" Requires="a14">
+            <p:sp>
+              <p:nvSpPr>
+                <p:cNvPr id="46" name="ZoneTexte 45">
+                  <a:extLst>
+                    <a:ext uri="{FF2B5EF4-FFF2-40B4-BE49-F238E27FC236}">
+                      <a16:creationId xmlns:a16="http://schemas.microsoft.com/office/drawing/2014/main" id="{C45A7F48-01C9-4FCA-E52D-29FDC97827EC}"/>
+                    </a:ext>
+                  </a:extLst>
+                </p:cNvPr>
+                <p:cNvSpPr txBox="1"/>
+                <p:nvPr/>
+              </p:nvSpPr>
+              <p:spPr>
+                <a:xfrm>
+                  <a:off x="3625745" y="2584081"/>
+                  <a:ext cx="153953" cy="153888"/>
+                </a:xfrm>
+                <a:prstGeom prst="rect">
+                  <a:avLst/>
+                </a:prstGeom>
+                <a:noFill/>
+              </p:spPr>
+              <p:txBody>
+                <a:bodyPr wrap="none" lIns="0" tIns="0" rIns="0" bIns="0" rtlCol="0">
+                  <a:spAutoFit/>
+                </a:bodyPr>
+                <a:lstStyle/>
+                <a:p>
+                  <a:pPr/>
+                  <a14:m>
+                    <m:oMathPara xmlns:m="http://schemas.openxmlformats.org/officeDocument/2006/math">
+                      <m:oMathParaPr>
+                        <m:jc m:val="centerGroup"/>
+                      </m:oMathParaPr>
+                      <m:oMath xmlns:m="http://schemas.openxmlformats.org/officeDocument/2006/math">
+                        <m:acc>
+                          <m:accPr>
+                            <m:chr m:val="⃗"/>
+                            <m:ctrlPr>
+                              <a:rPr lang="fr-FR" sz="1000" b="0" i="1" smtClean="0">
+                                <a:latin typeface="Cambria Math" panose="02040503050406030204" pitchFamily="18" charset="0"/>
+                              </a:rPr>
+                            </m:ctrlPr>
+                          </m:accPr>
+                          <m:e>
+                            <m:sSub>
+                              <m:sSubPr>
+                                <m:ctrlPr>
+                                  <a:rPr lang="fr-FR" sz="1000" b="0" i="1" smtClean="0">
+                                    <a:latin typeface="Cambria Math" panose="02040503050406030204" pitchFamily="18" charset="0"/>
+                                  </a:rPr>
+                                </m:ctrlPr>
+                              </m:sSubPr>
+                              <m:e>
+                                <m:r>
+                                  <a:rPr lang="fr-FR" sz="1000" b="0" i="1" smtClean="0">
+                                    <a:latin typeface="Cambria Math" panose="02040503050406030204" pitchFamily="18" charset="0"/>
+                                  </a:rPr>
+                                  <m:t>𝑦</m:t>
+                                </m:r>
+                              </m:e>
+                              <m:sub>
+                                <m:r>
+                                  <a:rPr lang="fr-FR" sz="1000" b="0" i="1" smtClean="0">
+                                    <a:latin typeface="Cambria Math" panose="02040503050406030204" pitchFamily="18" charset="0"/>
+                                  </a:rPr>
+                                  <m:t>1</m:t>
+                                </m:r>
+                              </m:sub>
+                            </m:sSub>
+                          </m:e>
+                        </m:acc>
+                      </m:oMath>
+                    </m:oMathPara>
+                  </a14:m>
+                  <a:endParaRPr lang="fr-FR" sz="1000" dirty="0"/>
+                </a:p>
+              </p:txBody>
+            </p:sp>
+          </mc:Choice>
+          <mc:Fallback>
+            <p:sp>
+              <p:nvSpPr>
+                <p:cNvPr id="46" name="ZoneTexte 45">
+                  <a:extLst>
+                    <a:ext uri="{FF2B5EF4-FFF2-40B4-BE49-F238E27FC236}">
+                      <a16:creationId xmlns:a16="http://schemas.microsoft.com/office/drawing/2014/main" id="{C45A7F48-01C9-4FCA-E52D-29FDC97827EC}"/>
+                    </a:ext>
+                  </a:extLst>
+                </p:cNvPr>
+                <p:cNvSpPr txBox="1">
+                  <a:spLocks noRot="1" noChangeAspect="1" noMove="1" noResize="1" noEditPoints="1" noAdjustHandles="1" noChangeArrowheads="1" noChangeShapeType="1" noTextEdit="1"/>
+                </p:cNvSpPr>
+                <p:nvPr/>
+              </p:nvSpPr>
+              <p:spPr>
+                <a:xfrm>
+                  <a:off x="3625745" y="2584081"/>
+                  <a:ext cx="153953" cy="153888"/>
+                </a:xfrm>
+                <a:prstGeom prst="rect">
+                  <a:avLst/>
+                </a:prstGeom>
+                <a:blipFill>
+                  <a:blip r:embed="rId12"/>
+                  <a:stretch>
+                    <a:fillRect l="-24000" r="-8000" b="-23077"/>
+                  </a:stretch>
+                </a:blipFill>
+              </p:spPr>
+              <p:txBody>
+                <a:bodyPr/>
+                <a:lstStyle/>
+                <a:p>
+                  <a:r>
+                    <a:rPr lang="fr-FR">
+                      <a:noFill/>
+                    </a:rPr>
+                    <a:t> </a:t>
+                  </a:r>
+                </a:p>
+              </p:txBody>
+            </p:sp>
+          </mc:Fallback>
+        </mc:AlternateContent>
+        <p:sp>
+          <p:nvSpPr>
+            <p:cNvPr id="47" name="Ellipse 46">
+              <a:extLst>
+                <a:ext uri="{FF2B5EF4-FFF2-40B4-BE49-F238E27FC236}">
+                  <a16:creationId xmlns:a16="http://schemas.microsoft.com/office/drawing/2014/main" id="{0024204D-8EC1-760D-68FA-F32FAC052699}"/>
+                </a:ext>
+              </a:extLst>
+            </p:cNvPr>
+            <p:cNvSpPr/>
+            <p:nvPr/>
+          </p:nvSpPr>
+          <p:spPr>
+            <a:xfrm>
+              <a:off x="3891138" y="3373761"/>
+              <a:ext cx="108000" cy="108000"/>
+            </a:xfrm>
+            <a:prstGeom prst="ellipse">
+              <a:avLst/>
+            </a:prstGeom>
+            <a:solidFill>
+              <a:schemeClr val="bg1"/>
+            </a:solidFill>
+            <a:ln w="9525">
+              <a:solidFill>
+                <a:schemeClr val="tx1"/>
+              </a:solidFill>
+            </a:ln>
+          </p:spPr>
+          <p:style>
+            <a:lnRef idx="2">
+              <a:schemeClr val="accent1">
+                <a:shade val="50000"/>
+              </a:schemeClr>
+            </a:lnRef>
+            <a:fillRef idx="1">
+              <a:schemeClr val="accent1"/>
+            </a:fillRef>
+            <a:effectRef idx="0">
+              <a:schemeClr val="accent1"/>
+            </a:effectRef>
+            <a:fontRef idx="minor">
+              <a:schemeClr val="lt1"/>
+            </a:fontRef>
+          </p:style>
+          <p:txBody>
+            <a:bodyPr rtlCol="0" anchor="ctr"/>
+            <a:lstStyle/>
+            <a:p>
+              <a:pPr algn="ctr"/>
+              <a:endParaRPr lang="fr-FR"/>
+            </a:p>
+          </p:txBody>
+        </p:sp>
+        <p:sp>
+          <p:nvSpPr>
+            <p:cNvPr id="48" name="Ellipse 47">
+              <a:extLst>
+                <a:ext uri="{FF2B5EF4-FFF2-40B4-BE49-F238E27FC236}">
+                  <a16:creationId xmlns:a16="http://schemas.microsoft.com/office/drawing/2014/main" id="{F4E6A135-2523-8F7F-7445-B509F57F8B41}"/>
+                </a:ext>
+              </a:extLst>
+            </p:cNvPr>
+            <p:cNvSpPr/>
+            <p:nvPr/>
+          </p:nvSpPr>
+          <p:spPr>
+            <a:xfrm>
+              <a:off x="3927138" y="3409761"/>
+              <a:ext cx="36000" cy="36000"/>
+            </a:xfrm>
+            <a:prstGeom prst="ellipse">
+              <a:avLst/>
+            </a:prstGeom>
+            <a:solidFill>
+              <a:schemeClr val="tx1"/>
+            </a:solidFill>
+            <a:ln w="9525">
+              <a:solidFill>
+                <a:schemeClr val="tx1"/>
+              </a:solidFill>
+            </a:ln>
+          </p:spPr>
+          <p:style>
+            <a:lnRef idx="2">
+              <a:schemeClr val="accent1">
+                <a:shade val="50000"/>
+              </a:schemeClr>
+            </a:lnRef>
+            <a:fillRef idx="1">
+              <a:schemeClr val="accent1"/>
+            </a:fillRef>
+            <a:effectRef idx="0">
+              <a:schemeClr val="accent1"/>
+            </a:effectRef>
+            <a:fontRef idx="minor">
+              <a:schemeClr val="lt1"/>
+            </a:fontRef>
+          </p:style>
+          <p:txBody>
+            <a:bodyPr rtlCol="0" anchor="ctr"/>
+            <a:lstStyle/>
+            <a:p>
+              <a:pPr algn="ctr"/>
+              <a:endParaRPr lang="fr-FR"/>
+            </a:p>
+          </p:txBody>
+        </p:sp>
+        <mc:AlternateContent xmlns:mc="http://schemas.openxmlformats.org/markup-compatibility/2006">
+          <mc:Choice xmlns:a14="http://schemas.microsoft.com/office/drawing/2010/main" Requires="a14">
+            <p:sp>
+              <p:nvSpPr>
+                <p:cNvPr id="49" name="ZoneTexte 48">
+                  <a:extLst>
+                    <a:ext uri="{FF2B5EF4-FFF2-40B4-BE49-F238E27FC236}">
+                      <a16:creationId xmlns:a16="http://schemas.microsoft.com/office/drawing/2014/main" id="{FA47477D-B9E3-CD7F-2EC3-E4A1DDC330E9}"/>
+                    </a:ext>
+                  </a:extLst>
+                </p:cNvPr>
+                <p:cNvSpPr txBox="1"/>
+                <p:nvPr/>
+              </p:nvSpPr>
+              <p:spPr>
+                <a:xfrm>
+                  <a:off x="3419103" y="2654598"/>
+                  <a:ext cx="156902" cy="153888"/>
+                </a:xfrm>
+                <a:prstGeom prst="rect">
+                  <a:avLst/>
+                </a:prstGeom>
+                <a:noFill/>
+              </p:spPr>
+              <p:txBody>
+                <a:bodyPr wrap="none" lIns="0" tIns="0" rIns="0" bIns="0" rtlCol="0">
+                  <a:spAutoFit/>
+                </a:bodyPr>
+                <a:lstStyle/>
+                <a:p>
+                  <a:pPr/>
+                  <a14:m>
+                    <m:oMathPara xmlns:m="http://schemas.openxmlformats.org/officeDocument/2006/math">
+                      <m:oMathParaPr>
+                        <m:jc m:val="centerGroup"/>
+                      </m:oMathParaPr>
+                      <m:oMath xmlns:m="http://schemas.openxmlformats.org/officeDocument/2006/math">
+                        <m:acc>
+                          <m:accPr>
+                            <m:chr m:val="⃗"/>
+                            <m:ctrlPr>
+                              <a:rPr lang="fr-FR" sz="1000" b="0" i="1" smtClean="0">
+                                <a:latin typeface="Cambria Math" panose="02040503050406030204" pitchFamily="18" charset="0"/>
+                              </a:rPr>
+                            </m:ctrlPr>
+                          </m:accPr>
+                          <m:e>
+                            <m:sSub>
+                              <m:sSubPr>
+                                <m:ctrlPr>
+                                  <a:rPr lang="fr-FR" sz="1000" b="0" i="1" smtClean="0">
+                                    <a:latin typeface="Cambria Math" panose="02040503050406030204" pitchFamily="18" charset="0"/>
+                                  </a:rPr>
+                                </m:ctrlPr>
+                              </m:sSubPr>
+                              <m:e>
+                                <m:r>
+                                  <a:rPr lang="fr-FR" sz="1000" b="0" i="1" smtClean="0">
+                                    <a:latin typeface="Cambria Math" panose="02040503050406030204" pitchFamily="18" charset="0"/>
+                                  </a:rPr>
+                                  <m:t>𝑦</m:t>
+                                </m:r>
+                              </m:e>
+                              <m:sub>
+                                <m:r>
+                                  <a:rPr lang="fr-FR" sz="1000" b="0" i="1" smtClean="0">
+                                    <a:latin typeface="Cambria Math" panose="02040503050406030204" pitchFamily="18" charset="0"/>
+                                  </a:rPr>
+                                  <m:t>2</m:t>
+                                </m:r>
+                              </m:sub>
+                            </m:sSub>
+                          </m:e>
+                        </m:acc>
+                      </m:oMath>
+                    </m:oMathPara>
+                  </a14:m>
+                  <a:endParaRPr lang="fr-FR" sz="1000" dirty="0"/>
+                </a:p>
+              </p:txBody>
+            </p:sp>
+          </mc:Choice>
+          <mc:Fallback>
+            <p:sp>
+              <p:nvSpPr>
+                <p:cNvPr id="49" name="ZoneTexte 48">
+                  <a:extLst>
+                    <a:ext uri="{FF2B5EF4-FFF2-40B4-BE49-F238E27FC236}">
+                      <a16:creationId xmlns:a16="http://schemas.microsoft.com/office/drawing/2014/main" id="{FA47477D-B9E3-CD7F-2EC3-E4A1DDC330E9}"/>
+                    </a:ext>
+                  </a:extLst>
+                </p:cNvPr>
+                <p:cNvSpPr txBox="1">
+                  <a:spLocks noRot="1" noChangeAspect="1" noMove="1" noResize="1" noEditPoints="1" noAdjustHandles="1" noChangeArrowheads="1" noChangeShapeType="1" noTextEdit="1"/>
+                </p:cNvSpPr>
+                <p:nvPr/>
+              </p:nvSpPr>
+              <p:spPr>
+                <a:xfrm>
+                  <a:off x="3419103" y="2654598"/>
+                  <a:ext cx="156902" cy="153888"/>
+                </a:xfrm>
+                <a:prstGeom prst="rect">
+                  <a:avLst/>
+                </a:prstGeom>
+                <a:blipFill>
+                  <a:blip r:embed="rId13"/>
+                  <a:stretch>
+                    <a:fillRect l="-24000" r="-8000" b="-28000"/>
+                  </a:stretch>
+                </a:blipFill>
+              </p:spPr>
+              <p:txBody>
+                <a:bodyPr/>
+                <a:lstStyle/>
+                <a:p>
+                  <a:r>
+                    <a:rPr lang="fr-FR">
+                      <a:noFill/>
+                    </a:rPr>
+                    <a:t> </a:t>
+                  </a:r>
+                </a:p>
+              </p:txBody>
+            </p:sp>
+          </mc:Fallback>
+        </mc:AlternateContent>
+        <p:sp>
+          <p:nvSpPr>
+            <p:cNvPr id="50" name="Arc 49">
+              <a:extLst>
+                <a:ext uri="{FF2B5EF4-FFF2-40B4-BE49-F238E27FC236}">
+                  <a16:creationId xmlns:a16="http://schemas.microsoft.com/office/drawing/2014/main" id="{C2F33B79-916F-90D0-9699-D7ABF630B34F}"/>
+                </a:ext>
+              </a:extLst>
+            </p:cNvPr>
+            <p:cNvSpPr/>
+            <p:nvPr/>
+          </p:nvSpPr>
+          <p:spPr>
+            <a:xfrm>
+              <a:off x="3587295" y="3065670"/>
+              <a:ext cx="720000" cy="720000"/>
+            </a:xfrm>
+            <a:prstGeom prst="arc">
+              <a:avLst>
+                <a:gd name="adj1" fmla="val 19762850"/>
+                <a:gd name="adj2" fmla="val 0"/>
+              </a:avLst>
+            </a:prstGeom>
+            <a:ln>
+              <a:solidFill>
+                <a:srgbClr val="7030A0"/>
+              </a:solidFill>
+              <a:headEnd type="stealth" w="sm" len="med"/>
+            </a:ln>
+          </p:spPr>
+          <p:style>
+            <a:lnRef idx="1">
+              <a:schemeClr val="accent1"/>
+            </a:lnRef>
+            <a:fillRef idx="0">
+              <a:schemeClr val="accent1"/>
+            </a:fillRef>
+            <a:effectRef idx="0">
+              <a:schemeClr val="accent1"/>
+            </a:effectRef>
+            <a:fontRef idx="minor">
+              <a:schemeClr val="tx1"/>
+            </a:fontRef>
+          </p:style>
+          <p:txBody>
+            <a:bodyPr rtlCol="0" anchor="ctr"/>
+            <a:lstStyle/>
+            <a:p>
+              <a:pPr algn="ctr"/>
+              <a:endParaRPr lang="fr-FR"/>
+            </a:p>
+          </p:txBody>
+        </p:sp>
+        <p:sp>
+          <p:nvSpPr>
+            <p:cNvPr id="51" name="Arc 50">
+              <a:extLst>
+                <a:ext uri="{FF2B5EF4-FFF2-40B4-BE49-F238E27FC236}">
+                  <a16:creationId xmlns:a16="http://schemas.microsoft.com/office/drawing/2014/main" id="{628F6DF2-C779-7256-1F50-7D3BE626F692}"/>
+                </a:ext>
+              </a:extLst>
+            </p:cNvPr>
+            <p:cNvSpPr/>
+            <p:nvPr/>
+          </p:nvSpPr>
+          <p:spPr>
+            <a:xfrm>
+              <a:off x="3409371" y="2884256"/>
+              <a:ext cx="1074384" cy="1074384"/>
+            </a:xfrm>
+            <a:prstGeom prst="arc">
+              <a:avLst>
+                <a:gd name="adj1" fmla="val 20568333"/>
+                <a:gd name="adj2" fmla="val 0"/>
+              </a:avLst>
+            </a:prstGeom>
+            <a:ln>
+              <a:solidFill>
+                <a:srgbClr val="FFC000"/>
+              </a:solidFill>
+              <a:headEnd type="stealth" w="sm" len="med"/>
+            </a:ln>
+          </p:spPr>
+          <p:style>
+            <a:lnRef idx="1">
+              <a:schemeClr val="accent1"/>
+            </a:lnRef>
+            <a:fillRef idx="0">
+              <a:schemeClr val="accent1"/>
+            </a:fillRef>
+            <a:effectRef idx="0">
+              <a:schemeClr val="accent1"/>
+            </a:effectRef>
+            <a:fontRef idx="minor">
+              <a:schemeClr val="tx1"/>
+            </a:fontRef>
+          </p:style>
+          <p:txBody>
+            <a:bodyPr rtlCol="0" anchor="ctr"/>
+            <a:lstStyle/>
+            <a:p>
+              <a:pPr algn="ctr"/>
+              <a:endParaRPr lang="fr-FR"/>
+            </a:p>
+          </p:txBody>
+        </p:sp>
+        <mc:AlternateContent xmlns:mc="http://schemas.openxmlformats.org/markup-compatibility/2006">
+          <mc:Choice xmlns:a14="http://schemas.microsoft.com/office/drawing/2010/main" Requires="a14">
+            <p:sp>
+              <p:nvSpPr>
+                <p:cNvPr id="52" name="ZoneTexte 51">
+                  <a:extLst>
+                    <a:ext uri="{FF2B5EF4-FFF2-40B4-BE49-F238E27FC236}">
+                      <a16:creationId xmlns:a16="http://schemas.microsoft.com/office/drawing/2014/main" id="{89F8A80B-CEBA-FF29-DEFB-681300EC3D87}"/>
+                    </a:ext>
+                  </a:extLst>
+                </p:cNvPr>
+                <p:cNvSpPr txBox="1"/>
+                <p:nvPr/>
+              </p:nvSpPr>
+              <p:spPr>
+                <a:xfrm>
+                  <a:off x="4137485" y="3020667"/>
+                  <a:ext cx="104772" cy="153888"/>
+                </a:xfrm>
+                <a:prstGeom prst="rect">
+                  <a:avLst/>
+                </a:prstGeom>
+                <a:noFill/>
+              </p:spPr>
+              <p:txBody>
+                <a:bodyPr wrap="none" lIns="0" tIns="0" rIns="0" bIns="0" rtlCol="0">
+                  <a:spAutoFit/>
+                </a:bodyPr>
+                <a:lstStyle/>
+                <a:p>
+                  <a:pPr/>
+                  <a14:m>
+                    <m:oMathPara xmlns:m="http://schemas.openxmlformats.org/officeDocument/2006/math">
+                      <m:oMathParaPr>
+                        <m:jc m:val="centerGroup"/>
+                      </m:oMathParaPr>
+                      <m:oMath xmlns:m="http://schemas.openxmlformats.org/officeDocument/2006/math">
+                        <m:r>
+                          <a:rPr lang="fr-FR" sz="1000" b="0" i="1" smtClean="0">
+                            <a:latin typeface="Cambria Math" panose="02040503050406030204" pitchFamily="18" charset="0"/>
+                          </a:rPr>
+                          <m:t>𝜃</m:t>
+                        </m:r>
+                      </m:oMath>
+                    </m:oMathPara>
+                  </a14:m>
+                  <a:endParaRPr lang="fr-FR" sz="1000" dirty="0"/>
+                </a:p>
+              </p:txBody>
+            </p:sp>
+          </mc:Choice>
+          <mc:Fallback>
+            <p:sp>
+              <p:nvSpPr>
+                <p:cNvPr id="52" name="ZoneTexte 51">
+                  <a:extLst>
+                    <a:ext uri="{FF2B5EF4-FFF2-40B4-BE49-F238E27FC236}">
+                      <a16:creationId xmlns:a16="http://schemas.microsoft.com/office/drawing/2014/main" id="{89F8A80B-CEBA-FF29-DEFB-681300EC3D87}"/>
+                    </a:ext>
+                  </a:extLst>
+                </p:cNvPr>
+                <p:cNvSpPr txBox="1">
+                  <a:spLocks noRot="1" noChangeAspect="1" noMove="1" noResize="1" noEditPoints="1" noAdjustHandles="1" noChangeArrowheads="1" noChangeShapeType="1" noTextEdit="1"/>
+                </p:cNvSpPr>
+                <p:nvPr/>
+              </p:nvSpPr>
+              <p:spPr>
+                <a:xfrm>
+                  <a:off x="4137485" y="3020667"/>
+                  <a:ext cx="104772" cy="153888"/>
+                </a:xfrm>
+                <a:prstGeom prst="rect">
+                  <a:avLst/>
+                </a:prstGeom>
+                <a:blipFill>
+                  <a:blip r:embed="rId14"/>
+                  <a:stretch>
+                    <a:fillRect l="-35294" r="-23529" b="-12000"/>
+                  </a:stretch>
+                </a:blipFill>
+              </p:spPr>
+              <p:txBody>
+                <a:bodyPr/>
+                <a:lstStyle/>
+                <a:p>
+                  <a:r>
+                    <a:rPr lang="fr-FR">
+                      <a:noFill/>
+                    </a:rPr>
+                    <a:t> </a:t>
+                  </a:r>
+                </a:p>
+              </p:txBody>
+            </p:sp>
+          </mc:Fallback>
+        </mc:AlternateContent>
+        <mc:AlternateContent xmlns:mc="http://schemas.openxmlformats.org/markup-compatibility/2006">
+          <mc:Choice xmlns:a14="http://schemas.microsoft.com/office/drawing/2010/main" Requires="a14">
+            <p:sp>
+              <p:nvSpPr>
+                <p:cNvPr id="53" name="ZoneTexte 52">
+                  <a:extLst>
+                    <a:ext uri="{FF2B5EF4-FFF2-40B4-BE49-F238E27FC236}">
+                      <a16:creationId xmlns:a16="http://schemas.microsoft.com/office/drawing/2014/main" id="{9BDAE280-837F-4C88-D34F-E90707630C73}"/>
+                    </a:ext>
+                  </a:extLst>
+                </p:cNvPr>
+                <p:cNvSpPr txBox="1"/>
+                <p:nvPr/>
+              </p:nvSpPr>
+              <p:spPr>
+                <a:xfrm>
+                  <a:off x="4506802" y="3252239"/>
+                  <a:ext cx="118174" cy="153888"/>
+                </a:xfrm>
+                <a:prstGeom prst="rect">
+                  <a:avLst/>
+                </a:prstGeom>
+                <a:noFill/>
+              </p:spPr>
+              <p:txBody>
+                <a:bodyPr wrap="none" lIns="0" tIns="0" rIns="0" bIns="0" rtlCol="0">
+                  <a:spAutoFit/>
+                </a:bodyPr>
+                <a:lstStyle/>
+                <a:p>
+                  <a:pPr/>
+                  <a14:m>
+                    <m:oMathPara xmlns:m="http://schemas.openxmlformats.org/officeDocument/2006/math">
+                      <m:oMathParaPr>
+                        <m:jc m:val="centerGroup"/>
+                      </m:oMathParaPr>
+                      <m:oMath xmlns:m="http://schemas.openxmlformats.org/officeDocument/2006/math">
+                        <m:r>
+                          <a:rPr lang="fr-FR" sz="1000" b="0" i="1" smtClean="0">
+                            <a:latin typeface="Cambria Math" panose="02040503050406030204" pitchFamily="18" charset="0"/>
+                          </a:rPr>
+                          <m:t>𝜑</m:t>
+                        </m:r>
+                      </m:oMath>
+                    </m:oMathPara>
+                  </a14:m>
+                  <a:endParaRPr lang="fr-FR" sz="1000" dirty="0"/>
+                </a:p>
+              </p:txBody>
+            </p:sp>
+          </mc:Choice>
+          <mc:Fallback>
+            <p:sp>
+              <p:nvSpPr>
+                <p:cNvPr id="53" name="ZoneTexte 52">
+                  <a:extLst>
+                    <a:ext uri="{FF2B5EF4-FFF2-40B4-BE49-F238E27FC236}">
+                      <a16:creationId xmlns:a16="http://schemas.microsoft.com/office/drawing/2014/main" id="{9BDAE280-837F-4C88-D34F-E90707630C73}"/>
+                    </a:ext>
+                  </a:extLst>
+                </p:cNvPr>
+                <p:cNvSpPr txBox="1">
+                  <a:spLocks noRot="1" noChangeAspect="1" noMove="1" noResize="1" noEditPoints="1" noAdjustHandles="1" noChangeArrowheads="1" noChangeShapeType="1" noTextEdit="1"/>
+                </p:cNvSpPr>
+                <p:nvPr/>
+              </p:nvSpPr>
+              <p:spPr>
+                <a:xfrm>
+                  <a:off x="4506802" y="3252239"/>
+                  <a:ext cx="118174" cy="153888"/>
+                </a:xfrm>
+                <a:prstGeom prst="rect">
+                  <a:avLst/>
+                </a:prstGeom>
+                <a:blipFill>
+                  <a:blip r:embed="rId15"/>
+                  <a:stretch>
+                    <a:fillRect l="-26316" r="-26316" b="-28000"/>
+                  </a:stretch>
+                </a:blipFill>
+              </p:spPr>
+              <p:txBody>
+                <a:bodyPr/>
+                <a:lstStyle/>
+                <a:p>
+                  <a:r>
+                    <a:rPr lang="fr-FR">
+                      <a:noFill/>
+                    </a:rPr>
+                    <a:t> </a:t>
+                  </a:r>
+                </a:p>
+              </p:txBody>
+            </p:sp>
+          </mc:Fallback>
+        </mc:AlternateContent>
+      </p:grpSp>
+    </p:spTree>
+    <p:extLst>
+      <p:ext uri="{BB962C8B-B14F-4D97-AF65-F5344CB8AC3E}">
+        <p14:creationId xmlns:p14="http://schemas.microsoft.com/office/powerpoint/2010/main" val="3370168437"/>
+      </p:ext>
+    </p:extLst>
+  </p:cSld>
+  <p:clrMapOvr>
+    <a:masterClrMapping/>
+  </p:clrMapOvr>
+</p:sld>
+</file>
+
+<file path=ppt/slides/slide12.xml><?xml version="1.0" encoding="utf-8"?>
+<p:sld xmlns:a="http://schemas.openxmlformats.org/drawingml/2006/main" xmlns:r="http://schemas.openxmlformats.org/officeDocument/2006/relationships" xmlns:p="http://schemas.openxmlformats.org/presentationml/2006/main">
+  <p:cSld>
+    <p:spTree>
+      <p:nvGrpSpPr>
+        <p:cNvPr id="1" name=""/>
+        <p:cNvGrpSpPr/>
+        <p:nvPr/>
+      </p:nvGrpSpPr>
+      <p:grpSpPr>
+        <a:xfrm>
+          <a:off x="0" y="0"/>
+          <a:ext cx="0" cy="0"/>
+          <a:chOff x="0" y="0"/>
+          <a:chExt cx="0" cy="0"/>
+        </a:xfrm>
+      </p:grpSpPr>
+      <p:sp>
+        <p:nvSpPr>
+          <p:cNvPr id="2" name="Titre 1">
+            <a:extLst>
+              <a:ext uri="{FF2B5EF4-FFF2-40B4-BE49-F238E27FC236}">
+                <a16:creationId xmlns:a16="http://schemas.microsoft.com/office/drawing/2014/main" id="{11B93E5D-BFFA-4BE0-BFB2-10B8A1E22801}"/>
+              </a:ext>
+            </a:extLst>
+          </p:cNvPr>
+          <p:cNvSpPr>
+            <a:spLocks noGrp="1"/>
+          </p:cNvSpPr>
+          <p:nvPr>
+            <p:ph type="title"/>
+          </p:nvPr>
+        </p:nvSpPr>
+        <p:spPr/>
+        <p:txBody>
+          <a:bodyPr/>
+          <a:lstStyle/>
+          <a:p>
+            <a:endParaRPr lang="fr-FR" dirty="0"/>
+          </a:p>
+        </p:txBody>
+      </p:sp>
+      <p:sp>
+        <p:nvSpPr>
+          <p:cNvPr id="3" name="Espace réservé du contenu 2">
+            <a:extLst>
+              <a:ext uri="{FF2B5EF4-FFF2-40B4-BE49-F238E27FC236}">
+                <a16:creationId xmlns:a16="http://schemas.microsoft.com/office/drawing/2014/main" id="{9D4F5323-88C8-4E40-AC9C-10343472792A}"/>
+              </a:ext>
+            </a:extLst>
+          </p:cNvPr>
+          <p:cNvSpPr>
+            <a:spLocks noGrp="1"/>
+          </p:cNvSpPr>
+          <p:nvPr>
+            <p:ph idx="1"/>
+          </p:nvPr>
+        </p:nvSpPr>
+        <p:spPr/>
+        <p:txBody>
+          <a:bodyPr/>
+          <a:lstStyle/>
+          <a:p>
+            <a:endParaRPr lang="fr-FR" dirty="0"/>
+          </a:p>
+        </p:txBody>
+      </p:sp>
+    </p:spTree>
+    <p:extLst>
+      <p:ext uri="{BB962C8B-B14F-4D97-AF65-F5344CB8AC3E}">
+        <p14:creationId xmlns:p14="http://schemas.microsoft.com/office/powerpoint/2010/main" val="1492841542"/>
+      </p:ext>
+    </p:extLst>
+  </p:cSld>
+  <p:clrMapOvr>
+    <a:masterClrMapping/>
+  </p:clrMapOvr>
+</p:sld>
+</file>
+
+<file path=ppt/slides/slide13.xml><?xml version="1.0" encoding="utf-8"?>
+<p:sld xmlns:a="http://schemas.openxmlformats.org/drawingml/2006/main" xmlns:r="http://schemas.openxmlformats.org/officeDocument/2006/relationships" xmlns:p="http://schemas.openxmlformats.org/presentationml/2006/main">
+  <p:cSld>
+    <p:spTree>
+      <p:nvGrpSpPr>
+        <p:cNvPr id="1" name=""/>
+        <p:cNvGrpSpPr/>
+        <p:nvPr/>
+      </p:nvGrpSpPr>
+      <p:grpSpPr>
+        <a:xfrm>
+          <a:off x="0" y="0"/>
+          <a:ext cx="0" cy="0"/>
+          <a:chOff x="0" y="0"/>
+          <a:chExt cx="0" cy="0"/>
+        </a:xfrm>
+      </p:grpSpPr>
+      <p:sp>
+        <p:nvSpPr>
           <p:cNvPr id="2" name="Titre 1">
             <a:extLst>
               <a:ext uri="{FF2B5EF4-FFF2-40B4-BE49-F238E27FC236}">
@@ -7275,7 +10825,7 @@
 </p:sld>
 </file>
 
-<file path=ppt/slides/slide11.xml><?xml version="1.0" encoding="utf-8"?>
+<file path=ppt/slides/slide14.xml><?xml version="1.0" encoding="utf-8"?>
 <p:sld xmlns:a="http://schemas.openxmlformats.org/drawingml/2006/main" xmlns:r="http://schemas.openxmlformats.org/officeDocument/2006/relationships" xmlns:p="http://schemas.openxmlformats.org/presentationml/2006/main">
   <p:cSld>
     <p:spTree>
@@ -10151,7 +13701,7 @@
 </p:sld>
 </file>
 
-<file path=ppt/slides/slide12.xml><?xml version="1.0" encoding="utf-8"?>
+<file path=ppt/slides/slide15.xml><?xml version="1.0" encoding="utf-8"?>
 <p:sld xmlns:a="http://schemas.openxmlformats.org/drawingml/2006/main" xmlns:r="http://schemas.openxmlformats.org/officeDocument/2006/relationships" xmlns:p="http://schemas.openxmlformats.org/presentationml/2006/main">
   <p:cSld>
     <p:spTree>
@@ -13507,7 +17057,7 @@
 </p:sld>
 </file>
 
-<file path=ppt/slides/slide13.xml><?xml version="1.0" encoding="utf-8"?>
+<file path=ppt/slides/slide16.xml><?xml version="1.0" encoding="utf-8"?>
 <p:sld xmlns:a="http://schemas.openxmlformats.org/drawingml/2006/main" xmlns:r="http://schemas.openxmlformats.org/officeDocument/2006/relationships" xmlns:p="http://schemas.openxmlformats.org/presentationml/2006/main">
   <p:cSld>
     <p:spTree>
@@ -18903,7 +22453,7 @@
 </p:sld>
 </file>
 
-<file path=ppt/slides/slide14.xml><?xml version="1.0" encoding="utf-8"?>
+<file path=ppt/slides/slide17.xml><?xml version="1.0" encoding="utf-8"?>
 <p:sld xmlns:a="http://schemas.openxmlformats.org/drawingml/2006/main" xmlns:r="http://schemas.openxmlformats.org/officeDocument/2006/relationships" xmlns:p="http://schemas.openxmlformats.org/presentationml/2006/main">
   <p:cSld>
     <p:spTree>
@@ -23879,7 +27429,7 @@
 </p:sld>
 </file>
 
-<file path=ppt/slides/slide15.xml><?xml version="1.0" encoding="utf-8"?>
+<file path=ppt/slides/slide18.xml><?xml version="1.0" encoding="utf-8"?>
 <p:sld xmlns:a="http://schemas.openxmlformats.org/drawingml/2006/main" xmlns:r="http://schemas.openxmlformats.org/officeDocument/2006/relationships" xmlns:p="http://schemas.openxmlformats.org/presentationml/2006/main">
   <p:cSld>
     <p:spTree>
@@ -32745,8 +36295,8 @@
           </a:p>
         </p:txBody>
       </p:sp>
-      <mc:AlternateContent xmlns:mc="http://schemas.openxmlformats.org/markup-compatibility/2006">
-        <mc:Choice xmlns:a14="http://schemas.microsoft.com/office/drawing/2010/main" Requires="a14">
+      <mc:AlternateContent xmlns:mc="http://schemas.openxmlformats.org/markup-compatibility/2006" xmlns:a14="http://schemas.microsoft.com/office/drawing/2010/main">
+        <mc:Choice Requires="a14">
           <p:sp>
             <p:nvSpPr>
               <p:cNvPr id="3" name="Espace réservé du contenu 2">
@@ -33151,19 +36701,7 @@
                       <a:rPr lang="fr-FR" b="0" i="1" smtClean="0">
                         <a:latin typeface="Cambria Math" panose="02040503050406030204" pitchFamily="18" charset="0"/>
                       </a:rPr>
-                      <m:t>=0,8</m:t>
-                    </m:r>
-                    <m:r>
-                      <a:rPr lang="fr-FR" b="0" i="1" smtClean="0">
-                        <a:latin typeface="Cambria Math" panose="02040503050406030204" pitchFamily="18" charset="0"/>
-                      </a:rPr>
-                      <m:t>25</m:t>
-                    </m:r>
-                    <m:r>
-                      <a:rPr lang="fr-FR" b="0" i="1" smtClean="0">
-                        <a:latin typeface="Cambria Math" panose="02040503050406030204" pitchFamily="18" charset="0"/>
-                      </a:rPr>
-                      <m:t> </m:t>
+                      <m:t>=0,825 </m:t>
                     </m:r>
                     <m:r>
                       <m:rPr>
@@ -34247,7 +37785,7 @@
             </p:txBody>
           </p:sp>
         </mc:Choice>
-        <mc:Fallback>
+        <mc:Fallback xmlns="">
           <p:sp>
             <p:nvSpPr>
               <p:cNvPr id="3" name="Espace réservé du contenu 2">
@@ -36086,8 +39624,8 @@
             <a:effectLst/>
           </p:spPr>
         </p:cxnSp>
-        <mc:AlternateContent xmlns:mc="http://schemas.openxmlformats.org/markup-compatibility/2006">
-          <mc:Choice xmlns:a14="http://schemas.microsoft.com/office/drawing/2010/main" Requires="a14">
+        <mc:AlternateContent xmlns:mc="http://schemas.openxmlformats.org/markup-compatibility/2006" xmlns:a14="http://schemas.microsoft.com/office/drawing/2010/main">
+          <mc:Choice Requires="a14">
             <p:sp>
               <p:nvSpPr>
                 <p:cNvPr id="67" name="ZoneTexte 66">
@@ -36172,7 +39710,7 @@
               </p:txBody>
             </p:sp>
           </mc:Choice>
-          <mc:Fallback>
+          <mc:Fallback xmlns="">
             <p:sp>
               <p:nvSpPr>
                 <p:cNvPr id="67" name="ZoneTexte 66">
@@ -37609,8 +41147,8 @@
             </p:spPr>
           </p:cxnSp>
         </p:grpSp>
-        <mc:AlternateContent xmlns:mc="http://schemas.openxmlformats.org/markup-compatibility/2006">
-          <mc:Choice xmlns:a14="http://schemas.microsoft.com/office/drawing/2010/main" Requires="a14">
+        <mc:AlternateContent xmlns:mc="http://schemas.openxmlformats.org/markup-compatibility/2006" xmlns:a14="http://schemas.microsoft.com/office/drawing/2010/main">
+          <mc:Choice Requires="a14">
             <p:sp>
               <p:nvSpPr>
                 <p:cNvPr id="91" name="ZoneTexte 90">
@@ -37732,7 +41270,7 @@
               </p:txBody>
             </p:sp>
           </mc:Choice>
-          <mc:Fallback>
+          <mc:Fallback xmlns="">
             <p:sp>
               <p:nvSpPr>
                 <p:cNvPr id="91" name="ZoneTexte 90">
@@ -37847,8 +41385,8 @@
             </a:p>
           </p:txBody>
         </p:sp>
-        <mc:AlternateContent xmlns:mc="http://schemas.openxmlformats.org/markup-compatibility/2006">
-          <mc:Choice xmlns:a14="http://schemas.microsoft.com/office/drawing/2010/main" Requires="a14">
+        <mc:AlternateContent xmlns:mc="http://schemas.openxmlformats.org/markup-compatibility/2006" xmlns:a14="http://schemas.microsoft.com/office/drawing/2010/main">
+          <mc:Choice Requires="a14">
             <p:sp>
               <p:nvSpPr>
                 <p:cNvPr id="96" name="ZoneTexte 95">
@@ -37933,7 +41471,7 @@
               </p:txBody>
             </p:sp>
           </mc:Choice>
-          <mc:Fallback>
+          <mc:Fallback xmlns="">
             <p:sp>
               <p:nvSpPr>
                 <p:cNvPr id="96" name="ZoneTexte 95">
@@ -37978,8 +41516,8 @@
             </p:sp>
           </mc:Fallback>
         </mc:AlternateContent>
-        <mc:AlternateContent xmlns:mc="http://schemas.openxmlformats.org/markup-compatibility/2006">
-          <mc:Choice xmlns:a14="http://schemas.microsoft.com/office/drawing/2010/main" Requires="a14">
+        <mc:AlternateContent xmlns:mc="http://schemas.openxmlformats.org/markup-compatibility/2006" xmlns:a14="http://schemas.microsoft.com/office/drawing/2010/main">
+          <mc:Choice Requires="a14">
             <p:sp>
               <p:nvSpPr>
                 <p:cNvPr id="105" name="ZoneTexte 104">
@@ -38143,7 +41681,7 @@
               </p:txBody>
             </p:sp>
           </mc:Choice>
-          <mc:Fallback>
+          <mc:Fallback xmlns="">
             <p:sp>
               <p:nvSpPr>
                 <p:cNvPr id="105" name="ZoneTexte 104">
@@ -38230,8 +41768,8 @@
           </a:fontRef>
         </p:style>
       </p:cxnSp>
-      <mc:AlternateContent xmlns:mc="http://schemas.openxmlformats.org/markup-compatibility/2006">
-        <mc:Choice xmlns:a14="http://schemas.microsoft.com/office/drawing/2010/main" Requires="a14">
+      <mc:AlternateContent xmlns:mc="http://schemas.openxmlformats.org/markup-compatibility/2006" xmlns:a14="http://schemas.microsoft.com/office/drawing/2010/main">
+        <mc:Choice Requires="a14">
           <p:sp>
             <p:nvSpPr>
               <p:cNvPr id="106" name="ZoneTexte 105">
@@ -38378,7 +41916,7 @@
             </p:txBody>
           </p:sp>
         </mc:Choice>
-        <mc:Fallback>
+        <mc:Fallback xmlns="">
           <p:sp>
             <p:nvSpPr>
               <p:cNvPr id="106" name="ZoneTexte 105">
@@ -38481,8 +42019,8 @@
           </a:p>
         </p:txBody>
       </p:sp>
-      <mc:AlternateContent xmlns:mc="http://schemas.openxmlformats.org/markup-compatibility/2006">
-        <mc:Choice xmlns:a14="http://schemas.microsoft.com/office/drawing/2010/main" Requires="a14">
+      <mc:AlternateContent xmlns:mc="http://schemas.openxmlformats.org/markup-compatibility/2006" xmlns:a14="http://schemas.microsoft.com/office/drawing/2010/main">
+        <mc:Choice Requires="a14">
           <p:sp>
             <p:nvSpPr>
               <p:cNvPr id="3" name="Espace réservé du contenu 2">
@@ -39003,7 +42541,7 @@
             </p:txBody>
           </p:sp>
         </mc:Choice>
-        <mc:Fallback>
+        <mc:Fallback xmlns="">
           <p:sp>
             <p:nvSpPr>
               <p:cNvPr id="3" name="Espace réservé du contenu 2">
@@ -39135,8 +42673,8 @@
           </a:p>
         </p:txBody>
       </p:sp>
-      <mc:AlternateContent xmlns:mc="http://schemas.openxmlformats.org/markup-compatibility/2006">
-        <mc:Choice xmlns:a14="http://schemas.microsoft.com/office/drawing/2010/main" Requires="a14">
+      <mc:AlternateContent xmlns:mc="http://schemas.openxmlformats.org/markup-compatibility/2006" xmlns:a14="http://schemas.microsoft.com/office/drawing/2010/main">
+        <mc:Choice Requires="a14">
           <p:sp>
             <p:nvSpPr>
               <p:cNvPr id="3" name="Espace réservé du contenu 2">
@@ -40220,7 +43758,7 @@
                     <m:f>
                       <m:fPr>
                         <m:ctrlPr>
-                          <a:rPr lang="fr-FR" b="0" i="0" smtClean="0">
+                          <a:rPr lang="fr-FR" b="0" i="1" smtClean="0">
                             <a:latin typeface="Cambria Math" panose="02040503050406030204" pitchFamily="18" charset="0"/>
                           </a:rPr>
                         </m:ctrlPr>
@@ -41317,7 +44855,7 @@
             </p:txBody>
           </p:sp>
         </mc:Choice>
-        <mc:Fallback>
+        <mc:Fallback xmlns="">
           <p:sp>
             <p:nvSpPr>
               <p:cNvPr id="3" name="Espace réservé du contenu 2">
